--- a/페이지네이션.pptx
+++ b/페이지네이션.pptx
@@ -5,11 +5,16 @@
     <p:sldMasterId id="2147483648" r:id="rId1"/>
   </p:sldMasterIdLst>
   <p:sldIdLst>
-    <p:sldId id="256" r:id="rId2"/>
-    <p:sldId id="257" r:id="rId3"/>
-    <p:sldId id="258" r:id="rId4"/>
-    <p:sldId id="259" r:id="rId5"/>
-    <p:sldId id="260" r:id="rId6"/>
+    <p:sldId id="262" r:id="rId2"/>
+    <p:sldId id="263" r:id="rId3"/>
+    <p:sldId id="264" r:id="rId4"/>
+    <p:sldId id="256" r:id="rId5"/>
+    <p:sldId id="265" r:id="rId6"/>
+    <p:sldId id="266" r:id="rId7"/>
+    <p:sldId id="267" r:id="rId8"/>
+    <p:sldId id="268" r:id="rId9"/>
+    <p:sldId id="269" r:id="rId10"/>
+    <p:sldId id="270" r:id="rId11"/>
   </p:sldIdLst>
   <p:sldSz cx="12192000" cy="6858000"/>
   <p:notesSz cx="6858000" cy="9144000"/>
@@ -108,6 +113,11 @@
       </a:defRPr>
     </a:lvl9pPr>
   </p:defaultTextStyle>
+  <p:extLst>
+    <p:ext uri="{EFAFB233-063F-42B5-8137-9DF3F51BA10A}">
+      <p15:sldGuideLst xmlns:p15="http://schemas.microsoft.com/office/powerpoint/2012/main"/>
+    </p:ext>
+  </p:extLst>
 </p:presentation>
 </file>
 
@@ -3325,42 +3335,133 @@
           <a:chExt cx="0" cy="0"/>
         </a:xfrm>
       </p:grpSpPr>
-      <p:pic>
-        <p:nvPicPr>
-          <p:cNvPr id="5" name="그림 4">
-            <a:extLst>
-              <a:ext uri="{FF2B5EF4-FFF2-40B4-BE49-F238E27FC236}">
-                <a16:creationId xmlns:a16="http://schemas.microsoft.com/office/drawing/2014/main" id="{7CC05081-4009-5B90-C806-5281AF31E4AC}"/>
-              </a:ext>
-            </a:extLst>
-          </p:cNvPr>
-          <p:cNvPicPr>
-            <a:picLocks noChangeAspect="1"/>
-          </p:cNvPicPr>
-          <p:nvPr/>
-        </p:nvPicPr>
-        <p:blipFill>
-          <a:blip r:embed="rId2"/>
-          <a:stretch>
-            <a:fillRect/>
-          </a:stretch>
-        </p:blipFill>
-        <p:spPr>
-          <a:xfrm>
-            <a:off x="1381546" y="698739"/>
-            <a:ext cx="8656114" cy="5313872"/>
-          </a:xfrm>
-          <a:prstGeom prst="rect">
-            <a:avLst/>
-          </a:prstGeom>
-        </p:spPr>
-      </p:pic>
-      <p:sp>
-        <p:nvSpPr>
-          <p:cNvPr id="6" name="직사각형 5">
-            <a:extLst>
-              <a:ext uri="{FF2B5EF4-FFF2-40B4-BE49-F238E27FC236}">
-                <a16:creationId xmlns:a16="http://schemas.microsoft.com/office/drawing/2014/main" id="{C9C95B0B-3479-7B12-CFC8-C4EB4E4DB9DB}"/>
+      <p:sp>
+        <p:nvSpPr>
+          <p:cNvPr id="2" name="제목 1">
+            <a:extLst>
+              <a:ext uri="{FF2B5EF4-FFF2-40B4-BE49-F238E27FC236}">
+                <a16:creationId xmlns:a16="http://schemas.microsoft.com/office/drawing/2014/main" id="{CD3D7831-EB2A-E3A6-43E0-2430BD971DA6}"/>
+              </a:ext>
+            </a:extLst>
+          </p:cNvPr>
+          <p:cNvSpPr>
+            <a:spLocks noGrp="1"/>
+          </p:cNvSpPr>
+          <p:nvPr>
+            <p:ph type="ctrTitle"/>
+          </p:nvPr>
+        </p:nvSpPr>
+        <p:spPr/>
+        <p:txBody>
+          <a:bodyPr>
+            <a:normAutofit/>
+          </a:bodyPr>
+          <a:lstStyle/>
+          <a:p>
+            <a:r>
+              <a:rPr lang="ko-KR" altLang="en-US" sz="3600"/>
+              <a:t>페이지네이션 구현을 위한 값 계산하기</a:t>
+            </a:r>
+          </a:p>
+        </p:txBody>
+      </p:sp>
+      <p:sp>
+        <p:nvSpPr>
+          <p:cNvPr id="3" name="부제목 2">
+            <a:extLst>
+              <a:ext uri="{FF2B5EF4-FFF2-40B4-BE49-F238E27FC236}">
+                <a16:creationId xmlns:a16="http://schemas.microsoft.com/office/drawing/2014/main" id="{7D2856C8-DAB6-BEC9-75C7-9AB2D49C77E3}"/>
+              </a:ext>
+            </a:extLst>
+          </p:cNvPr>
+          <p:cNvSpPr>
+            <a:spLocks noGrp="1"/>
+          </p:cNvSpPr>
+          <p:nvPr>
+            <p:ph type="subTitle" idx="1"/>
+          </p:nvPr>
+        </p:nvSpPr>
+        <p:spPr/>
+        <p:txBody>
+          <a:bodyPr/>
+          <a:lstStyle/>
+          <a:p>
+            <a:r>
+              <a:rPr lang="en-US" altLang="ko-KR"/>
+              <a:t>2023. 03. 24.</a:t>
+            </a:r>
+            <a:endParaRPr lang="ko-KR" altLang="en-US"/>
+          </a:p>
+        </p:txBody>
+      </p:sp>
+    </p:spTree>
+    <p:extLst>
+      <p:ext uri="{BB962C8B-B14F-4D97-AF65-F5344CB8AC3E}">
+        <p14:creationId xmlns:p14="http://schemas.microsoft.com/office/powerpoint/2010/main" val="986739014"/>
+      </p:ext>
+    </p:extLst>
+  </p:cSld>
+  <p:clrMapOvr>
+    <a:masterClrMapping/>
+  </p:clrMapOvr>
+</p:sld>
+</file>
+
+<file path=ppt/slides/slide10.xml><?xml version="1.0" encoding="utf-8"?>
+<p:sld xmlns:a="http://schemas.openxmlformats.org/drawingml/2006/main" xmlns:r="http://schemas.openxmlformats.org/officeDocument/2006/relationships" xmlns:p="http://schemas.openxmlformats.org/presentationml/2006/main">
+  <p:cSld>
+    <p:spTree>
+      <p:nvGrpSpPr>
+        <p:cNvPr id="1" name=""/>
+        <p:cNvGrpSpPr/>
+        <p:nvPr/>
+      </p:nvGrpSpPr>
+      <p:grpSpPr>
+        <a:xfrm>
+          <a:off x="0" y="0"/>
+          <a:ext cx="0" cy="0"/>
+          <a:chOff x="0" y="0"/>
+          <a:chExt cx="0" cy="0"/>
+        </a:xfrm>
+      </p:grpSpPr>
+      <p:sp>
+        <p:nvSpPr>
+          <p:cNvPr id="2" name="제목 1">
+            <a:extLst>
+              <a:ext uri="{FF2B5EF4-FFF2-40B4-BE49-F238E27FC236}">
+                <a16:creationId xmlns:a16="http://schemas.microsoft.com/office/drawing/2014/main" id="{261A23CC-3D3C-5E92-8B43-1F3C6DF33DFF}"/>
+              </a:ext>
+            </a:extLst>
+          </p:cNvPr>
+          <p:cNvSpPr>
+            <a:spLocks noGrp="1"/>
+          </p:cNvSpPr>
+          <p:nvPr>
+            <p:ph type="title"/>
+          </p:nvPr>
+        </p:nvSpPr>
+        <p:spPr/>
+        <p:txBody>
+          <a:bodyPr/>
+          <a:lstStyle/>
+          <a:p>
+            <a:pPr algn="l"/>
+            <a:r>
+              <a:rPr lang="ko-KR" altLang="en-US" b="0" i="0">
+                <a:effectLst/>
+                <a:latin typeface="Avenir"/>
+              </a:rPr>
+              <a:t>마지막번호가 전체 페이지보다 큰 경우</a:t>
+            </a:r>
+          </a:p>
+        </p:txBody>
+      </p:sp>
+      <p:sp>
+        <p:nvSpPr>
+          <p:cNvPr id="3" name="직사각형 2">
+            <a:extLst>
+              <a:ext uri="{FF2B5EF4-FFF2-40B4-BE49-F238E27FC236}">
+                <a16:creationId xmlns:a16="http://schemas.microsoft.com/office/drawing/2014/main" id="{CF3D98E7-EF80-C7E5-E119-E42E920B892E}"/>
               </a:ext>
             </a:extLst>
           </p:cNvPr>
@@ -3369,18 +3470,18 @@
         </p:nvSpPr>
         <p:spPr>
           <a:xfrm>
-            <a:off x="1923691" y="5520906"/>
-            <a:ext cx="1207698" cy="491705"/>
-          </a:xfrm>
-          <a:prstGeom prst="rect">
-            <a:avLst/>
-          </a:prstGeom>
-          <a:noFill/>
-          <a:ln w="38100">
-            <a:solidFill>
-              <a:srgbClr val="FF0000"/>
-            </a:solidFill>
-          </a:ln>
+            <a:off x="838200" y="2048772"/>
+            <a:ext cx="672861" cy="672861"/>
+          </a:xfrm>
+          <a:prstGeom prst="rect">
+            <a:avLst/>
+          </a:prstGeom>
+          <a:solidFill>
+            <a:schemeClr val="accent4">
+              <a:lumMod val="20000"/>
+              <a:lumOff val="80000"/>
+            </a:schemeClr>
+          </a:solidFill>
         </p:spPr>
         <p:style>
           <a:lnRef idx="2">
@@ -3401,95 +3502,20 @@
           <a:lstStyle/>
           <a:p>
             <a:pPr algn="ctr"/>
-            <a:endParaRPr lang="ko-KR" altLang="en-US"/>
-          </a:p>
-        </p:txBody>
-      </p:sp>
-      <p:cxnSp>
-        <p:nvCxnSpPr>
-          <p:cNvPr id="8" name="연결선: 꺾임 7">
-            <a:extLst>
-              <a:ext uri="{FF2B5EF4-FFF2-40B4-BE49-F238E27FC236}">
-                <a16:creationId xmlns:a16="http://schemas.microsoft.com/office/drawing/2014/main" id="{15E534DA-B787-3B44-72AF-551ACFDE15E8}"/>
-              </a:ext>
-            </a:extLst>
-          </p:cNvPr>
-          <p:cNvCxnSpPr>
-            <a:stCxn id="6" idx="2"/>
-          </p:cNvCxnSpPr>
-          <p:nvPr/>
-        </p:nvCxnSpPr>
-        <p:spPr>
-          <a:xfrm rot="16200000" flipH="1">
-            <a:off x="2626744" y="5913407"/>
-            <a:ext cx="396815" cy="595222"/>
-          </a:xfrm>
-          <a:prstGeom prst="bentConnector2">
-            <a:avLst/>
-          </a:prstGeom>
-          <a:ln w="38100">
-            <a:solidFill>
-              <a:srgbClr val="FF0000"/>
-            </a:solidFill>
-            <a:tailEnd type="triangle"/>
-          </a:ln>
-        </p:spPr>
-        <p:style>
-          <a:lnRef idx="1">
-            <a:schemeClr val="accent1"/>
-          </a:lnRef>
-          <a:fillRef idx="0">
-            <a:schemeClr val="accent1"/>
-          </a:fillRef>
-          <a:effectRef idx="0">
-            <a:schemeClr val="accent1"/>
-          </a:effectRef>
-          <a:fontRef idx="minor">
-            <a:schemeClr val="tx1"/>
-          </a:fontRef>
-        </p:style>
-      </p:cxnSp>
-      <p:sp>
-        <p:nvSpPr>
-          <p:cNvPr id="9" name="TextBox 8">
-            <a:extLst>
-              <a:ext uri="{FF2B5EF4-FFF2-40B4-BE49-F238E27FC236}">
-                <a16:creationId xmlns:a16="http://schemas.microsoft.com/office/drawing/2014/main" id="{31CCEAED-8B47-AFA5-4EF7-E18FD0E85CA7}"/>
-              </a:ext>
-            </a:extLst>
-          </p:cNvPr>
-          <p:cNvSpPr txBox="1"/>
-          <p:nvPr/>
-        </p:nvSpPr>
-        <p:spPr>
-          <a:xfrm>
-            <a:off x="3131389" y="6224760"/>
-            <a:ext cx="5061001" cy="369332"/>
-          </a:xfrm>
-          <a:prstGeom prst="rect">
-            <a:avLst/>
-          </a:prstGeom>
-          <a:noFill/>
-        </p:spPr>
-        <p:txBody>
-          <a:bodyPr wrap="none" rtlCol="0">
-            <a:spAutoFit/>
-          </a:bodyPr>
-          <a:lstStyle/>
-          <a:p>
-            <a:r>
-              <a:rPr lang="ko-KR" altLang="en-US"/>
-              <a:t>한 페이지에 보여주고자 하는 페이지 버튼 개수</a:t>
-            </a:r>
-          </a:p>
-        </p:txBody>
-      </p:sp>
-      <p:sp>
-        <p:nvSpPr>
-          <p:cNvPr id="10" name="직사각형 9">
-            <a:extLst>
-              <a:ext uri="{FF2B5EF4-FFF2-40B4-BE49-F238E27FC236}">
-                <a16:creationId xmlns:a16="http://schemas.microsoft.com/office/drawing/2014/main" id="{AE531B50-A4ED-417D-3991-9FA62F3710EB}"/>
+            <a:r>
+              <a:rPr lang="en-US" altLang="ko-KR"/>
+              <a:t>1</a:t>
+            </a:r>
+            <a:endParaRPr lang="ko-KR" altLang="en-US"/>
+          </a:p>
+        </p:txBody>
+      </p:sp>
+      <p:sp>
+        <p:nvSpPr>
+          <p:cNvPr id="4" name="직사각형 3">
+            <a:extLst>
+              <a:ext uri="{FF2B5EF4-FFF2-40B4-BE49-F238E27FC236}">
+                <a16:creationId xmlns:a16="http://schemas.microsoft.com/office/drawing/2014/main" id="{940A81FC-D3ED-6F2E-13C7-F43932CFC703}"/>
               </a:ext>
             </a:extLst>
           </p:cNvPr>
@@ -3498,18 +3524,18 @@
         </p:nvSpPr>
         <p:spPr>
           <a:xfrm>
-            <a:off x="1656271" y="5520906"/>
-            <a:ext cx="267419" cy="491705"/>
-          </a:xfrm>
-          <a:prstGeom prst="rect">
-            <a:avLst/>
-          </a:prstGeom>
-          <a:noFill/>
-          <a:ln w="38100">
-            <a:solidFill>
-              <a:schemeClr val="accent1"/>
-            </a:solidFill>
-          </a:ln>
+            <a:off x="1795732" y="2048772"/>
+            <a:ext cx="672861" cy="672861"/>
+          </a:xfrm>
+          <a:prstGeom prst="rect">
+            <a:avLst/>
+          </a:prstGeom>
+          <a:solidFill>
+            <a:schemeClr val="accent4">
+              <a:lumMod val="20000"/>
+              <a:lumOff val="80000"/>
+            </a:schemeClr>
+          </a:solidFill>
         </p:spPr>
         <p:style>
           <a:lnRef idx="2">
@@ -3530,16 +3556,20 @@
           <a:lstStyle/>
           <a:p>
             <a:pPr algn="ctr"/>
-            <a:endParaRPr lang="ko-KR" altLang="en-US"/>
-          </a:p>
-        </p:txBody>
-      </p:sp>
-      <p:sp>
-        <p:nvSpPr>
-          <p:cNvPr id="11" name="직사각형 10">
-            <a:extLst>
-              <a:ext uri="{FF2B5EF4-FFF2-40B4-BE49-F238E27FC236}">
-                <a16:creationId xmlns:a16="http://schemas.microsoft.com/office/drawing/2014/main" id="{5252D4D7-66D8-9ABD-F234-16307EDA7AF5}"/>
+            <a:r>
+              <a:rPr lang="en-US" altLang="ko-KR"/>
+              <a:t>2</a:t>
+            </a:r>
+            <a:endParaRPr lang="ko-KR" altLang="en-US"/>
+          </a:p>
+        </p:txBody>
+      </p:sp>
+      <p:sp>
+        <p:nvSpPr>
+          <p:cNvPr id="5" name="직사각형 4">
+            <a:extLst>
+              <a:ext uri="{FF2B5EF4-FFF2-40B4-BE49-F238E27FC236}">
+                <a16:creationId xmlns:a16="http://schemas.microsoft.com/office/drawing/2014/main" id="{C395C567-30EB-6511-C321-70E5FBEE0F5E}"/>
               </a:ext>
             </a:extLst>
           </p:cNvPr>
@@ -3548,18 +3578,18 @@
         </p:nvSpPr>
         <p:spPr>
           <a:xfrm>
-            <a:off x="3131389" y="5520906"/>
-            <a:ext cx="267419" cy="491705"/>
-          </a:xfrm>
-          <a:prstGeom prst="rect">
-            <a:avLst/>
-          </a:prstGeom>
-          <a:noFill/>
-          <a:ln w="38100">
-            <a:solidFill>
-              <a:schemeClr val="accent1"/>
-            </a:solidFill>
-          </a:ln>
+            <a:off x="2753264" y="2048772"/>
+            <a:ext cx="672861" cy="672861"/>
+          </a:xfrm>
+          <a:prstGeom prst="rect">
+            <a:avLst/>
+          </a:prstGeom>
+          <a:solidFill>
+            <a:schemeClr val="accent4">
+              <a:lumMod val="20000"/>
+              <a:lumOff val="80000"/>
+            </a:schemeClr>
+          </a:solidFill>
         </p:spPr>
         <p:style>
           <a:lnRef idx="2">
@@ -3580,180 +3610,20 @@
           <a:lstStyle/>
           <a:p>
             <a:pPr algn="ctr"/>
-            <a:endParaRPr lang="ko-KR" altLang="en-US"/>
-          </a:p>
-        </p:txBody>
-      </p:sp>
-      <p:cxnSp>
-        <p:nvCxnSpPr>
-          <p:cNvPr id="12" name="연결선: 꺾임 11">
-            <a:extLst>
-              <a:ext uri="{FF2B5EF4-FFF2-40B4-BE49-F238E27FC236}">
-                <a16:creationId xmlns:a16="http://schemas.microsoft.com/office/drawing/2014/main" id="{B5362D3A-F1B0-CB49-AFF7-13C18AFE7EA7}"/>
-              </a:ext>
-            </a:extLst>
-          </p:cNvPr>
-          <p:cNvCxnSpPr>
-            <a:cxnSpLocks/>
-            <a:endCxn id="15" idx="3"/>
-          </p:cNvCxnSpPr>
-          <p:nvPr/>
-        </p:nvCxnSpPr>
-        <p:spPr>
-          <a:xfrm rot="10800000" flipV="1">
-            <a:off x="1236082" y="6012606"/>
-            <a:ext cx="553901" cy="383077"/>
-          </a:xfrm>
-          <a:prstGeom prst="bentConnector3">
-            <a:avLst>
-              <a:gd name="adj1" fmla="val -6066"/>
-            </a:avLst>
-          </a:prstGeom>
-          <a:ln w="38100">
-            <a:solidFill>
-              <a:schemeClr val="accent1"/>
-            </a:solidFill>
-            <a:tailEnd type="triangle"/>
-          </a:ln>
-        </p:spPr>
-        <p:style>
-          <a:lnRef idx="1">
-            <a:schemeClr val="accent1"/>
-          </a:lnRef>
-          <a:fillRef idx="0">
-            <a:schemeClr val="accent1"/>
-          </a:fillRef>
-          <a:effectRef idx="0">
-            <a:schemeClr val="accent1"/>
-          </a:effectRef>
-          <a:fontRef idx="minor">
-            <a:schemeClr val="tx1"/>
-          </a:fontRef>
-        </p:style>
-      </p:cxnSp>
-      <p:sp>
-        <p:nvSpPr>
-          <p:cNvPr id="15" name="TextBox 14">
-            <a:extLst>
-              <a:ext uri="{FF2B5EF4-FFF2-40B4-BE49-F238E27FC236}">
-                <a16:creationId xmlns:a16="http://schemas.microsoft.com/office/drawing/2014/main" id="{30EC065E-0A45-A6DF-8A16-86BC83C350E3}"/>
-              </a:ext>
-            </a:extLst>
-          </p:cNvPr>
-          <p:cNvSpPr txBox="1"/>
-          <p:nvPr/>
-        </p:nvSpPr>
-        <p:spPr>
-          <a:xfrm>
-            <a:off x="46332" y="6211018"/>
-            <a:ext cx="1189749" cy="369332"/>
-          </a:xfrm>
-          <a:prstGeom prst="rect">
-            <a:avLst/>
-          </a:prstGeom>
-          <a:noFill/>
-        </p:spPr>
-        <p:txBody>
-          <a:bodyPr wrap="none" rtlCol="0">
-            <a:spAutoFit/>
-          </a:bodyPr>
-          <a:lstStyle/>
-          <a:p>
-            <a:r>
-              <a:rPr lang="ko-KR" altLang="en-US"/>
-              <a:t>이전 버튼</a:t>
-            </a:r>
-          </a:p>
-        </p:txBody>
-      </p:sp>
-      <p:cxnSp>
-        <p:nvCxnSpPr>
-          <p:cNvPr id="18" name="연결선: 꺾임 17">
-            <a:extLst>
-              <a:ext uri="{FF2B5EF4-FFF2-40B4-BE49-F238E27FC236}">
-                <a16:creationId xmlns:a16="http://schemas.microsoft.com/office/drawing/2014/main" id="{BA158C90-CF74-FDEE-56AD-422AF4291E32}"/>
-              </a:ext>
-            </a:extLst>
-          </p:cNvPr>
-          <p:cNvCxnSpPr>
-            <a:cxnSpLocks/>
-            <a:stCxn id="11" idx="3"/>
-          </p:cNvCxnSpPr>
-          <p:nvPr/>
-        </p:nvCxnSpPr>
-        <p:spPr>
-          <a:xfrm flipV="1">
-            <a:off x="3398808" y="5766758"/>
-            <a:ext cx="405441" cy="1"/>
-          </a:xfrm>
-          <a:prstGeom prst="bentConnector3">
-            <a:avLst>
-              <a:gd name="adj1" fmla="val 50000"/>
-            </a:avLst>
-          </a:prstGeom>
-          <a:ln w="38100">
-            <a:solidFill>
-              <a:schemeClr val="accent1"/>
-            </a:solidFill>
-            <a:tailEnd type="triangle"/>
-          </a:ln>
-        </p:spPr>
-        <p:style>
-          <a:lnRef idx="1">
-            <a:schemeClr val="accent1"/>
-          </a:lnRef>
-          <a:fillRef idx="0">
-            <a:schemeClr val="accent1"/>
-          </a:fillRef>
-          <a:effectRef idx="0">
-            <a:schemeClr val="accent1"/>
-          </a:effectRef>
-          <a:fontRef idx="minor">
-            <a:schemeClr val="tx1"/>
-          </a:fontRef>
-        </p:style>
-      </p:cxnSp>
-      <p:sp>
-        <p:nvSpPr>
-          <p:cNvPr id="21" name="TextBox 20">
-            <a:extLst>
-              <a:ext uri="{FF2B5EF4-FFF2-40B4-BE49-F238E27FC236}">
-                <a16:creationId xmlns:a16="http://schemas.microsoft.com/office/drawing/2014/main" id="{A464B75B-F22A-0F57-B1FB-0754C400DE77}"/>
-              </a:ext>
-            </a:extLst>
-          </p:cNvPr>
-          <p:cNvSpPr txBox="1"/>
-          <p:nvPr/>
-        </p:nvSpPr>
-        <p:spPr>
-          <a:xfrm>
-            <a:off x="3804249" y="5585450"/>
-            <a:ext cx="1189749" cy="369332"/>
-          </a:xfrm>
-          <a:prstGeom prst="rect">
-            <a:avLst/>
-          </a:prstGeom>
-          <a:noFill/>
-        </p:spPr>
-        <p:txBody>
-          <a:bodyPr wrap="none" rtlCol="0">
-            <a:spAutoFit/>
-          </a:bodyPr>
-          <a:lstStyle/>
-          <a:p>
-            <a:r>
-              <a:rPr lang="ko-KR" altLang="en-US"/>
-              <a:t>다음 버튼</a:t>
-            </a:r>
-          </a:p>
-        </p:txBody>
-      </p:sp>
-      <p:sp>
-        <p:nvSpPr>
-          <p:cNvPr id="22" name="직사각형 21">
-            <a:extLst>
-              <a:ext uri="{FF2B5EF4-FFF2-40B4-BE49-F238E27FC236}">
-                <a16:creationId xmlns:a16="http://schemas.microsoft.com/office/drawing/2014/main" id="{6D9F9055-EAF4-2762-B5E7-2A5F5A339A0B}"/>
+            <a:r>
+              <a:rPr lang="en-US" altLang="ko-KR"/>
+              <a:t>3</a:t>
+            </a:r>
+            <a:endParaRPr lang="ko-KR" altLang="en-US"/>
+          </a:p>
+        </p:txBody>
+      </p:sp>
+      <p:sp>
+        <p:nvSpPr>
+          <p:cNvPr id="6" name="직사각형 5">
+            <a:extLst>
+              <a:ext uri="{FF2B5EF4-FFF2-40B4-BE49-F238E27FC236}">
+                <a16:creationId xmlns:a16="http://schemas.microsoft.com/office/drawing/2014/main" id="{7040C4B8-AD0B-47EB-F031-528798BC4DE8}"/>
               </a:ext>
             </a:extLst>
           </p:cNvPr>
@@ -3762,18 +3632,18 @@
         </p:nvSpPr>
         <p:spPr>
           <a:xfrm>
-            <a:off x="1550490" y="1446363"/>
-            <a:ext cx="7809169" cy="3951059"/>
-          </a:xfrm>
-          <a:prstGeom prst="rect">
-            <a:avLst/>
-          </a:prstGeom>
-          <a:noFill/>
-          <a:ln w="38100">
-            <a:solidFill>
-              <a:srgbClr val="FF0000"/>
-            </a:solidFill>
-          </a:ln>
+            <a:off x="3667663" y="2048772"/>
+            <a:ext cx="672861" cy="672861"/>
+          </a:xfrm>
+          <a:prstGeom prst="rect">
+            <a:avLst/>
+          </a:prstGeom>
+          <a:solidFill>
+            <a:schemeClr val="accent4">
+              <a:lumMod val="20000"/>
+              <a:lumOff val="80000"/>
+            </a:schemeClr>
+          </a:solidFill>
         </p:spPr>
         <p:style>
           <a:lnRef idx="2">
@@ -3794,63 +3664,452 @@
           <a:lstStyle/>
           <a:p>
             <a:pPr algn="ctr"/>
-            <a:endParaRPr lang="ko-KR" altLang="en-US"/>
-          </a:p>
-        </p:txBody>
-      </p:sp>
-      <p:cxnSp>
-        <p:nvCxnSpPr>
-          <p:cNvPr id="23" name="연결선: 꺾임 22">
-            <a:extLst>
-              <a:ext uri="{FF2B5EF4-FFF2-40B4-BE49-F238E27FC236}">
-                <a16:creationId xmlns:a16="http://schemas.microsoft.com/office/drawing/2014/main" id="{0D20BDF1-B1CD-A4AD-1F9E-AD46AC2AD562}"/>
-              </a:ext>
-            </a:extLst>
-          </p:cNvPr>
-          <p:cNvCxnSpPr>
-            <a:cxnSpLocks/>
-            <a:stCxn id="22" idx="3"/>
-          </p:cNvCxnSpPr>
-          <p:nvPr/>
-        </p:nvCxnSpPr>
-        <p:spPr>
-          <a:xfrm flipV="1">
-            <a:off x="9359659" y="3421892"/>
-            <a:ext cx="465828" cy="1"/>
-          </a:xfrm>
-          <a:prstGeom prst="bentConnector3">
-            <a:avLst>
-              <a:gd name="adj1" fmla="val 50000"/>
-            </a:avLst>
-          </a:prstGeom>
-          <a:ln w="38100">
-            <a:solidFill>
-              <a:srgbClr val="FF0000"/>
-            </a:solidFill>
-            <a:tailEnd type="triangle"/>
-          </a:ln>
+            <a:r>
+              <a:rPr lang="en-US" altLang="ko-KR"/>
+              <a:t>4</a:t>
+            </a:r>
+            <a:endParaRPr lang="ko-KR" altLang="en-US"/>
+          </a:p>
+        </p:txBody>
+      </p:sp>
+      <p:sp>
+        <p:nvSpPr>
+          <p:cNvPr id="7" name="직사각형 6">
+            <a:extLst>
+              <a:ext uri="{FF2B5EF4-FFF2-40B4-BE49-F238E27FC236}">
+                <a16:creationId xmlns:a16="http://schemas.microsoft.com/office/drawing/2014/main" id="{EC727A34-3DFD-AFD3-BE29-9D130F328DAA}"/>
+              </a:ext>
+            </a:extLst>
+          </p:cNvPr>
+          <p:cNvSpPr/>
+          <p:nvPr/>
+        </p:nvSpPr>
+        <p:spPr>
+          <a:xfrm>
+            <a:off x="4659701" y="2048772"/>
+            <a:ext cx="672861" cy="672861"/>
+          </a:xfrm>
+          <a:prstGeom prst="rect">
+            <a:avLst/>
+          </a:prstGeom>
+          <a:solidFill>
+            <a:schemeClr val="accent4">
+              <a:lumMod val="20000"/>
+              <a:lumOff val="80000"/>
+            </a:schemeClr>
+          </a:solidFill>
         </p:spPr>
         <p:style>
-          <a:lnRef idx="1">
-            <a:schemeClr val="accent1"/>
+          <a:lnRef idx="2">
+            <a:schemeClr val="dk1"/>
           </a:lnRef>
-          <a:fillRef idx="0">
-            <a:schemeClr val="accent1"/>
+          <a:fillRef idx="1">
+            <a:schemeClr val="lt1"/>
           </a:fillRef>
           <a:effectRef idx="0">
-            <a:schemeClr val="accent1"/>
+            <a:schemeClr val="dk1"/>
           </a:effectRef>
           <a:fontRef idx="minor">
-            <a:schemeClr val="tx1"/>
+            <a:schemeClr val="dk1"/>
           </a:fontRef>
         </p:style>
-      </p:cxnSp>
-      <p:sp>
-        <p:nvSpPr>
-          <p:cNvPr id="26" name="TextBox 25">
-            <a:extLst>
-              <a:ext uri="{FF2B5EF4-FFF2-40B4-BE49-F238E27FC236}">
-                <a16:creationId xmlns:a16="http://schemas.microsoft.com/office/drawing/2014/main" id="{C9D7E40B-9C54-CA4C-2C09-66A25197EAB7}"/>
+        <p:txBody>
+          <a:bodyPr rtlCol="0" anchor="ctr"/>
+          <a:lstStyle/>
+          <a:p>
+            <a:pPr algn="ctr"/>
+            <a:r>
+              <a:rPr lang="en-US" altLang="ko-KR"/>
+              <a:t>5</a:t>
+            </a:r>
+            <a:endParaRPr lang="ko-KR" altLang="en-US"/>
+          </a:p>
+        </p:txBody>
+      </p:sp>
+      <p:sp>
+        <p:nvSpPr>
+          <p:cNvPr id="8" name="직사각형 7">
+            <a:extLst>
+              <a:ext uri="{FF2B5EF4-FFF2-40B4-BE49-F238E27FC236}">
+                <a16:creationId xmlns:a16="http://schemas.microsoft.com/office/drawing/2014/main" id="{CC7276BA-BC22-2494-E74D-12FF9331ADC9}"/>
+              </a:ext>
+            </a:extLst>
+          </p:cNvPr>
+          <p:cNvSpPr/>
+          <p:nvPr/>
+        </p:nvSpPr>
+        <p:spPr>
+          <a:xfrm>
+            <a:off x="838200" y="3092569"/>
+            <a:ext cx="672861" cy="672861"/>
+          </a:xfrm>
+          <a:prstGeom prst="rect">
+            <a:avLst/>
+          </a:prstGeom>
+          <a:solidFill>
+            <a:schemeClr val="accent4">
+              <a:lumMod val="20000"/>
+              <a:lumOff val="80000"/>
+            </a:schemeClr>
+          </a:solidFill>
+        </p:spPr>
+        <p:style>
+          <a:lnRef idx="2">
+            <a:schemeClr val="dk1"/>
+          </a:lnRef>
+          <a:fillRef idx="1">
+            <a:schemeClr val="lt1"/>
+          </a:fillRef>
+          <a:effectRef idx="0">
+            <a:schemeClr val="dk1"/>
+          </a:effectRef>
+          <a:fontRef idx="minor">
+            <a:schemeClr val="dk1"/>
+          </a:fontRef>
+        </p:style>
+        <p:txBody>
+          <a:bodyPr rtlCol="0" anchor="ctr"/>
+          <a:lstStyle/>
+          <a:p>
+            <a:pPr algn="ctr"/>
+            <a:r>
+              <a:rPr lang="en-US" altLang="ko-KR"/>
+              <a:t>6</a:t>
+            </a:r>
+            <a:endParaRPr lang="ko-KR" altLang="en-US"/>
+          </a:p>
+        </p:txBody>
+      </p:sp>
+      <p:sp>
+        <p:nvSpPr>
+          <p:cNvPr id="9" name="직사각형 8">
+            <a:extLst>
+              <a:ext uri="{FF2B5EF4-FFF2-40B4-BE49-F238E27FC236}">
+                <a16:creationId xmlns:a16="http://schemas.microsoft.com/office/drawing/2014/main" id="{41B21625-6C28-98B0-A3E8-74AA0ACAF1E7}"/>
+              </a:ext>
+            </a:extLst>
+          </p:cNvPr>
+          <p:cNvSpPr/>
+          <p:nvPr/>
+        </p:nvSpPr>
+        <p:spPr>
+          <a:xfrm>
+            <a:off x="1795732" y="3092569"/>
+            <a:ext cx="672861" cy="672861"/>
+          </a:xfrm>
+          <a:prstGeom prst="rect">
+            <a:avLst/>
+          </a:prstGeom>
+          <a:solidFill>
+            <a:schemeClr val="accent4">
+              <a:lumMod val="20000"/>
+              <a:lumOff val="80000"/>
+            </a:schemeClr>
+          </a:solidFill>
+        </p:spPr>
+        <p:style>
+          <a:lnRef idx="2">
+            <a:schemeClr val="dk1"/>
+          </a:lnRef>
+          <a:fillRef idx="1">
+            <a:schemeClr val="lt1"/>
+          </a:fillRef>
+          <a:effectRef idx="0">
+            <a:schemeClr val="dk1"/>
+          </a:effectRef>
+          <a:fontRef idx="minor">
+            <a:schemeClr val="dk1"/>
+          </a:fontRef>
+        </p:style>
+        <p:txBody>
+          <a:bodyPr rtlCol="0" anchor="ctr"/>
+          <a:lstStyle/>
+          <a:p>
+            <a:pPr algn="ctr"/>
+            <a:r>
+              <a:rPr lang="en-US" altLang="ko-KR"/>
+              <a:t>7</a:t>
+            </a:r>
+            <a:endParaRPr lang="ko-KR" altLang="en-US"/>
+          </a:p>
+        </p:txBody>
+      </p:sp>
+      <p:sp>
+        <p:nvSpPr>
+          <p:cNvPr id="10" name="직사각형 9">
+            <a:extLst>
+              <a:ext uri="{FF2B5EF4-FFF2-40B4-BE49-F238E27FC236}">
+                <a16:creationId xmlns:a16="http://schemas.microsoft.com/office/drawing/2014/main" id="{1FBDD16F-BF7C-9B35-AEC3-335401D6D38D}"/>
+              </a:ext>
+            </a:extLst>
+          </p:cNvPr>
+          <p:cNvSpPr/>
+          <p:nvPr/>
+        </p:nvSpPr>
+        <p:spPr>
+          <a:xfrm>
+            <a:off x="2753264" y="3092569"/>
+            <a:ext cx="672861" cy="672861"/>
+          </a:xfrm>
+          <a:prstGeom prst="rect">
+            <a:avLst/>
+          </a:prstGeom>
+          <a:solidFill>
+            <a:schemeClr val="accent4">
+              <a:lumMod val="20000"/>
+              <a:lumOff val="80000"/>
+            </a:schemeClr>
+          </a:solidFill>
+        </p:spPr>
+        <p:style>
+          <a:lnRef idx="2">
+            <a:schemeClr val="dk1"/>
+          </a:lnRef>
+          <a:fillRef idx="1">
+            <a:schemeClr val="lt1"/>
+          </a:fillRef>
+          <a:effectRef idx="0">
+            <a:schemeClr val="dk1"/>
+          </a:effectRef>
+          <a:fontRef idx="minor">
+            <a:schemeClr val="dk1"/>
+          </a:fontRef>
+        </p:style>
+        <p:txBody>
+          <a:bodyPr rtlCol="0" anchor="ctr"/>
+          <a:lstStyle/>
+          <a:p>
+            <a:pPr algn="ctr"/>
+            <a:r>
+              <a:rPr lang="en-US" altLang="ko-KR"/>
+              <a:t>8</a:t>
+            </a:r>
+            <a:endParaRPr lang="ko-KR" altLang="en-US"/>
+          </a:p>
+        </p:txBody>
+      </p:sp>
+      <p:sp>
+        <p:nvSpPr>
+          <p:cNvPr id="11" name="직사각형 10">
+            <a:extLst>
+              <a:ext uri="{FF2B5EF4-FFF2-40B4-BE49-F238E27FC236}">
+                <a16:creationId xmlns:a16="http://schemas.microsoft.com/office/drawing/2014/main" id="{FBB57A32-2D97-A97B-F666-411D40D17662}"/>
+              </a:ext>
+            </a:extLst>
+          </p:cNvPr>
+          <p:cNvSpPr/>
+          <p:nvPr/>
+        </p:nvSpPr>
+        <p:spPr>
+          <a:xfrm>
+            <a:off x="3667663" y="3092569"/>
+            <a:ext cx="672861" cy="672861"/>
+          </a:xfrm>
+          <a:prstGeom prst="rect">
+            <a:avLst/>
+          </a:prstGeom>
+          <a:solidFill>
+            <a:schemeClr val="accent4">
+              <a:lumMod val="20000"/>
+              <a:lumOff val="80000"/>
+            </a:schemeClr>
+          </a:solidFill>
+        </p:spPr>
+        <p:style>
+          <a:lnRef idx="2">
+            <a:schemeClr val="dk1"/>
+          </a:lnRef>
+          <a:fillRef idx="1">
+            <a:schemeClr val="lt1"/>
+          </a:fillRef>
+          <a:effectRef idx="0">
+            <a:schemeClr val="dk1"/>
+          </a:effectRef>
+          <a:fontRef idx="minor">
+            <a:schemeClr val="dk1"/>
+          </a:fontRef>
+        </p:style>
+        <p:txBody>
+          <a:bodyPr rtlCol="0" anchor="ctr"/>
+          <a:lstStyle/>
+          <a:p>
+            <a:pPr algn="ctr"/>
+            <a:r>
+              <a:rPr lang="en-US" altLang="ko-KR"/>
+              <a:t>9</a:t>
+            </a:r>
+            <a:endParaRPr lang="ko-KR" altLang="en-US"/>
+          </a:p>
+        </p:txBody>
+      </p:sp>
+      <p:sp>
+        <p:nvSpPr>
+          <p:cNvPr id="12" name="직사각형 11">
+            <a:extLst>
+              <a:ext uri="{FF2B5EF4-FFF2-40B4-BE49-F238E27FC236}">
+                <a16:creationId xmlns:a16="http://schemas.microsoft.com/office/drawing/2014/main" id="{099AC304-3268-9E48-FC80-C22C243C2960}"/>
+              </a:ext>
+            </a:extLst>
+          </p:cNvPr>
+          <p:cNvSpPr/>
+          <p:nvPr/>
+        </p:nvSpPr>
+        <p:spPr>
+          <a:xfrm>
+            <a:off x="4659701" y="3092569"/>
+            <a:ext cx="672861" cy="672861"/>
+          </a:xfrm>
+          <a:prstGeom prst="rect">
+            <a:avLst/>
+          </a:prstGeom>
+          <a:solidFill>
+            <a:schemeClr val="accent4">
+              <a:lumMod val="20000"/>
+              <a:lumOff val="80000"/>
+            </a:schemeClr>
+          </a:solidFill>
+        </p:spPr>
+        <p:style>
+          <a:lnRef idx="2">
+            <a:schemeClr val="dk1"/>
+          </a:lnRef>
+          <a:fillRef idx="1">
+            <a:schemeClr val="lt1"/>
+          </a:fillRef>
+          <a:effectRef idx="0">
+            <a:schemeClr val="dk1"/>
+          </a:effectRef>
+          <a:fontRef idx="minor">
+            <a:schemeClr val="dk1"/>
+          </a:fontRef>
+        </p:style>
+        <p:txBody>
+          <a:bodyPr rtlCol="0" anchor="ctr"/>
+          <a:lstStyle/>
+          <a:p>
+            <a:pPr algn="ctr"/>
+            <a:r>
+              <a:rPr lang="en-US" altLang="ko-KR"/>
+              <a:t>10</a:t>
+            </a:r>
+            <a:endParaRPr lang="ko-KR" altLang="en-US"/>
+          </a:p>
+        </p:txBody>
+      </p:sp>
+      <p:sp>
+        <p:nvSpPr>
+          <p:cNvPr id="13" name="직사각형 12">
+            <a:extLst>
+              <a:ext uri="{FF2B5EF4-FFF2-40B4-BE49-F238E27FC236}">
+                <a16:creationId xmlns:a16="http://schemas.microsoft.com/office/drawing/2014/main" id="{8F88A34F-D948-081D-59AF-F08B89B609FB}"/>
+              </a:ext>
+            </a:extLst>
+          </p:cNvPr>
+          <p:cNvSpPr/>
+          <p:nvPr/>
+        </p:nvSpPr>
+        <p:spPr>
+          <a:xfrm>
+            <a:off x="838200" y="4075980"/>
+            <a:ext cx="672861" cy="672861"/>
+          </a:xfrm>
+          <a:prstGeom prst="rect">
+            <a:avLst/>
+          </a:prstGeom>
+          <a:solidFill>
+            <a:schemeClr val="accent2">
+              <a:lumMod val="20000"/>
+              <a:lumOff val="80000"/>
+            </a:schemeClr>
+          </a:solidFill>
+        </p:spPr>
+        <p:style>
+          <a:lnRef idx="2">
+            <a:schemeClr val="dk1"/>
+          </a:lnRef>
+          <a:fillRef idx="1">
+            <a:schemeClr val="lt1"/>
+          </a:fillRef>
+          <a:effectRef idx="0">
+            <a:schemeClr val="dk1"/>
+          </a:effectRef>
+          <a:fontRef idx="minor">
+            <a:schemeClr val="dk1"/>
+          </a:fontRef>
+        </p:style>
+        <p:txBody>
+          <a:bodyPr rtlCol="0" anchor="ctr"/>
+          <a:lstStyle/>
+          <a:p>
+            <a:pPr algn="ctr"/>
+            <a:r>
+              <a:rPr lang="en-US" altLang="ko-KR"/>
+              <a:t>11</a:t>
+            </a:r>
+            <a:endParaRPr lang="ko-KR" altLang="en-US"/>
+          </a:p>
+        </p:txBody>
+      </p:sp>
+      <p:sp>
+        <p:nvSpPr>
+          <p:cNvPr id="14" name="직사각형 13">
+            <a:extLst>
+              <a:ext uri="{FF2B5EF4-FFF2-40B4-BE49-F238E27FC236}">
+                <a16:creationId xmlns:a16="http://schemas.microsoft.com/office/drawing/2014/main" id="{3CB2BAB4-D096-FC58-DBBC-43A8EFD5449F}"/>
+              </a:ext>
+            </a:extLst>
+          </p:cNvPr>
+          <p:cNvSpPr/>
+          <p:nvPr/>
+        </p:nvSpPr>
+        <p:spPr>
+          <a:xfrm>
+            <a:off x="1795732" y="4075980"/>
+            <a:ext cx="672861" cy="672861"/>
+          </a:xfrm>
+          <a:prstGeom prst="rect">
+            <a:avLst/>
+          </a:prstGeom>
+          <a:solidFill>
+            <a:schemeClr val="accent4">
+              <a:lumMod val="20000"/>
+              <a:lumOff val="80000"/>
+            </a:schemeClr>
+          </a:solidFill>
+        </p:spPr>
+        <p:style>
+          <a:lnRef idx="2">
+            <a:schemeClr val="dk1"/>
+          </a:lnRef>
+          <a:fillRef idx="1">
+            <a:schemeClr val="lt1"/>
+          </a:fillRef>
+          <a:effectRef idx="0">
+            <a:schemeClr val="dk1"/>
+          </a:effectRef>
+          <a:fontRef idx="minor">
+            <a:schemeClr val="dk1"/>
+          </a:fontRef>
+        </p:style>
+        <p:txBody>
+          <a:bodyPr rtlCol="0" anchor="ctr"/>
+          <a:lstStyle/>
+          <a:p>
+            <a:pPr algn="ctr"/>
+            <a:r>
+              <a:rPr lang="en-US" altLang="ko-KR"/>
+              <a:t>12</a:t>
+            </a:r>
+            <a:endParaRPr lang="ko-KR" altLang="en-US"/>
+          </a:p>
+        </p:txBody>
+      </p:sp>
+      <p:sp>
+        <p:nvSpPr>
+          <p:cNvPr id="15" name="TextBox 14">
+            <a:extLst>
+              <a:ext uri="{FF2B5EF4-FFF2-40B4-BE49-F238E27FC236}">
+                <a16:creationId xmlns:a16="http://schemas.microsoft.com/office/drawing/2014/main" id="{2CD9BE1B-00DD-B9BD-B40D-5A893B9C0125}"/>
               </a:ext>
             </a:extLst>
           </p:cNvPr>
@@ -3859,8 +4118,8 @@
         </p:nvSpPr>
         <p:spPr>
           <a:xfrm>
-            <a:off x="9872573" y="2894010"/>
-            <a:ext cx="1900686" cy="923330"/>
+            <a:off x="5795517" y="1910751"/>
+            <a:ext cx="1999265" cy="369332"/>
           </a:xfrm>
           <a:prstGeom prst="rect">
             <a:avLst/>
@@ -3868,28 +4127,240 @@
           <a:noFill/>
         </p:spPr>
         <p:txBody>
-          <a:bodyPr wrap="square" rtlCol="0">
+          <a:bodyPr wrap="none" rtlCol="0">
             <a:spAutoFit/>
           </a:bodyPr>
           <a:lstStyle/>
           <a:p>
             <a:r>
               <a:rPr lang="ko-KR" altLang="en-US"/>
-              <a:t>한 페이지에 </a:t>
-            </a:r>
-            <a:endParaRPr lang="en-US" altLang="ko-KR"/>
-          </a:p>
+              <a:t>전체 페이지 </a:t>
+            </a:r>
+            <a:r>
+              <a:rPr lang="en-US" altLang="ko-KR"/>
+              <a:t>= 13</a:t>
+            </a:r>
+            <a:endParaRPr lang="ko-KR" altLang="en-US"/>
+          </a:p>
+        </p:txBody>
+      </p:sp>
+      <p:sp>
+        <p:nvSpPr>
+          <p:cNvPr id="16" name="직사각형 15">
+            <a:extLst>
+              <a:ext uri="{FF2B5EF4-FFF2-40B4-BE49-F238E27FC236}">
+                <a16:creationId xmlns:a16="http://schemas.microsoft.com/office/drawing/2014/main" id="{B7BE067A-887C-A50E-419D-E9D182F09224}"/>
+              </a:ext>
+            </a:extLst>
+          </p:cNvPr>
+          <p:cNvSpPr/>
+          <p:nvPr/>
+        </p:nvSpPr>
+        <p:spPr>
+          <a:xfrm>
+            <a:off x="2753264" y="4075980"/>
+            <a:ext cx="672861" cy="672861"/>
+          </a:xfrm>
+          <a:prstGeom prst="rect">
+            <a:avLst/>
+          </a:prstGeom>
+          <a:solidFill>
+            <a:schemeClr val="accent2">
+              <a:lumMod val="20000"/>
+              <a:lumOff val="80000"/>
+            </a:schemeClr>
+          </a:solidFill>
+        </p:spPr>
+        <p:style>
+          <a:lnRef idx="2">
+            <a:schemeClr val="dk1"/>
+          </a:lnRef>
+          <a:fillRef idx="1">
+            <a:schemeClr val="lt1"/>
+          </a:fillRef>
+          <a:effectRef idx="0">
+            <a:schemeClr val="dk1"/>
+          </a:effectRef>
+          <a:fontRef idx="minor">
+            <a:schemeClr val="dk1"/>
+          </a:fontRef>
+        </p:style>
+        <p:txBody>
+          <a:bodyPr rtlCol="0" anchor="ctr"/>
+          <a:lstStyle/>
+          <a:p>
+            <a:pPr algn="ctr"/>
+            <a:r>
+              <a:rPr lang="en-US" altLang="ko-KR"/>
+              <a:t>13</a:t>
+            </a:r>
+            <a:endParaRPr lang="ko-KR" altLang="en-US"/>
+          </a:p>
+        </p:txBody>
+      </p:sp>
+      <p:sp>
+        <p:nvSpPr>
+          <p:cNvPr id="17" name="TextBox 16">
+            <a:extLst>
+              <a:ext uri="{FF2B5EF4-FFF2-40B4-BE49-F238E27FC236}">
+                <a16:creationId xmlns:a16="http://schemas.microsoft.com/office/drawing/2014/main" id="{1BF9F8B3-D885-BAFE-50E4-F416CA90450A}"/>
+              </a:ext>
+            </a:extLst>
+          </p:cNvPr>
+          <p:cNvSpPr txBox="1"/>
+          <p:nvPr/>
+        </p:nvSpPr>
+        <p:spPr>
+          <a:xfrm>
+            <a:off x="5795517" y="2536967"/>
+            <a:ext cx="2416046" cy="369332"/>
+          </a:xfrm>
+          <a:prstGeom prst="rect">
+            <a:avLst/>
+          </a:prstGeom>
+          <a:noFill/>
+        </p:spPr>
+        <p:txBody>
+          <a:bodyPr wrap="none" rtlCol="0">
+            <a:spAutoFit/>
+          </a:bodyPr>
+          <a:lstStyle/>
           <a:p>
             <a:r>
               <a:rPr lang="ko-KR" altLang="en-US"/>
-              <a:t>보여주고자 하는</a:t>
-            </a:r>
-            <a:endParaRPr lang="en-US" altLang="ko-KR"/>
-          </a:p>
+              <a:t>현재 페이지 그룹 </a:t>
+            </a:r>
+            <a:r>
+              <a:rPr lang="en-US" altLang="ko-KR"/>
+              <a:t>= 3</a:t>
+            </a:r>
+            <a:endParaRPr lang="ko-KR" altLang="en-US"/>
+          </a:p>
+        </p:txBody>
+      </p:sp>
+      <p:sp>
+        <p:nvSpPr>
+          <p:cNvPr id="18" name="TextBox 17">
+            <a:extLst>
+              <a:ext uri="{FF2B5EF4-FFF2-40B4-BE49-F238E27FC236}">
+                <a16:creationId xmlns:a16="http://schemas.microsoft.com/office/drawing/2014/main" id="{4E0E2770-EE5B-3AC9-CE51-4B7778A93003}"/>
+              </a:ext>
+            </a:extLst>
+          </p:cNvPr>
+          <p:cNvSpPr txBox="1"/>
+          <p:nvPr/>
+        </p:nvSpPr>
+        <p:spPr>
+          <a:xfrm>
+            <a:off x="5795517" y="3163183"/>
+            <a:ext cx="3421129" cy="369332"/>
+          </a:xfrm>
+          <a:prstGeom prst="rect">
+            <a:avLst/>
+          </a:prstGeom>
+          <a:noFill/>
+        </p:spPr>
+        <p:txBody>
+          <a:bodyPr wrap="none" rtlCol="0">
+            <a:spAutoFit/>
+          </a:bodyPr>
+          <a:lstStyle/>
           <a:p>
             <a:r>
               <a:rPr lang="ko-KR" altLang="en-US"/>
-              <a:t>컨텐츠의 개수</a:t>
+              <a:t>화면에 보여줄 페이지 개수 </a:t>
+            </a:r>
+            <a:r>
+              <a:rPr lang="en-US" altLang="ko-KR"/>
+              <a:t>= 5</a:t>
+            </a:r>
+          </a:p>
+        </p:txBody>
+      </p:sp>
+      <p:sp>
+        <p:nvSpPr>
+          <p:cNvPr id="19" name="TextBox 18">
+            <a:extLst>
+              <a:ext uri="{FF2B5EF4-FFF2-40B4-BE49-F238E27FC236}">
+                <a16:creationId xmlns:a16="http://schemas.microsoft.com/office/drawing/2014/main" id="{83B58E8F-7FF9-F286-46ED-616AC6218831}"/>
+              </a:ext>
+            </a:extLst>
+          </p:cNvPr>
+          <p:cNvSpPr txBox="1"/>
+          <p:nvPr/>
+        </p:nvSpPr>
+        <p:spPr>
+          <a:xfrm>
+            <a:off x="5795517" y="3812245"/>
+            <a:ext cx="6260047" cy="923330"/>
+          </a:xfrm>
+          <a:prstGeom prst="rect">
+            <a:avLst/>
+          </a:prstGeom>
+          <a:noFill/>
+        </p:spPr>
+        <p:txBody>
+          <a:bodyPr wrap="none" rtlCol="0">
+            <a:spAutoFit/>
+          </a:bodyPr>
+          <a:lstStyle/>
+          <a:p>
+            <a:r>
+              <a:rPr lang="ko-KR" altLang="en-US">
+                <a:solidFill>
+                  <a:srgbClr val="FF0000"/>
+                </a:solidFill>
+              </a:rPr>
+              <a:t>마지막 번호 </a:t>
+            </a:r>
+            <a:r>
+              <a:rPr lang="en-US" altLang="ko-KR">
+                <a:solidFill>
+                  <a:srgbClr val="FF0000"/>
+                </a:solidFill>
+              </a:rPr>
+              <a:t>= 3 * 5 = 15 =&gt; 13</a:t>
+            </a:r>
+          </a:p>
+          <a:p>
+            <a:r>
+              <a:rPr lang="ko-KR" altLang="en-US"/>
+              <a:t>마지막 번호가 </a:t>
+            </a:r>
+            <a:r>
+              <a:rPr lang="en-US" altLang="ko-KR"/>
+              <a:t>15</a:t>
+            </a:r>
+            <a:r>
+              <a:rPr lang="ko-KR" altLang="en-US"/>
+              <a:t>인데 반해 전체 페이지는 </a:t>
+            </a:r>
+            <a:r>
+              <a:rPr lang="en-US" altLang="ko-KR"/>
+              <a:t>13</a:t>
+            </a:r>
+            <a:r>
+              <a:rPr lang="ko-KR" altLang="en-US"/>
+              <a:t>페이지이므로</a:t>
+            </a:r>
+            <a:br>
+              <a:rPr lang="en-US" altLang="ko-KR"/>
+            </a:br>
+            <a:r>
+              <a:rPr lang="ko-KR" altLang="en-US"/>
+              <a:t>마지막 번호는 </a:t>
+            </a:r>
+            <a:r>
+              <a:rPr lang="en-US" altLang="ko-KR"/>
+              <a:t>13</a:t>
+            </a:r>
+            <a:r>
+              <a:rPr lang="ko-KR" altLang="en-US"/>
+              <a:t>이 됩니다</a:t>
+            </a:r>
+            <a:r>
+              <a:rPr lang="en-US" altLang="ko-KR"/>
+              <a:t>.</a:t>
             </a:r>
           </a:p>
         </p:txBody>
@@ -3897,7 +4368,7 @@
     </p:spTree>
     <p:extLst>
       <p:ext uri="{BB962C8B-B14F-4D97-AF65-F5344CB8AC3E}">
-        <p14:creationId xmlns:p14="http://schemas.microsoft.com/office/powerpoint/2010/main" val="2162899677"/>
+        <p14:creationId xmlns:p14="http://schemas.microsoft.com/office/powerpoint/2010/main" val="1477146565"/>
       </p:ext>
     </p:extLst>
   </p:cSld>
@@ -3926,788 +4397,210 @@
       </p:grpSpPr>
       <p:sp>
         <p:nvSpPr>
-          <p:cNvPr id="2" name="직사각형 1">
-            <a:extLst>
-              <a:ext uri="{FF2B5EF4-FFF2-40B4-BE49-F238E27FC236}">
-                <a16:creationId xmlns:a16="http://schemas.microsoft.com/office/drawing/2014/main" id="{A44A6524-D038-AD55-B13D-A25E12EEE889}"/>
-              </a:ext>
-            </a:extLst>
-          </p:cNvPr>
-          <p:cNvSpPr/>
-          <p:nvPr/>
-        </p:nvSpPr>
-        <p:spPr>
-          <a:xfrm>
-            <a:off x="940279" y="1337093"/>
-            <a:ext cx="672861" cy="672861"/>
-          </a:xfrm>
-          <a:prstGeom prst="rect">
-            <a:avLst/>
-          </a:prstGeom>
-          <a:solidFill>
-            <a:schemeClr val="accent4">
-              <a:lumMod val="20000"/>
-              <a:lumOff val="80000"/>
-            </a:schemeClr>
-          </a:solidFill>
-        </p:spPr>
-        <p:style>
-          <a:lnRef idx="2">
-            <a:schemeClr val="dk1"/>
-          </a:lnRef>
-          <a:fillRef idx="1">
-            <a:schemeClr val="lt1"/>
-          </a:fillRef>
-          <a:effectRef idx="0">
-            <a:schemeClr val="dk1"/>
-          </a:effectRef>
-          <a:fontRef idx="minor">
-            <a:schemeClr val="dk1"/>
-          </a:fontRef>
-        </p:style>
-        <p:txBody>
-          <a:bodyPr rtlCol="0" anchor="ctr"/>
-          <a:lstStyle/>
-          <a:p>
-            <a:pPr algn="ctr"/>
+          <p:cNvPr id="2" name="제목 1">
+            <a:extLst>
+              <a:ext uri="{FF2B5EF4-FFF2-40B4-BE49-F238E27FC236}">
+                <a16:creationId xmlns:a16="http://schemas.microsoft.com/office/drawing/2014/main" id="{261A23CC-3D3C-5E92-8B43-1F3C6DF33DFF}"/>
+              </a:ext>
+            </a:extLst>
+          </p:cNvPr>
+          <p:cNvSpPr>
+            <a:spLocks noGrp="1"/>
+          </p:cNvSpPr>
+          <p:nvPr>
+            <p:ph type="title"/>
+          </p:nvPr>
+        </p:nvSpPr>
+        <p:spPr/>
+        <p:txBody>
+          <a:bodyPr/>
+          <a:lstStyle/>
+          <a:p>
+            <a:r>
+              <a:rPr lang="ko-KR" altLang="en-US"/>
+              <a:t>페이지네이션</a:t>
+            </a:r>
             <a:r>
               <a:rPr lang="en-US" altLang="ko-KR"/>
-              <a:t>1</a:t>
-            </a:r>
-            <a:endParaRPr lang="ko-KR" altLang="en-US"/>
-          </a:p>
-        </p:txBody>
-      </p:sp>
-      <p:sp>
-        <p:nvSpPr>
-          <p:cNvPr id="3" name="직사각형 2">
-            <a:extLst>
-              <a:ext uri="{FF2B5EF4-FFF2-40B4-BE49-F238E27FC236}">
-                <a16:creationId xmlns:a16="http://schemas.microsoft.com/office/drawing/2014/main" id="{28F246FD-994B-2D12-97FD-65C12E90B3EA}"/>
-              </a:ext>
-            </a:extLst>
-          </p:cNvPr>
-          <p:cNvSpPr/>
-          <p:nvPr/>
-        </p:nvSpPr>
-        <p:spPr>
-          <a:xfrm>
-            <a:off x="1897811" y="1337093"/>
-            <a:ext cx="672861" cy="672861"/>
-          </a:xfrm>
-          <a:prstGeom prst="rect">
-            <a:avLst/>
-          </a:prstGeom>
-          <a:solidFill>
-            <a:schemeClr val="accent4">
-              <a:lumMod val="20000"/>
-              <a:lumOff val="80000"/>
-            </a:schemeClr>
-          </a:solidFill>
-        </p:spPr>
-        <p:style>
-          <a:lnRef idx="2">
-            <a:schemeClr val="dk1"/>
-          </a:lnRef>
-          <a:fillRef idx="1">
-            <a:schemeClr val="lt1"/>
-          </a:fillRef>
-          <a:effectRef idx="0">
-            <a:schemeClr val="dk1"/>
-          </a:effectRef>
-          <a:fontRef idx="minor">
-            <a:schemeClr val="dk1"/>
-          </a:fontRef>
-        </p:style>
-        <p:txBody>
-          <a:bodyPr rtlCol="0" anchor="ctr"/>
-          <a:lstStyle/>
-          <a:p>
-            <a:pPr algn="ctr"/>
+              <a:t>(Pagination)</a:t>
+            </a:r>
+            <a:r>
+              <a:rPr lang="ko-KR" altLang="en-US"/>
+              <a:t>이란</a:t>
+            </a:r>
             <a:r>
               <a:rPr lang="en-US" altLang="ko-KR"/>
-              <a:t>2</a:t>
-            </a:r>
-            <a:endParaRPr lang="ko-KR" altLang="en-US"/>
-          </a:p>
-        </p:txBody>
-      </p:sp>
-      <p:sp>
-        <p:nvSpPr>
-          <p:cNvPr id="4" name="직사각형 3">
-            <a:extLst>
-              <a:ext uri="{FF2B5EF4-FFF2-40B4-BE49-F238E27FC236}">
-                <a16:creationId xmlns:a16="http://schemas.microsoft.com/office/drawing/2014/main" id="{AD169C6C-CD84-A568-28FE-B8E5020ABFD5}"/>
-              </a:ext>
-            </a:extLst>
-          </p:cNvPr>
-          <p:cNvSpPr/>
-          <p:nvPr/>
-        </p:nvSpPr>
-        <p:spPr>
-          <a:xfrm>
-            <a:off x="2855343" y="1337093"/>
-            <a:ext cx="672861" cy="672861"/>
-          </a:xfrm>
-          <a:prstGeom prst="rect">
-            <a:avLst/>
-          </a:prstGeom>
-          <a:solidFill>
-            <a:schemeClr val="accent4">
-              <a:lumMod val="20000"/>
-              <a:lumOff val="80000"/>
-            </a:schemeClr>
-          </a:solidFill>
-        </p:spPr>
-        <p:style>
-          <a:lnRef idx="2">
-            <a:schemeClr val="dk1"/>
-          </a:lnRef>
-          <a:fillRef idx="1">
-            <a:schemeClr val="lt1"/>
-          </a:fillRef>
-          <a:effectRef idx="0">
-            <a:schemeClr val="dk1"/>
-          </a:effectRef>
-          <a:fontRef idx="minor">
-            <a:schemeClr val="dk1"/>
-          </a:fontRef>
-        </p:style>
-        <p:txBody>
-          <a:bodyPr rtlCol="0" anchor="ctr"/>
-          <a:lstStyle/>
-          <a:p>
-            <a:pPr algn="ctr"/>
-            <a:r>
-              <a:rPr lang="en-US" altLang="ko-KR"/>
-              <a:t>3</a:t>
-            </a:r>
-            <a:endParaRPr lang="ko-KR" altLang="en-US"/>
-          </a:p>
-        </p:txBody>
-      </p:sp>
-      <p:sp>
-        <p:nvSpPr>
-          <p:cNvPr id="5" name="직사각형 4">
-            <a:extLst>
-              <a:ext uri="{FF2B5EF4-FFF2-40B4-BE49-F238E27FC236}">
-                <a16:creationId xmlns:a16="http://schemas.microsoft.com/office/drawing/2014/main" id="{3F8DED9C-E436-8949-0946-DBF57C38B1F3}"/>
-              </a:ext>
-            </a:extLst>
-          </p:cNvPr>
-          <p:cNvSpPr/>
-          <p:nvPr/>
-        </p:nvSpPr>
-        <p:spPr>
-          <a:xfrm>
-            <a:off x="3769742" y="1337093"/>
-            <a:ext cx="672861" cy="672861"/>
-          </a:xfrm>
-          <a:prstGeom prst="rect">
-            <a:avLst/>
-          </a:prstGeom>
-          <a:solidFill>
-            <a:schemeClr val="accent4">
-              <a:lumMod val="20000"/>
-              <a:lumOff val="80000"/>
-            </a:schemeClr>
-          </a:solidFill>
-        </p:spPr>
-        <p:style>
-          <a:lnRef idx="2">
-            <a:schemeClr val="dk1"/>
-          </a:lnRef>
-          <a:fillRef idx="1">
-            <a:schemeClr val="lt1"/>
-          </a:fillRef>
-          <a:effectRef idx="0">
-            <a:schemeClr val="dk1"/>
-          </a:effectRef>
-          <a:fontRef idx="minor">
-            <a:schemeClr val="dk1"/>
-          </a:fontRef>
-        </p:style>
-        <p:txBody>
-          <a:bodyPr rtlCol="0" anchor="ctr"/>
-          <a:lstStyle/>
-          <a:p>
-            <a:pPr algn="ctr"/>
-            <a:r>
-              <a:rPr lang="en-US" altLang="ko-KR"/>
-              <a:t>4</a:t>
-            </a:r>
-            <a:endParaRPr lang="ko-KR" altLang="en-US"/>
-          </a:p>
-        </p:txBody>
-      </p:sp>
-      <p:sp>
-        <p:nvSpPr>
-          <p:cNvPr id="6" name="직사각형 5">
-            <a:extLst>
-              <a:ext uri="{FF2B5EF4-FFF2-40B4-BE49-F238E27FC236}">
-                <a16:creationId xmlns:a16="http://schemas.microsoft.com/office/drawing/2014/main" id="{D317DE39-EE7B-7EA5-05AB-7393F78CF948}"/>
-              </a:ext>
-            </a:extLst>
-          </p:cNvPr>
-          <p:cNvSpPr/>
-          <p:nvPr/>
-        </p:nvSpPr>
-        <p:spPr>
-          <a:xfrm>
-            <a:off x="4761780" y="1337093"/>
-            <a:ext cx="672861" cy="672861"/>
-          </a:xfrm>
-          <a:prstGeom prst="rect">
-            <a:avLst/>
-          </a:prstGeom>
-          <a:solidFill>
-            <a:schemeClr val="accent4">
-              <a:lumMod val="20000"/>
-              <a:lumOff val="80000"/>
-            </a:schemeClr>
-          </a:solidFill>
-        </p:spPr>
-        <p:style>
-          <a:lnRef idx="2">
-            <a:schemeClr val="dk1"/>
-          </a:lnRef>
-          <a:fillRef idx="1">
-            <a:schemeClr val="lt1"/>
-          </a:fillRef>
-          <a:effectRef idx="0">
-            <a:schemeClr val="dk1"/>
-          </a:effectRef>
-          <a:fontRef idx="minor">
-            <a:schemeClr val="dk1"/>
-          </a:fontRef>
-        </p:style>
-        <p:txBody>
-          <a:bodyPr rtlCol="0" anchor="ctr"/>
-          <a:lstStyle/>
-          <a:p>
-            <a:pPr algn="ctr"/>
-            <a:r>
-              <a:rPr lang="en-US" altLang="ko-KR"/>
-              <a:t>5</a:t>
-            </a:r>
-            <a:endParaRPr lang="ko-KR" altLang="en-US"/>
-          </a:p>
-        </p:txBody>
-      </p:sp>
-      <p:sp>
-        <p:nvSpPr>
-          <p:cNvPr id="7" name="직사각형 6">
-            <a:extLst>
-              <a:ext uri="{FF2B5EF4-FFF2-40B4-BE49-F238E27FC236}">
-                <a16:creationId xmlns:a16="http://schemas.microsoft.com/office/drawing/2014/main" id="{EAA031AB-7A1B-05A5-FAF2-D85F9FDDAA2A}"/>
-              </a:ext>
-            </a:extLst>
-          </p:cNvPr>
-          <p:cNvSpPr/>
-          <p:nvPr/>
-        </p:nvSpPr>
-        <p:spPr>
-          <a:xfrm>
-            <a:off x="940279" y="2380890"/>
-            <a:ext cx="672861" cy="672861"/>
-          </a:xfrm>
-          <a:prstGeom prst="rect">
-            <a:avLst/>
-          </a:prstGeom>
-          <a:solidFill>
-            <a:schemeClr val="accent4">
-              <a:lumMod val="20000"/>
-              <a:lumOff val="80000"/>
-            </a:schemeClr>
-          </a:solidFill>
-        </p:spPr>
-        <p:style>
-          <a:lnRef idx="2">
-            <a:schemeClr val="dk1"/>
-          </a:lnRef>
-          <a:fillRef idx="1">
-            <a:schemeClr val="lt1"/>
-          </a:fillRef>
-          <a:effectRef idx="0">
-            <a:schemeClr val="dk1"/>
-          </a:effectRef>
-          <a:fontRef idx="minor">
-            <a:schemeClr val="dk1"/>
-          </a:fontRef>
-        </p:style>
-        <p:txBody>
-          <a:bodyPr rtlCol="0" anchor="ctr"/>
-          <a:lstStyle/>
-          <a:p>
-            <a:pPr algn="ctr"/>
-            <a:r>
-              <a:rPr lang="en-US" altLang="ko-KR"/>
-              <a:t>6</a:t>
-            </a:r>
-            <a:endParaRPr lang="ko-KR" altLang="en-US"/>
-          </a:p>
-        </p:txBody>
-      </p:sp>
-      <p:sp>
-        <p:nvSpPr>
-          <p:cNvPr id="8" name="직사각형 7">
-            <a:extLst>
-              <a:ext uri="{FF2B5EF4-FFF2-40B4-BE49-F238E27FC236}">
-                <a16:creationId xmlns:a16="http://schemas.microsoft.com/office/drawing/2014/main" id="{0A4B1BE6-76A6-2B8C-0A12-10724DD46743}"/>
-              </a:ext>
-            </a:extLst>
-          </p:cNvPr>
-          <p:cNvSpPr/>
-          <p:nvPr/>
-        </p:nvSpPr>
-        <p:spPr>
-          <a:xfrm>
-            <a:off x="1897811" y="2380890"/>
-            <a:ext cx="672861" cy="672861"/>
-          </a:xfrm>
-          <a:prstGeom prst="rect">
-            <a:avLst/>
-          </a:prstGeom>
-          <a:solidFill>
-            <a:schemeClr val="accent4">
-              <a:lumMod val="20000"/>
-              <a:lumOff val="80000"/>
-            </a:schemeClr>
-          </a:solidFill>
-        </p:spPr>
-        <p:style>
-          <a:lnRef idx="2">
-            <a:schemeClr val="dk1"/>
-          </a:lnRef>
-          <a:fillRef idx="1">
-            <a:schemeClr val="lt1"/>
-          </a:fillRef>
-          <a:effectRef idx="0">
-            <a:schemeClr val="dk1"/>
-          </a:effectRef>
-          <a:fontRef idx="minor">
-            <a:schemeClr val="dk1"/>
-          </a:fontRef>
-        </p:style>
-        <p:txBody>
-          <a:bodyPr rtlCol="0" anchor="ctr"/>
-          <a:lstStyle/>
-          <a:p>
-            <a:pPr algn="ctr"/>
-            <a:r>
-              <a:rPr lang="en-US" altLang="ko-KR"/>
-              <a:t>7</a:t>
-            </a:r>
-            <a:endParaRPr lang="ko-KR" altLang="en-US"/>
-          </a:p>
-        </p:txBody>
-      </p:sp>
-      <p:sp>
-        <p:nvSpPr>
-          <p:cNvPr id="9" name="직사각형 8">
-            <a:extLst>
-              <a:ext uri="{FF2B5EF4-FFF2-40B4-BE49-F238E27FC236}">
-                <a16:creationId xmlns:a16="http://schemas.microsoft.com/office/drawing/2014/main" id="{C9239A70-B344-C5CC-654F-2673F9052D9D}"/>
-              </a:ext>
-            </a:extLst>
-          </p:cNvPr>
-          <p:cNvSpPr/>
-          <p:nvPr/>
-        </p:nvSpPr>
-        <p:spPr>
-          <a:xfrm>
-            <a:off x="2855343" y="2380890"/>
-            <a:ext cx="672861" cy="672861"/>
-          </a:xfrm>
-          <a:prstGeom prst="rect">
-            <a:avLst/>
-          </a:prstGeom>
-          <a:solidFill>
-            <a:schemeClr val="accent4">
-              <a:lumMod val="20000"/>
-              <a:lumOff val="80000"/>
-            </a:schemeClr>
-          </a:solidFill>
-        </p:spPr>
-        <p:style>
-          <a:lnRef idx="2">
-            <a:schemeClr val="dk1"/>
-          </a:lnRef>
-          <a:fillRef idx="1">
-            <a:schemeClr val="lt1"/>
-          </a:fillRef>
-          <a:effectRef idx="0">
-            <a:schemeClr val="dk1"/>
-          </a:effectRef>
-          <a:fontRef idx="minor">
-            <a:schemeClr val="dk1"/>
-          </a:fontRef>
-        </p:style>
-        <p:txBody>
-          <a:bodyPr rtlCol="0" anchor="ctr"/>
-          <a:lstStyle/>
-          <a:p>
-            <a:pPr algn="ctr"/>
-            <a:r>
-              <a:rPr lang="en-US" altLang="ko-KR"/>
-              <a:t>8</a:t>
-            </a:r>
-            <a:endParaRPr lang="ko-KR" altLang="en-US"/>
-          </a:p>
-        </p:txBody>
-      </p:sp>
-      <p:sp>
-        <p:nvSpPr>
-          <p:cNvPr id="10" name="직사각형 9">
-            <a:extLst>
-              <a:ext uri="{FF2B5EF4-FFF2-40B4-BE49-F238E27FC236}">
-                <a16:creationId xmlns:a16="http://schemas.microsoft.com/office/drawing/2014/main" id="{87BE5BA0-4567-ED94-46A2-590A06979FE0}"/>
-              </a:ext>
-            </a:extLst>
-          </p:cNvPr>
-          <p:cNvSpPr/>
-          <p:nvPr/>
-        </p:nvSpPr>
-        <p:spPr>
-          <a:xfrm>
-            <a:off x="3769742" y="2380890"/>
-            <a:ext cx="672861" cy="672861"/>
-          </a:xfrm>
-          <a:prstGeom prst="rect">
-            <a:avLst/>
-          </a:prstGeom>
-          <a:solidFill>
-            <a:schemeClr val="accent4">
-              <a:lumMod val="20000"/>
-              <a:lumOff val="80000"/>
-            </a:schemeClr>
-          </a:solidFill>
-        </p:spPr>
-        <p:style>
-          <a:lnRef idx="2">
-            <a:schemeClr val="dk1"/>
-          </a:lnRef>
-          <a:fillRef idx="1">
-            <a:schemeClr val="lt1"/>
-          </a:fillRef>
-          <a:effectRef idx="0">
-            <a:schemeClr val="dk1"/>
-          </a:effectRef>
-          <a:fontRef idx="minor">
-            <a:schemeClr val="dk1"/>
-          </a:fontRef>
-        </p:style>
-        <p:txBody>
-          <a:bodyPr rtlCol="0" anchor="ctr"/>
-          <a:lstStyle/>
-          <a:p>
-            <a:pPr algn="ctr"/>
-            <a:r>
-              <a:rPr lang="en-US" altLang="ko-KR"/>
-              <a:t>9</a:t>
-            </a:r>
-            <a:endParaRPr lang="ko-KR" altLang="en-US"/>
-          </a:p>
-        </p:txBody>
-      </p:sp>
-      <p:sp>
-        <p:nvSpPr>
-          <p:cNvPr id="11" name="직사각형 10">
-            <a:extLst>
-              <a:ext uri="{FF2B5EF4-FFF2-40B4-BE49-F238E27FC236}">
-                <a16:creationId xmlns:a16="http://schemas.microsoft.com/office/drawing/2014/main" id="{CC7F968D-AD13-04AE-F688-F94DB3977CA6}"/>
-              </a:ext>
-            </a:extLst>
-          </p:cNvPr>
-          <p:cNvSpPr/>
-          <p:nvPr/>
-        </p:nvSpPr>
-        <p:spPr>
-          <a:xfrm>
-            <a:off x="4761780" y="2380890"/>
-            <a:ext cx="672861" cy="672861"/>
-          </a:xfrm>
-          <a:prstGeom prst="rect">
-            <a:avLst/>
-          </a:prstGeom>
-          <a:solidFill>
-            <a:schemeClr val="accent4">
-              <a:lumMod val="20000"/>
-              <a:lumOff val="80000"/>
-            </a:schemeClr>
-          </a:solidFill>
-        </p:spPr>
-        <p:style>
-          <a:lnRef idx="2">
-            <a:schemeClr val="dk1"/>
-          </a:lnRef>
-          <a:fillRef idx="1">
-            <a:schemeClr val="lt1"/>
-          </a:fillRef>
-          <a:effectRef idx="0">
-            <a:schemeClr val="dk1"/>
-          </a:effectRef>
-          <a:fontRef idx="minor">
-            <a:schemeClr val="dk1"/>
-          </a:fontRef>
-        </p:style>
-        <p:txBody>
-          <a:bodyPr rtlCol="0" anchor="ctr"/>
-          <a:lstStyle/>
-          <a:p>
-            <a:pPr algn="ctr"/>
-            <a:r>
-              <a:rPr lang="en-US" altLang="ko-KR"/>
-              <a:t>10</a:t>
-            </a:r>
-            <a:endParaRPr lang="ko-KR" altLang="en-US"/>
-          </a:p>
-        </p:txBody>
-      </p:sp>
-      <p:sp>
-        <p:nvSpPr>
-          <p:cNvPr id="12" name="직사각형 11">
-            <a:extLst>
-              <a:ext uri="{FF2B5EF4-FFF2-40B4-BE49-F238E27FC236}">
-                <a16:creationId xmlns:a16="http://schemas.microsoft.com/office/drawing/2014/main" id="{1E8CFBAA-F604-F8DB-C114-5BB2F3C5ED53}"/>
-              </a:ext>
-            </a:extLst>
-          </p:cNvPr>
-          <p:cNvSpPr/>
-          <p:nvPr/>
-        </p:nvSpPr>
-        <p:spPr>
-          <a:xfrm>
-            <a:off x="940279" y="3364301"/>
-            <a:ext cx="672861" cy="672861"/>
-          </a:xfrm>
-          <a:prstGeom prst="rect">
-            <a:avLst/>
-          </a:prstGeom>
-          <a:solidFill>
-            <a:schemeClr val="accent4">
-              <a:lumMod val="20000"/>
-              <a:lumOff val="80000"/>
-            </a:schemeClr>
-          </a:solidFill>
-        </p:spPr>
-        <p:style>
-          <a:lnRef idx="2">
-            <a:schemeClr val="dk1"/>
-          </a:lnRef>
-          <a:fillRef idx="1">
-            <a:schemeClr val="lt1"/>
-          </a:fillRef>
-          <a:effectRef idx="0">
-            <a:schemeClr val="dk1"/>
-          </a:effectRef>
-          <a:fontRef idx="minor">
-            <a:schemeClr val="dk1"/>
-          </a:fontRef>
-        </p:style>
-        <p:txBody>
-          <a:bodyPr rtlCol="0" anchor="ctr"/>
-          <a:lstStyle/>
-          <a:p>
-            <a:pPr algn="ctr"/>
-            <a:r>
-              <a:rPr lang="en-US" altLang="ko-KR"/>
-              <a:t>11</a:t>
-            </a:r>
-            <a:endParaRPr lang="ko-KR" altLang="en-US"/>
-          </a:p>
-        </p:txBody>
-      </p:sp>
-      <p:sp>
-        <p:nvSpPr>
-          <p:cNvPr id="13" name="직사각형 12">
-            <a:extLst>
-              <a:ext uri="{FF2B5EF4-FFF2-40B4-BE49-F238E27FC236}">
-                <a16:creationId xmlns:a16="http://schemas.microsoft.com/office/drawing/2014/main" id="{604DC678-C500-DB66-F7CB-1A595A4394A5}"/>
-              </a:ext>
-            </a:extLst>
-          </p:cNvPr>
-          <p:cNvSpPr/>
-          <p:nvPr/>
-        </p:nvSpPr>
-        <p:spPr>
-          <a:xfrm>
-            <a:off x="1897811" y="3364301"/>
-            <a:ext cx="672861" cy="672861"/>
-          </a:xfrm>
-          <a:prstGeom prst="rect">
-            <a:avLst/>
-          </a:prstGeom>
-          <a:solidFill>
-            <a:schemeClr val="accent4">
-              <a:lumMod val="20000"/>
-              <a:lumOff val="80000"/>
-            </a:schemeClr>
-          </a:solidFill>
-        </p:spPr>
-        <p:style>
-          <a:lnRef idx="2">
-            <a:schemeClr val="dk1"/>
-          </a:lnRef>
-          <a:fillRef idx="1">
-            <a:schemeClr val="lt1"/>
-          </a:fillRef>
-          <a:effectRef idx="0">
-            <a:schemeClr val="dk1"/>
-          </a:effectRef>
-          <a:fontRef idx="minor">
-            <a:schemeClr val="dk1"/>
-          </a:fontRef>
-        </p:style>
-        <p:txBody>
-          <a:bodyPr rtlCol="0" anchor="ctr"/>
-          <a:lstStyle/>
-          <a:p>
-            <a:pPr algn="ctr"/>
-            <a:r>
-              <a:rPr lang="en-US" altLang="ko-KR"/>
-              <a:t>12</a:t>
-            </a:r>
-            <a:endParaRPr lang="ko-KR" altLang="en-US"/>
-          </a:p>
-        </p:txBody>
-      </p:sp>
-      <p:sp>
-        <p:nvSpPr>
-          <p:cNvPr id="17" name="TextBox 16">
-            <a:extLst>
-              <a:ext uri="{FF2B5EF4-FFF2-40B4-BE49-F238E27FC236}">
-                <a16:creationId xmlns:a16="http://schemas.microsoft.com/office/drawing/2014/main" id="{929B9A4A-B527-4578-BA16-317AF956DCAF}"/>
-              </a:ext>
-            </a:extLst>
-          </p:cNvPr>
-          <p:cNvSpPr txBox="1"/>
-          <p:nvPr/>
-        </p:nvSpPr>
-        <p:spPr>
-          <a:xfrm>
-            <a:off x="6096000" y="1199072"/>
-            <a:ext cx="2669320" cy="369332"/>
-          </a:xfrm>
-          <a:prstGeom prst="rect">
-            <a:avLst/>
-          </a:prstGeom>
-          <a:noFill/>
-        </p:spPr>
-        <p:txBody>
-          <a:bodyPr wrap="none" rtlCol="0">
-            <a:spAutoFit/>
-          </a:bodyPr>
-          <a:lstStyle/>
-          <a:p>
-            <a:r>
-              <a:rPr lang="ko-KR" altLang="en-US"/>
-              <a:t>전체 컨텐츠 개수 </a:t>
-            </a:r>
-            <a:r>
-              <a:rPr lang="en-US" altLang="ko-KR"/>
-              <a:t>= 123</a:t>
-            </a:r>
-            <a:endParaRPr lang="ko-KR" altLang="en-US"/>
-          </a:p>
-        </p:txBody>
-      </p:sp>
-      <p:sp>
-        <p:nvSpPr>
-          <p:cNvPr id="19" name="TextBox 18">
-            <a:extLst>
-              <a:ext uri="{FF2B5EF4-FFF2-40B4-BE49-F238E27FC236}">
-                <a16:creationId xmlns:a16="http://schemas.microsoft.com/office/drawing/2014/main" id="{8698887F-A2F1-DEF5-6641-AFC3B948CC2F}"/>
-              </a:ext>
-            </a:extLst>
-          </p:cNvPr>
-          <p:cNvSpPr txBox="1"/>
-          <p:nvPr/>
-        </p:nvSpPr>
-        <p:spPr>
-          <a:xfrm>
-            <a:off x="6096000" y="1825288"/>
-            <a:ext cx="4322017" cy="369332"/>
-          </a:xfrm>
-          <a:prstGeom prst="rect">
-            <a:avLst/>
-          </a:prstGeom>
-          <a:noFill/>
-        </p:spPr>
-        <p:txBody>
-          <a:bodyPr wrap="none" rtlCol="0">
-            <a:spAutoFit/>
-          </a:bodyPr>
-          <a:lstStyle/>
-          <a:p>
-            <a:r>
-              <a:rPr lang="ko-KR" altLang="en-US"/>
-              <a:t>한 페이지에 보여줄 컨텐츠의 개수 </a:t>
-            </a:r>
-            <a:r>
-              <a:rPr lang="en-US" altLang="ko-KR"/>
-              <a:t>= 10</a:t>
-            </a:r>
-            <a:endParaRPr lang="ko-KR" altLang="en-US"/>
-          </a:p>
-        </p:txBody>
-      </p:sp>
-      <p:sp>
-        <p:nvSpPr>
-          <p:cNvPr id="20" name="TextBox 19">
-            <a:extLst>
-              <a:ext uri="{FF2B5EF4-FFF2-40B4-BE49-F238E27FC236}">
-                <a16:creationId xmlns:a16="http://schemas.microsoft.com/office/drawing/2014/main" id="{DF2969C4-8B03-7859-EBA0-32CA0EE0138B}"/>
-              </a:ext>
-            </a:extLst>
-          </p:cNvPr>
-          <p:cNvSpPr txBox="1"/>
-          <p:nvPr/>
-        </p:nvSpPr>
-        <p:spPr>
-          <a:xfrm>
-            <a:off x="6096000" y="2451504"/>
-            <a:ext cx="4376519" cy="369332"/>
-          </a:xfrm>
-          <a:prstGeom prst="rect">
-            <a:avLst/>
-          </a:prstGeom>
-          <a:noFill/>
-        </p:spPr>
-        <p:txBody>
-          <a:bodyPr wrap="none" rtlCol="0">
-            <a:spAutoFit/>
-          </a:bodyPr>
-          <a:lstStyle/>
-          <a:p>
-            <a:r>
-              <a:rPr lang="ko-KR" altLang="en-US">
+              <a:t>?</a:t>
+            </a:r>
+            <a:endParaRPr lang="ko-KR" altLang="en-US"/>
+          </a:p>
+        </p:txBody>
+      </p:sp>
+      <p:sp>
+        <p:nvSpPr>
+          <p:cNvPr id="3" name="내용 개체 틀 2">
+            <a:extLst>
+              <a:ext uri="{FF2B5EF4-FFF2-40B4-BE49-F238E27FC236}">
+                <a16:creationId xmlns:a16="http://schemas.microsoft.com/office/drawing/2014/main" id="{E81C0A84-57E5-BFDF-EDC8-20F366DB76A1}"/>
+              </a:ext>
+            </a:extLst>
+          </p:cNvPr>
+          <p:cNvSpPr>
+            <a:spLocks noGrp="1"/>
+          </p:cNvSpPr>
+          <p:nvPr>
+            <p:ph idx="1"/>
+          </p:nvPr>
+        </p:nvSpPr>
+        <p:spPr/>
+        <p:txBody>
+          <a:bodyPr/>
+          <a:lstStyle/>
+          <a:p>
+            <a:pPr algn="l"/>
+            <a:r>
+              <a:rPr lang="ko-KR" altLang="en-US" b="0" i="0">
+                <a:solidFill>
+                  <a:srgbClr val="666666"/>
+                </a:solidFill>
+                <a:effectLst/>
+                <a:latin typeface="Avenir"/>
+              </a:rPr>
+              <a:t>페이지네이션이란 여러개의 컨텐츠를 여러 페이지로 나누고 페이지 번호 버튼</a:t>
+            </a:r>
+            <a:r>
+              <a:rPr lang="en-US" altLang="ko-KR" b="0" i="0">
+                <a:solidFill>
+                  <a:srgbClr val="666666"/>
+                </a:solidFill>
+                <a:effectLst/>
+                <a:latin typeface="Avenir"/>
+              </a:rPr>
+              <a:t>, </a:t>
+            </a:r>
+            <a:r>
+              <a:rPr lang="ko-KR" altLang="en-US" b="0" i="0">
+                <a:solidFill>
+                  <a:srgbClr val="666666"/>
+                </a:solidFill>
+                <a:effectLst/>
+                <a:latin typeface="Avenir"/>
+              </a:rPr>
+              <a:t>이전 버튼</a:t>
+            </a:r>
+            <a:r>
+              <a:rPr lang="en-US" altLang="ko-KR" b="0" i="0">
+                <a:solidFill>
+                  <a:srgbClr val="666666"/>
+                </a:solidFill>
+                <a:effectLst/>
+                <a:latin typeface="Avenir"/>
+              </a:rPr>
+              <a:t>, </a:t>
+            </a:r>
+            <a:r>
+              <a:rPr lang="ko-KR" altLang="en-US" b="0" i="0">
+                <a:solidFill>
+                  <a:srgbClr val="666666"/>
+                </a:solidFill>
+                <a:effectLst/>
+                <a:latin typeface="Avenir"/>
+              </a:rPr>
+              <a:t>다음 버튼을 눌러서 </a:t>
+            </a:r>
+            <a:r>
+              <a:rPr lang="ko-KR" altLang="en-US" b="0" i="0">
                 <a:solidFill>
                   <a:srgbClr val="FF0000"/>
                 </a:solidFill>
+                <a:effectLst/>
+                <a:latin typeface="Avenir"/>
               </a:rPr>
-              <a:t>총 페이지 수 </a:t>
-            </a:r>
-            <a:r>
-              <a:rPr lang="en-US" altLang="ko-KR">
+              <a:t>특정한 페이지를 이동하는 기능</a:t>
+            </a:r>
+            <a:r>
+              <a:rPr lang="ko-KR" altLang="en-US" b="0" i="0">
                 <a:solidFill>
-                  <a:srgbClr val="FF0000"/>
+                  <a:srgbClr val="666666"/>
                 </a:solidFill>
+                <a:effectLst/>
+                <a:latin typeface="Avenir"/>
               </a:rPr>
-              <a:t>= Math.ceil(123 / 10) = 13</a:t>
-            </a:r>
-            <a:endParaRPr lang="ko-KR" altLang="en-US">
-              <a:solidFill>
-                <a:srgbClr val="FF0000"/>
-              </a:solidFill>
-            </a:endParaRPr>
-          </a:p>
-        </p:txBody>
-      </p:sp>
+              <a:t>입니다</a:t>
+            </a:r>
+            <a:r>
+              <a:rPr lang="en-US" altLang="ko-KR" b="0" i="0">
+                <a:solidFill>
+                  <a:srgbClr val="666666"/>
+                </a:solidFill>
+                <a:effectLst/>
+                <a:latin typeface="Avenir"/>
+              </a:rPr>
+              <a:t>.</a:t>
+            </a:r>
+          </a:p>
+          <a:p>
+            <a:pPr marL="0" indent="0">
+              <a:buNone/>
+            </a:pPr>
+            <a:br>
+              <a:rPr lang="ko-KR" altLang="en-US"/>
+            </a:br>
+            <a:endParaRPr lang="ko-KR" altLang="en-US"/>
+          </a:p>
+        </p:txBody>
+      </p:sp>
+      <p:pic>
+        <p:nvPicPr>
+          <p:cNvPr id="1026" name="Picture 2">
+            <a:extLst>
+              <a:ext uri="{FF2B5EF4-FFF2-40B4-BE49-F238E27FC236}">
+                <a16:creationId xmlns:a16="http://schemas.microsoft.com/office/drawing/2014/main" id="{F1C55BF6-3FBA-478C-9802-4123B763E06C}"/>
+              </a:ext>
+            </a:extLst>
+          </p:cNvPr>
+          <p:cNvPicPr>
+            <a:picLocks noChangeAspect="1" noChangeArrowheads="1"/>
+          </p:cNvPicPr>
+          <p:nvPr/>
+        </p:nvPicPr>
+        <p:blipFill>
+          <a:blip r:embed="rId2">
+            <a:extLst>
+              <a:ext uri="{28A0092B-C50C-407E-A947-70E740481C1C}">
+                <a14:useLocalDpi xmlns:a14="http://schemas.microsoft.com/office/drawing/2010/main" val="0"/>
+              </a:ext>
+            </a:extLst>
+          </a:blip>
+          <a:srcRect/>
+          <a:stretch>
+            <a:fillRect/>
+          </a:stretch>
+        </p:blipFill>
+        <p:spPr bwMode="auto">
+          <a:xfrm>
+            <a:off x="2192547" y="3545995"/>
+            <a:ext cx="6899694" cy="2866027"/>
+          </a:xfrm>
+          <a:prstGeom prst="rect">
+            <a:avLst/>
+          </a:prstGeom>
+          <a:noFill/>
+          <a:extLst>
+            <a:ext uri="{909E8E84-426E-40DD-AFC4-6F175D3DCCD1}">
+              <a14:hiddenFill xmlns:a14="http://schemas.microsoft.com/office/drawing/2010/main">
+                <a:solidFill>
+                  <a:srgbClr val="FFFFFF"/>
+                </a:solidFill>
+              </a14:hiddenFill>
+            </a:ext>
+          </a:extLst>
+        </p:spPr>
+      </p:pic>
     </p:spTree>
     <p:extLst>
       <p:ext uri="{BB962C8B-B14F-4D97-AF65-F5344CB8AC3E}">
-        <p14:creationId xmlns:p14="http://schemas.microsoft.com/office/powerpoint/2010/main" val="692025484"/>
+        <p14:creationId xmlns:p14="http://schemas.microsoft.com/office/powerpoint/2010/main" val="1171514675"/>
       </p:ext>
     </p:extLst>
   </p:cSld>
@@ -4736,918 +4629,124 @@
       </p:grpSpPr>
       <p:sp>
         <p:nvSpPr>
-          <p:cNvPr id="2" name="직사각형 1">
-            <a:extLst>
-              <a:ext uri="{FF2B5EF4-FFF2-40B4-BE49-F238E27FC236}">
-                <a16:creationId xmlns:a16="http://schemas.microsoft.com/office/drawing/2014/main" id="{A44A6524-D038-AD55-B13D-A25E12EEE889}"/>
-              </a:ext>
-            </a:extLst>
-          </p:cNvPr>
-          <p:cNvSpPr/>
-          <p:nvPr/>
-        </p:nvSpPr>
-        <p:spPr>
-          <a:xfrm>
-            <a:off x="940279" y="1337093"/>
-            <a:ext cx="672861" cy="672861"/>
-          </a:xfrm>
-          <a:prstGeom prst="rect">
-            <a:avLst/>
-          </a:prstGeom>
-          <a:solidFill>
-            <a:schemeClr val="accent4">
-              <a:lumMod val="20000"/>
-              <a:lumOff val="80000"/>
-            </a:schemeClr>
-          </a:solidFill>
-        </p:spPr>
-        <p:style>
-          <a:lnRef idx="2">
-            <a:schemeClr val="dk1"/>
-          </a:lnRef>
-          <a:fillRef idx="1">
-            <a:schemeClr val="lt1"/>
-          </a:fillRef>
-          <a:effectRef idx="0">
-            <a:schemeClr val="dk1"/>
-          </a:effectRef>
-          <a:fontRef idx="minor">
-            <a:schemeClr val="dk1"/>
-          </a:fontRef>
-        </p:style>
-        <p:txBody>
-          <a:bodyPr rtlCol="0" anchor="ctr"/>
-          <a:lstStyle/>
-          <a:p>
-            <a:pPr algn="ctr"/>
-            <a:r>
-              <a:rPr lang="en-US" altLang="ko-KR"/>
-              <a:t>1</a:t>
-            </a:r>
-            <a:endParaRPr lang="ko-KR" altLang="en-US"/>
-          </a:p>
-        </p:txBody>
-      </p:sp>
-      <p:sp>
-        <p:nvSpPr>
-          <p:cNvPr id="3" name="직사각형 2">
-            <a:extLst>
-              <a:ext uri="{FF2B5EF4-FFF2-40B4-BE49-F238E27FC236}">
-                <a16:creationId xmlns:a16="http://schemas.microsoft.com/office/drawing/2014/main" id="{28F246FD-994B-2D12-97FD-65C12E90B3EA}"/>
-              </a:ext>
-            </a:extLst>
-          </p:cNvPr>
-          <p:cNvSpPr/>
-          <p:nvPr/>
-        </p:nvSpPr>
-        <p:spPr>
-          <a:xfrm>
-            <a:off x="1897811" y="1337093"/>
-            <a:ext cx="672861" cy="672861"/>
-          </a:xfrm>
-          <a:prstGeom prst="rect">
-            <a:avLst/>
-          </a:prstGeom>
-          <a:solidFill>
-            <a:schemeClr val="accent4">
-              <a:lumMod val="20000"/>
-              <a:lumOff val="80000"/>
-            </a:schemeClr>
-          </a:solidFill>
-        </p:spPr>
-        <p:style>
-          <a:lnRef idx="2">
-            <a:schemeClr val="dk1"/>
-          </a:lnRef>
-          <a:fillRef idx="1">
-            <a:schemeClr val="lt1"/>
-          </a:fillRef>
-          <a:effectRef idx="0">
-            <a:schemeClr val="dk1"/>
-          </a:effectRef>
-          <a:fontRef idx="minor">
-            <a:schemeClr val="dk1"/>
-          </a:fontRef>
-        </p:style>
-        <p:txBody>
-          <a:bodyPr rtlCol="0" anchor="ctr"/>
-          <a:lstStyle/>
-          <a:p>
-            <a:pPr algn="ctr"/>
-            <a:r>
-              <a:rPr lang="en-US" altLang="ko-KR"/>
-              <a:t>2</a:t>
-            </a:r>
-            <a:endParaRPr lang="ko-KR" altLang="en-US"/>
-          </a:p>
-        </p:txBody>
-      </p:sp>
-      <p:sp>
-        <p:nvSpPr>
-          <p:cNvPr id="4" name="직사각형 3">
-            <a:extLst>
-              <a:ext uri="{FF2B5EF4-FFF2-40B4-BE49-F238E27FC236}">
-                <a16:creationId xmlns:a16="http://schemas.microsoft.com/office/drawing/2014/main" id="{AD169C6C-CD84-A568-28FE-B8E5020ABFD5}"/>
-              </a:ext>
-            </a:extLst>
-          </p:cNvPr>
-          <p:cNvSpPr/>
-          <p:nvPr/>
-        </p:nvSpPr>
-        <p:spPr>
-          <a:xfrm>
-            <a:off x="2855343" y="1337093"/>
-            <a:ext cx="672861" cy="672861"/>
-          </a:xfrm>
-          <a:prstGeom prst="rect">
-            <a:avLst/>
-          </a:prstGeom>
-          <a:solidFill>
-            <a:schemeClr val="accent4">
-              <a:lumMod val="20000"/>
-              <a:lumOff val="80000"/>
-            </a:schemeClr>
-          </a:solidFill>
-        </p:spPr>
-        <p:style>
-          <a:lnRef idx="2">
-            <a:schemeClr val="dk1"/>
-          </a:lnRef>
-          <a:fillRef idx="1">
-            <a:schemeClr val="lt1"/>
-          </a:fillRef>
-          <a:effectRef idx="0">
-            <a:schemeClr val="dk1"/>
-          </a:effectRef>
-          <a:fontRef idx="minor">
-            <a:schemeClr val="dk1"/>
-          </a:fontRef>
-        </p:style>
-        <p:txBody>
-          <a:bodyPr rtlCol="0" anchor="ctr"/>
-          <a:lstStyle/>
-          <a:p>
-            <a:pPr algn="ctr"/>
-            <a:r>
-              <a:rPr lang="en-US" altLang="ko-KR"/>
-              <a:t>3</a:t>
-            </a:r>
-            <a:endParaRPr lang="ko-KR" altLang="en-US"/>
-          </a:p>
-        </p:txBody>
-      </p:sp>
-      <p:sp>
-        <p:nvSpPr>
-          <p:cNvPr id="5" name="직사각형 4">
-            <a:extLst>
-              <a:ext uri="{FF2B5EF4-FFF2-40B4-BE49-F238E27FC236}">
-                <a16:creationId xmlns:a16="http://schemas.microsoft.com/office/drawing/2014/main" id="{3F8DED9C-E436-8949-0946-DBF57C38B1F3}"/>
-              </a:ext>
-            </a:extLst>
-          </p:cNvPr>
-          <p:cNvSpPr/>
-          <p:nvPr/>
-        </p:nvSpPr>
-        <p:spPr>
-          <a:xfrm>
-            <a:off x="3769742" y="1337093"/>
-            <a:ext cx="672861" cy="672861"/>
-          </a:xfrm>
-          <a:prstGeom prst="rect">
-            <a:avLst/>
-          </a:prstGeom>
-          <a:solidFill>
-            <a:schemeClr val="accent4">
-              <a:lumMod val="20000"/>
-              <a:lumOff val="80000"/>
-            </a:schemeClr>
-          </a:solidFill>
-        </p:spPr>
-        <p:style>
-          <a:lnRef idx="2">
-            <a:schemeClr val="dk1"/>
-          </a:lnRef>
-          <a:fillRef idx="1">
-            <a:schemeClr val="lt1"/>
-          </a:fillRef>
-          <a:effectRef idx="0">
-            <a:schemeClr val="dk1"/>
-          </a:effectRef>
-          <a:fontRef idx="minor">
-            <a:schemeClr val="dk1"/>
-          </a:fontRef>
-        </p:style>
-        <p:txBody>
-          <a:bodyPr rtlCol="0" anchor="ctr"/>
-          <a:lstStyle/>
-          <a:p>
-            <a:pPr algn="ctr"/>
-            <a:r>
-              <a:rPr lang="en-US" altLang="ko-KR"/>
-              <a:t>4</a:t>
-            </a:r>
-            <a:endParaRPr lang="ko-KR" altLang="en-US"/>
-          </a:p>
-        </p:txBody>
-      </p:sp>
-      <p:sp>
-        <p:nvSpPr>
-          <p:cNvPr id="6" name="직사각형 5">
-            <a:extLst>
-              <a:ext uri="{FF2B5EF4-FFF2-40B4-BE49-F238E27FC236}">
-                <a16:creationId xmlns:a16="http://schemas.microsoft.com/office/drawing/2014/main" id="{D317DE39-EE7B-7EA5-05AB-7393F78CF948}"/>
-              </a:ext>
-            </a:extLst>
-          </p:cNvPr>
-          <p:cNvSpPr/>
-          <p:nvPr/>
-        </p:nvSpPr>
-        <p:spPr>
-          <a:xfrm>
-            <a:off x="4761780" y="1337093"/>
-            <a:ext cx="672861" cy="672861"/>
-          </a:xfrm>
-          <a:prstGeom prst="rect">
-            <a:avLst/>
-          </a:prstGeom>
-          <a:solidFill>
-            <a:schemeClr val="accent4">
-              <a:lumMod val="20000"/>
-              <a:lumOff val="80000"/>
-            </a:schemeClr>
-          </a:solidFill>
-        </p:spPr>
-        <p:style>
-          <a:lnRef idx="2">
-            <a:schemeClr val="dk1"/>
-          </a:lnRef>
-          <a:fillRef idx="1">
-            <a:schemeClr val="lt1"/>
-          </a:fillRef>
-          <a:effectRef idx="0">
-            <a:schemeClr val="dk1"/>
-          </a:effectRef>
-          <a:fontRef idx="minor">
-            <a:schemeClr val="dk1"/>
-          </a:fontRef>
-        </p:style>
-        <p:txBody>
-          <a:bodyPr rtlCol="0" anchor="ctr"/>
-          <a:lstStyle/>
-          <a:p>
-            <a:pPr algn="ctr"/>
-            <a:r>
-              <a:rPr lang="en-US" altLang="ko-KR"/>
-              <a:t>5</a:t>
-            </a:r>
-            <a:endParaRPr lang="ko-KR" altLang="en-US"/>
-          </a:p>
-        </p:txBody>
-      </p:sp>
-      <p:sp>
-        <p:nvSpPr>
-          <p:cNvPr id="7" name="직사각형 6">
-            <a:extLst>
-              <a:ext uri="{FF2B5EF4-FFF2-40B4-BE49-F238E27FC236}">
-                <a16:creationId xmlns:a16="http://schemas.microsoft.com/office/drawing/2014/main" id="{EAA031AB-7A1B-05A5-FAF2-D85F9FDDAA2A}"/>
-              </a:ext>
-            </a:extLst>
-          </p:cNvPr>
-          <p:cNvSpPr/>
-          <p:nvPr/>
-        </p:nvSpPr>
-        <p:spPr>
-          <a:xfrm>
-            <a:off x="940279" y="2380890"/>
-            <a:ext cx="672861" cy="672861"/>
-          </a:xfrm>
-          <a:prstGeom prst="rect">
-            <a:avLst/>
-          </a:prstGeom>
-          <a:solidFill>
-            <a:schemeClr val="accent4">
-              <a:lumMod val="20000"/>
-              <a:lumOff val="80000"/>
-            </a:schemeClr>
-          </a:solidFill>
-        </p:spPr>
-        <p:style>
-          <a:lnRef idx="2">
-            <a:schemeClr val="dk1"/>
-          </a:lnRef>
-          <a:fillRef idx="1">
-            <a:schemeClr val="lt1"/>
-          </a:fillRef>
-          <a:effectRef idx="0">
-            <a:schemeClr val="dk1"/>
-          </a:effectRef>
-          <a:fontRef idx="minor">
-            <a:schemeClr val="dk1"/>
-          </a:fontRef>
-        </p:style>
-        <p:txBody>
-          <a:bodyPr rtlCol="0" anchor="ctr"/>
-          <a:lstStyle/>
-          <a:p>
-            <a:pPr algn="ctr"/>
-            <a:r>
-              <a:rPr lang="en-US" altLang="ko-KR"/>
-              <a:t>6</a:t>
-            </a:r>
-            <a:endParaRPr lang="ko-KR" altLang="en-US"/>
-          </a:p>
-        </p:txBody>
-      </p:sp>
-      <p:sp>
-        <p:nvSpPr>
-          <p:cNvPr id="8" name="직사각형 7">
-            <a:extLst>
-              <a:ext uri="{FF2B5EF4-FFF2-40B4-BE49-F238E27FC236}">
-                <a16:creationId xmlns:a16="http://schemas.microsoft.com/office/drawing/2014/main" id="{0A4B1BE6-76A6-2B8C-0A12-10724DD46743}"/>
-              </a:ext>
-            </a:extLst>
-          </p:cNvPr>
-          <p:cNvSpPr/>
-          <p:nvPr/>
-        </p:nvSpPr>
-        <p:spPr>
-          <a:xfrm>
-            <a:off x="1897811" y="2380890"/>
-            <a:ext cx="672861" cy="672861"/>
-          </a:xfrm>
-          <a:prstGeom prst="rect">
-            <a:avLst/>
-          </a:prstGeom>
-          <a:solidFill>
-            <a:schemeClr val="accent4">
-              <a:lumMod val="20000"/>
-              <a:lumOff val="80000"/>
-            </a:schemeClr>
-          </a:solidFill>
-        </p:spPr>
-        <p:style>
-          <a:lnRef idx="2">
-            <a:schemeClr val="dk1"/>
-          </a:lnRef>
-          <a:fillRef idx="1">
-            <a:schemeClr val="lt1"/>
-          </a:fillRef>
-          <a:effectRef idx="0">
-            <a:schemeClr val="dk1"/>
-          </a:effectRef>
-          <a:fontRef idx="minor">
-            <a:schemeClr val="dk1"/>
-          </a:fontRef>
-        </p:style>
-        <p:txBody>
-          <a:bodyPr rtlCol="0" anchor="ctr"/>
-          <a:lstStyle/>
-          <a:p>
-            <a:pPr algn="ctr"/>
-            <a:r>
-              <a:rPr lang="en-US" altLang="ko-KR"/>
-              <a:t>7</a:t>
-            </a:r>
-            <a:endParaRPr lang="ko-KR" altLang="en-US"/>
-          </a:p>
-        </p:txBody>
-      </p:sp>
-      <p:sp>
-        <p:nvSpPr>
-          <p:cNvPr id="9" name="직사각형 8">
-            <a:extLst>
-              <a:ext uri="{FF2B5EF4-FFF2-40B4-BE49-F238E27FC236}">
-                <a16:creationId xmlns:a16="http://schemas.microsoft.com/office/drawing/2014/main" id="{C9239A70-B344-C5CC-654F-2673F9052D9D}"/>
-              </a:ext>
-            </a:extLst>
-          </p:cNvPr>
-          <p:cNvSpPr/>
-          <p:nvPr/>
-        </p:nvSpPr>
-        <p:spPr>
-          <a:xfrm>
-            <a:off x="2855343" y="2380890"/>
-            <a:ext cx="672861" cy="672861"/>
-          </a:xfrm>
-          <a:prstGeom prst="rect">
-            <a:avLst/>
-          </a:prstGeom>
-          <a:solidFill>
-            <a:schemeClr val="accent4">
-              <a:lumMod val="20000"/>
-              <a:lumOff val="80000"/>
-            </a:schemeClr>
-          </a:solidFill>
-        </p:spPr>
-        <p:style>
-          <a:lnRef idx="2">
-            <a:schemeClr val="dk1"/>
-          </a:lnRef>
-          <a:fillRef idx="1">
-            <a:schemeClr val="lt1"/>
-          </a:fillRef>
-          <a:effectRef idx="0">
-            <a:schemeClr val="dk1"/>
-          </a:effectRef>
-          <a:fontRef idx="minor">
-            <a:schemeClr val="dk1"/>
-          </a:fontRef>
-        </p:style>
-        <p:txBody>
-          <a:bodyPr rtlCol="0" anchor="ctr"/>
-          <a:lstStyle/>
-          <a:p>
-            <a:pPr algn="ctr"/>
-            <a:r>
-              <a:rPr lang="en-US" altLang="ko-KR"/>
-              <a:t>8</a:t>
-            </a:r>
-            <a:endParaRPr lang="ko-KR" altLang="en-US"/>
-          </a:p>
-        </p:txBody>
-      </p:sp>
-      <p:sp>
-        <p:nvSpPr>
-          <p:cNvPr id="10" name="직사각형 9">
-            <a:extLst>
-              <a:ext uri="{FF2B5EF4-FFF2-40B4-BE49-F238E27FC236}">
-                <a16:creationId xmlns:a16="http://schemas.microsoft.com/office/drawing/2014/main" id="{87BE5BA0-4567-ED94-46A2-590A06979FE0}"/>
-              </a:ext>
-            </a:extLst>
-          </p:cNvPr>
-          <p:cNvSpPr/>
-          <p:nvPr/>
-        </p:nvSpPr>
-        <p:spPr>
-          <a:xfrm>
-            <a:off x="3769742" y="2380890"/>
-            <a:ext cx="672861" cy="672861"/>
-          </a:xfrm>
-          <a:prstGeom prst="rect">
-            <a:avLst/>
-          </a:prstGeom>
-          <a:solidFill>
-            <a:schemeClr val="accent4">
-              <a:lumMod val="20000"/>
-              <a:lumOff val="80000"/>
-            </a:schemeClr>
-          </a:solidFill>
-        </p:spPr>
-        <p:style>
-          <a:lnRef idx="2">
-            <a:schemeClr val="dk1"/>
-          </a:lnRef>
-          <a:fillRef idx="1">
-            <a:schemeClr val="lt1"/>
-          </a:fillRef>
-          <a:effectRef idx="0">
-            <a:schemeClr val="dk1"/>
-          </a:effectRef>
-          <a:fontRef idx="minor">
-            <a:schemeClr val="dk1"/>
-          </a:fontRef>
-        </p:style>
-        <p:txBody>
-          <a:bodyPr rtlCol="0" anchor="ctr"/>
-          <a:lstStyle/>
-          <a:p>
-            <a:pPr algn="ctr"/>
-            <a:r>
-              <a:rPr lang="en-US" altLang="ko-KR"/>
-              <a:t>9</a:t>
-            </a:r>
-            <a:endParaRPr lang="ko-KR" altLang="en-US"/>
-          </a:p>
-        </p:txBody>
-      </p:sp>
-      <p:sp>
-        <p:nvSpPr>
-          <p:cNvPr id="11" name="직사각형 10">
-            <a:extLst>
-              <a:ext uri="{FF2B5EF4-FFF2-40B4-BE49-F238E27FC236}">
-                <a16:creationId xmlns:a16="http://schemas.microsoft.com/office/drawing/2014/main" id="{CC7F968D-AD13-04AE-F688-F94DB3977CA6}"/>
-              </a:ext>
-            </a:extLst>
-          </p:cNvPr>
-          <p:cNvSpPr/>
-          <p:nvPr/>
-        </p:nvSpPr>
-        <p:spPr>
-          <a:xfrm>
-            <a:off x="4761780" y="2380890"/>
-            <a:ext cx="672861" cy="672861"/>
-          </a:xfrm>
-          <a:prstGeom prst="rect">
-            <a:avLst/>
-          </a:prstGeom>
-          <a:solidFill>
-            <a:schemeClr val="accent4">
-              <a:lumMod val="20000"/>
-              <a:lumOff val="80000"/>
-            </a:schemeClr>
-          </a:solidFill>
-        </p:spPr>
-        <p:style>
-          <a:lnRef idx="2">
-            <a:schemeClr val="dk1"/>
-          </a:lnRef>
-          <a:fillRef idx="1">
-            <a:schemeClr val="lt1"/>
-          </a:fillRef>
-          <a:effectRef idx="0">
-            <a:schemeClr val="dk1"/>
-          </a:effectRef>
-          <a:fontRef idx="minor">
-            <a:schemeClr val="dk1"/>
-          </a:fontRef>
-        </p:style>
-        <p:txBody>
-          <a:bodyPr rtlCol="0" anchor="ctr"/>
-          <a:lstStyle/>
-          <a:p>
-            <a:pPr algn="ctr"/>
-            <a:r>
-              <a:rPr lang="en-US" altLang="ko-KR"/>
-              <a:t>10</a:t>
-            </a:r>
-            <a:endParaRPr lang="ko-KR" altLang="en-US"/>
-          </a:p>
-        </p:txBody>
-      </p:sp>
-      <p:sp>
-        <p:nvSpPr>
-          <p:cNvPr id="12" name="직사각형 11">
-            <a:extLst>
-              <a:ext uri="{FF2B5EF4-FFF2-40B4-BE49-F238E27FC236}">
-                <a16:creationId xmlns:a16="http://schemas.microsoft.com/office/drawing/2014/main" id="{1E8CFBAA-F604-F8DB-C114-5BB2F3C5ED53}"/>
-              </a:ext>
-            </a:extLst>
-          </p:cNvPr>
-          <p:cNvSpPr/>
-          <p:nvPr/>
-        </p:nvSpPr>
-        <p:spPr>
-          <a:xfrm>
-            <a:off x="940279" y="3364301"/>
-            <a:ext cx="672861" cy="672861"/>
-          </a:xfrm>
-          <a:prstGeom prst="rect">
-            <a:avLst/>
-          </a:prstGeom>
-          <a:solidFill>
-            <a:schemeClr val="accent4">
-              <a:lumMod val="20000"/>
-              <a:lumOff val="80000"/>
-            </a:schemeClr>
-          </a:solidFill>
-        </p:spPr>
-        <p:style>
-          <a:lnRef idx="2">
-            <a:schemeClr val="dk1"/>
-          </a:lnRef>
-          <a:fillRef idx="1">
-            <a:schemeClr val="lt1"/>
-          </a:fillRef>
-          <a:effectRef idx="0">
-            <a:schemeClr val="dk1"/>
-          </a:effectRef>
-          <a:fontRef idx="minor">
-            <a:schemeClr val="dk1"/>
-          </a:fontRef>
-        </p:style>
-        <p:txBody>
-          <a:bodyPr rtlCol="0" anchor="ctr"/>
-          <a:lstStyle/>
-          <a:p>
-            <a:pPr algn="ctr"/>
-            <a:r>
-              <a:rPr lang="en-US" altLang="ko-KR"/>
-              <a:t>11</a:t>
-            </a:r>
-            <a:endParaRPr lang="ko-KR" altLang="en-US"/>
-          </a:p>
-        </p:txBody>
-      </p:sp>
-      <p:sp>
-        <p:nvSpPr>
-          <p:cNvPr id="13" name="직사각형 12">
-            <a:extLst>
-              <a:ext uri="{FF2B5EF4-FFF2-40B4-BE49-F238E27FC236}">
-                <a16:creationId xmlns:a16="http://schemas.microsoft.com/office/drawing/2014/main" id="{604DC678-C500-DB66-F7CB-1A595A4394A5}"/>
-              </a:ext>
-            </a:extLst>
-          </p:cNvPr>
-          <p:cNvSpPr/>
-          <p:nvPr/>
-        </p:nvSpPr>
-        <p:spPr>
-          <a:xfrm>
-            <a:off x="1897811" y="3364301"/>
-            <a:ext cx="672861" cy="672861"/>
-          </a:xfrm>
-          <a:prstGeom prst="rect">
-            <a:avLst/>
-          </a:prstGeom>
-          <a:solidFill>
-            <a:schemeClr val="accent4">
-              <a:lumMod val="20000"/>
-              <a:lumOff val="80000"/>
-            </a:schemeClr>
-          </a:solidFill>
-        </p:spPr>
-        <p:style>
-          <a:lnRef idx="2">
-            <a:schemeClr val="dk1"/>
-          </a:lnRef>
-          <a:fillRef idx="1">
-            <a:schemeClr val="lt1"/>
-          </a:fillRef>
-          <a:effectRef idx="0">
-            <a:schemeClr val="dk1"/>
-          </a:effectRef>
-          <a:fontRef idx="minor">
-            <a:schemeClr val="dk1"/>
-          </a:fontRef>
-        </p:style>
-        <p:txBody>
-          <a:bodyPr rtlCol="0" anchor="ctr"/>
-          <a:lstStyle/>
-          <a:p>
-            <a:pPr algn="ctr"/>
-            <a:r>
-              <a:rPr lang="en-US" altLang="ko-KR"/>
-              <a:t>12</a:t>
-            </a:r>
-            <a:endParaRPr lang="ko-KR" altLang="en-US"/>
-          </a:p>
-        </p:txBody>
-      </p:sp>
-      <p:sp>
-        <p:nvSpPr>
-          <p:cNvPr id="17" name="TextBox 16">
-            <a:extLst>
-              <a:ext uri="{FF2B5EF4-FFF2-40B4-BE49-F238E27FC236}">
-                <a16:creationId xmlns:a16="http://schemas.microsoft.com/office/drawing/2014/main" id="{929B9A4A-B527-4578-BA16-317AF956DCAF}"/>
-              </a:ext>
-            </a:extLst>
-          </p:cNvPr>
-          <p:cNvSpPr txBox="1"/>
-          <p:nvPr/>
-        </p:nvSpPr>
-        <p:spPr>
-          <a:xfrm>
-            <a:off x="6096000" y="1199072"/>
-            <a:ext cx="1999265" cy="369332"/>
-          </a:xfrm>
-          <a:prstGeom prst="rect">
-            <a:avLst/>
-          </a:prstGeom>
-          <a:noFill/>
-        </p:spPr>
-        <p:txBody>
-          <a:bodyPr wrap="none" rtlCol="0">
-            <a:spAutoFit/>
-          </a:bodyPr>
+          <p:cNvPr id="2" name="제목 1">
+            <a:extLst>
+              <a:ext uri="{FF2B5EF4-FFF2-40B4-BE49-F238E27FC236}">
+                <a16:creationId xmlns:a16="http://schemas.microsoft.com/office/drawing/2014/main" id="{261A23CC-3D3C-5E92-8B43-1F3C6DF33DFF}"/>
+              </a:ext>
+            </a:extLst>
+          </p:cNvPr>
+          <p:cNvSpPr>
+            <a:spLocks noGrp="1"/>
+          </p:cNvSpPr>
+          <p:nvPr>
+            <p:ph type="title"/>
+          </p:nvPr>
+        </p:nvSpPr>
+        <p:spPr/>
+        <p:txBody>
+          <a:bodyPr/>
           <a:lstStyle/>
           <a:p>
             <a:r>
               <a:rPr lang="ko-KR" altLang="en-US"/>
-              <a:t>전체 페이지 </a:t>
-            </a:r>
-            <a:r>
-              <a:rPr lang="en-US" altLang="ko-KR"/>
-              <a:t>= 13</a:t>
-            </a:r>
-            <a:endParaRPr lang="ko-KR" altLang="en-US"/>
-          </a:p>
-        </p:txBody>
-      </p:sp>
-      <p:sp>
-        <p:nvSpPr>
-          <p:cNvPr id="18" name="직사각형 17">
-            <a:extLst>
-              <a:ext uri="{FF2B5EF4-FFF2-40B4-BE49-F238E27FC236}">
-                <a16:creationId xmlns:a16="http://schemas.microsoft.com/office/drawing/2014/main" id="{77C4DAE4-6341-573A-81F7-B01D4BA0F1CE}"/>
-              </a:ext>
-            </a:extLst>
-          </p:cNvPr>
-          <p:cNvSpPr/>
-          <p:nvPr/>
-        </p:nvSpPr>
-        <p:spPr>
-          <a:xfrm>
-            <a:off x="2855343" y="3364301"/>
-            <a:ext cx="672861" cy="672861"/>
-          </a:xfrm>
-          <a:prstGeom prst="rect">
-            <a:avLst/>
-          </a:prstGeom>
-          <a:solidFill>
-            <a:schemeClr val="accent4">
-              <a:lumMod val="20000"/>
-              <a:lumOff val="80000"/>
-            </a:schemeClr>
-          </a:solidFill>
-        </p:spPr>
-        <p:style>
-          <a:lnRef idx="2">
-            <a:schemeClr val="dk1"/>
-          </a:lnRef>
-          <a:fillRef idx="1">
-            <a:schemeClr val="lt1"/>
-          </a:fillRef>
-          <a:effectRef idx="0">
-            <a:schemeClr val="dk1"/>
-          </a:effectRef>
-          <a:fontRef idx="minor">
-            <a:schemeClr val="dk1"/>
-          </a:fontRef>
-        </p:style>
-        <p:txBody>
-          <a:bodyPr rtlCol="0" anchor="ctr"/>
-          <a:lstStyle/>
-          <a:p>
-            <a:pPr algn="ctr"/>
-            <a:r>
-              <a:rPr lang="en-US" altLang="ko-KR"/>
-              <a:t>13</a:t>
-            </a:r>
-            <a:endParaRPr lang="ko-KR" altLang="en-US"/>
-          </a:p>
-        </p:txBody>
-      </p:sp>
-      <p:sp>
-        <p:nvSpPr>
-          <p:cNvPr id="19" name="TextBox 18">
-            <a:extLst>
-              <a:ext uri="{FF2B5EF4-FFF2-40B4-BE49-F238E27FC236}">
-                <a16:creationId xmlns:a16="http://schemas.microsoft.com/office/drawing/2014/main" id="{8698887F-A2F1-DEF5-6641-AFC3B948CC2F}"/>
-              </a:ext>
-            </a:extLst>
-          </p:cNvPr>
-          <p:cNvSpPr txBox="1"/>
-          <p:nvPr/>
-        </p:nvSpPr>
-        <p:spPr>
-          <a:xfrm>
-            <a:off x="6096000" y="1825288"/>
-            <a:ext cx="2416046" cy="369332"/>
-          </a:xfrm>
-          <a:prstGeom prst="rect">
-            <a:avLst/>
-          </a:prstGeom>
-          <a:noFill/>
-        </p:spPr>
-        <p:txBody>
-          <a:bodyPr wrap="none" rtlCol="0">
-            <a:spAutoFit/>
-          </a:bodyPr>
-          <a:lstStyle/>
-          <a:p>
-            <a:r>
-              <a:rPr lang="ko-KR" altLang="en-US"/>
-              <a:t>현재 페이지 번호 </a:t>
-            </a:r>
-            <a:r>
-              <a:rPr lang="en-US" altLang="ko-KR"/>
-              <a:t>= 8</a:t>
-            </a:r>
-            <a:endParaRPr lang="ko-KR" altLang="en-US"/>
-          </a:p>
-        </p:txBody>
-      </p:sp>
-      <p:sp>
-        <p:nvSpPr>
-          <p:cNvPr id="20" name="TextBox 19">
-            <a:extLst>
-              <a:ext uri="{FF2B5EF4-FFF2-40B4-BE49-F238E27FC236}">
-                <a16:creationId xmlns:a16="http://schemas.microsoft.com/office/drawing/2014/main" id="{DF2969C4-8B03-7859-EBA0-32CA0EE0138B}"/>
-              </a:ext>
-            </a:extLst>
-          </p:cNvPr>
-          <p:cNvSpPr txBox="1"/>
-          <p:nvPr/>
-        </p:nvSpPr>
-        <p:spPr>
-          <a:xfrm>
-            <a:off x="6096000" y="2451504"/>
-            <a:ext cx="3421129" cy="369332"/>
-          </a:xfrm>
-          <a:prstGeom prst="rect">
-            <a:avLst/>
-          </a:prstGeom>
-          <a:noFill/>
-        </p:spPr>
-        <p:txBody>
-          <a:bodyPr wrap="none" rtlCol="0">
-            <a:spAutoFit/>
-          </a:bodyPr>
-          <a:lstStyle/>
-          <a:p>
-            <a:r>
-              <a:rPr lang="ko-KR" altLang="en-US"/>
-              <a:t>화면에 보여줄 페이지 개수 </a:t>
-            </a:r>
-            <a:r>
-              <a:rPr lang="en-US" altLang="ko-KR"/>
-              <a:t>= 5</a:t>
-            </a:r>
-          </a:p>
-        </p:txBody>
-      </p:sp>
-      <p:sp>
-        <p:nvSpPr>
-          <p:cNvPr id="14" name="TextBox 13">
-            <a:extLst>
-              <a:ext uri="{FF2B5EF4-FFF2-40B4-BE49-F238E27FC236}">
-                <a16:creationId xmlns:a16="http://schemas.microsoft.com/office/drawing/2014/main" id="{EC386A63-927A-337A-B7AF-75E56FE19F05}"/>
-              </a:ext>
-            </a:extLst>
-          </p:cNvPr>
-          <p:cNvSpPr txBox="1"/>
-          <p:nvPr/>
-        </p:nvSpPr>
-        <p:spPr>
-          <a:xfrm>
-            <a:off x="6096000" y="3077720"/>
-            <a:ext cx="4331635" cy="369332"/>
-          </a:xfrm>
-          <a:prstGeom prst="rect">
-            <a:avLst/>
-          </a:prstGeom>
-          <a:noFill/>
-        </p:spPr>
-        <p:txBody>
-          <a:bodyPr wrap="none" rtlCol="0">
-            <a:spAutoFit/>
-          </a:bodyPr>
-          <a:lstStyle/>
-          <a:p>
-            <a:r>
-              <a:rPr lang="ko-KR" altLang="en-US">
+              <a:t>페이지네이션 기능 구현에 필요한 것</a:t>
+            </a:r>
+          </a:p>
+        </p:txBody>
+      </p:sp>
+      <p:sp>
+        <p:nvSpPr>
+          <p:cNvPr id="3" name="내용 개체 틀 2">
+            <a:extLst>
+              <a:ext uri="{FF2B5EF4-FFF2-40B4-BE49-F238E27FC236}">
+                <a16:creationId xmlns:a16="http://schemas.microsoft.com/office/drawing/2014/main" id="{E81C0A84-57E5-BFDF-EDC8-20F366DB76A1}"/>
+              </a:ext>
+            </a:extLst>
+          </p:cNvPr>
+          <p:cNvSpPr>
+            <a:spLocks noGrp="1"/>
+          </p:cNvSpPr>
+          <p:nvPr>
+            <p:ph idx="1"/>
+          </p:nvPr>
+        </p:nvSpPr>
+        <p:spPr/>
+        <p:txBody>
+          <a:bodyPr/>
+          <a:lstStyle/>
+          <a:p>
+            <a:pPr algn="l" latinLnBrk="1">
+              <a:buFont typeface="Arial" panose="020B0604020202020204" pitchFamily="34" charset="0"/>
+              <a:buChar char="•"/>
+            </a:pPr>
+            <a:r>
+              <a:rPr lang="ko-KR" altLang="en-US" b="0" i="0">
                 <a:solidFill>
-                  <a:srgbClr val="FF0000"/>
+                  <a:srgbClr val="333333"/>
                 </a:solidFill>
+                <a:effectLst/>
+                <a:latin typeface="Avenir"/>
               </a:rPr>
-              <a:t>현재 페이지 그룹 </a:t>
-            </a:r>
-            <a:r>
-              <a:rPr lang="en-US" altLang="ko-KR">
+              <a:t>한 페이지에 보여주고자 하는 페이지 버튼의 개수</a:t>
+            </a:r>
+          </a:p>
+          <a:p>
+            <a:pPr algn="l" latinLnBrk="1">
+              <a:buFont typeface="Arial" panose="020B0604020202020204" pitchFamily="34" charset="0"/>
+              <a:buChar char="•"/>
+            </a:pPr>
+            <a:r>
+              <a:rPr lang="ko-KR" altLang="en-US" b="0" i="0">
                 <a:solidFill>
-                  <a:srgbClr val="FF0000"/>
+                  <a:srgbClr val="333333"/>
                 </a:solidFill>
+                <a:effectLst/>
+                <a:latin typeface="Avenir"/>
               </a:rPr>
-              <a:t>= Math.ceil(8 / 5) = 2</a:t>
-            </a:r>
-          </a:p>
-        </p:txBody>
-      </p:sp>
-      <p:sp>
-        <p:nvSpPr>
-          <p:cNvPr id="15" name="직사각형 14">
-            <a:extLst>
-              <a:ext uri="{FF2B5EF4-FFF2-40B4-BE49-F238E27FC236}">
-                <a16:creationId xmlns:a16="http://schemas.microsoft.com/office/drawing/2014/main" id="{61318E16-41B3-5806-1CCA-BBC727EFD6C8}"/>
-              </a:ext>
-            </a:extLst>
-          </p:cNvPr>
-          <p:cNvSpPr/>
-          <p:nvPr/>
-        </p:nvSpPr>
-        <p:spPr>
-          <a:xfrm>
-            <a:off x="681487" y="2194620"/>
-            <a:ext cx="4917056" cy="1074791"/>
-          </a:xfrm>
-          <a:prstGeom prst="rect">
-            <a:avLst/>
-          </a:prstGeom>
-          <a:noFill/>
-          <a:ln w="38100">
-            <a:solidFill>
-              <a:srgbClr val="FF0000"/>
-            </a:solidFill>
-          </a:ln>
-        </p:spPr>
-        <p:style>
-          <a:lnRef idx="2">
-            <a:schemeClr val="dk1"/>
-          </a:lnRef>
-          <a:fillRef idx="1">
-            <a:schemeClr val="lt1"/>
-          </a:fillRef>
-          <a:effectRef idx="0">
-            <a:schemeClr val="dk1"/>
-          </a:effectRef>
-          <a:fontRef idx="minor">
-            <a:schemeClr val="dk1"/>
-          </a:fontRef>
-        </p:style>
-        <p:txBody>
-          <a:bodyPr rtlCol="0" anchor="ctr"/>
-          <a:lstStyle/>
-          <a:p>
-            <a:pPr algn="ctr"/>
+              <a:t>한 페이지에 보여주고자 하는 컨텐츠의 개수</a:t>
+            </a:r>
+          </a:p>
+          <a:p>
+            <a:pPr algn="l" latinLnBrk="1">
+              <a:buFont typeface="Arial" panose="020B0604020202020204" pitchFamily="34" charset="0"/>
+              <a:buChar char="•"/>
+            </a:pPr>
+            <a:r>
+              <a:rPr lang="ko-KR" altLang="en-US" b="0" i="0">
+                <a:solidFill>
+                  <a:srgbClr val="333333"/>
+                </a:solidFill>
+                <a:effectLst/>
+                <a:latin typeface="Avenir"/>
+              </a:rPr>
+              <a:t>이전</a:t>
+            </a:r>
+            <a:r>
+              <a:rPr lang="en-US" altLang="ko-KR" b="0" i="0">
+                <a:solidFill>
+                  <a:srgbClr val="333333"/>
+                </a:solidFill>
+                <a:effectLst/>
+                <a:latin typeface="Avenir"/>
+              </a:rPr>
+              <a:t>, </a:t>
+            </a:r>
+            <a:r>
+              <a:rPr lang="ko-KR" altLang="en-US" b="0" i="0">
+                <a:solidFill>
+                  <a:srgbClr val="333333"/>
+                </a:solidFill>
+                <a:effectLst/>
+                <a:latin typeface="Avenir"/>
+              </a:rPr>
+              <a:t>다음 버튼</a:t>
+            </a:r>
+          </a:p>
+          <a:p>
+            <a:pPr marL="0" indent="0" algn="l">
+              <a:buNone/>
+            </a:pPr>
             <a:endParaRPr lang="ko-KR" altLang="en-US"/>
           </a:p>
         </p:txBody>
@@ -5655,7 +4754,7 @@
     </p:spTree>
     <p:extLst>
       <p:ext uri="{BB962C8B-B14F-4D97-AF65-F5344CB8AC3E}">
-        <p14:creationId xmlns:p14="http://schemas.microsoft.com/office/powerpoint/2010/main" val="3845725522"/>
+        <p14:creationId xmlns:p14="http://schemas.microsoft.com/office/powerpoint/2010/main" val="4230238099"/>
       </p:ext>
     </p:extLst>
   </p:cSld>
@@ -5682,12 +4781,42 @@
           <a:chExt cx="0" cy="0"/>
         </a:xfrm>
       </p:grpSpPr>
-      <p:sp>
-        <p:nvSpPr>
-          <p:cNvPr id="2" name="직사각형 1">
-            <a:extLst>
-              <a:ext uri="{FF2B5EF4-FFF2-40B4-BE49-F238E27FC236}">
-                <a16:creationId xmlns:a16="http://schemas.microsoft.com/office/drawing/2014/main" id="{A44A6524-D038-AD55-B13D-A25E12EEE889}"/>
+      <p:pic>
+        <p:nvPicPr>
+          <p:cNvPr id="5" name="그림 4">
+            <a:extLst>
+              <a:ext uri="{FF2B5EF4-FFF2-40B4-BE49-F238E27FC236}">
+                <a16:creationId xmlns:a16="http://schemas.microsoft.com/office/drawing/2014/main" id="{7CC05081-4009-5B90-C806-5281AF31E4AC}"/>
+              </a:ext>
+            </a:extLst>
+          </p:cNvPr>
+          <p:cNvPicPr>
+            <a:picLocks noChangeAspect="1"/>
+          </p:cNvPicPr>
+          <p:nvPr/>
+        </p:nvPicPr>
+        <p:blipFill>
+          <a:blip r:embed="rId2"/>
+          <a:stretch>
+            <a:fillRect/>
+          </a:stretch>
+        </p:blipFill>
+        <p:spPr>
+          <a:xfrm>
+            <a:off x="1381546" y="698739"/>
+            <a:ext cx="8656114" cy="5313872"/>
+          </a:xfrm>
+          <a:prstGeom prst="rect">
+            <a:avLst/>
+          </a:prstGeom>
+        </p:spPr>
+      </p:pic>
+      <p:sp>
+        <p:nvSpPr>
+          <p:cNvPr id="6" name="직사각형 5">
+            <a:extLst>
+              <a:ext uri="{FF2B5EF4-FFF2-40B4-BE49-F238E27FC236}">
+                <a16:creationId xmlns:a16="http://schemas.microsoft.com/office/drawing/2014/main" id="{C9C95B0B-3479-7B12-CFC8-C4EB4E4DB9DB}"/>
               </a:ext>
             </a:extLst>
           </p:cNvPr>
@@ -5696,18 +4825,18 @@
         </p:nvSpPr>
         <p:spPr>
           <a:xfrm>
-            <a:off x="940279" y="1337093"/>
-            <a:ext cx="672861" cy="672861"/>
-          </a:xfrm>
-          <a:prstGeom prst="rect">
-            <a:avLst/>
-          </a:prstGeom>
-          <a:solidFill>
-            <a:schemeClr val="accent4">
-              <a:lumMod val="20000"/>
-              <a:lumOff val="80000"/>
-            </a:schemeClr>
-          </a:solidFill>
+            <a:off x="1923691" y="5520906"/>
+            <a:ext cx="1207698" cy="491705"/>
+          </a:xfrm>
+          <a:prstGeom prst="rect">
+            <a:avLst/>
+          </a:prstGeom>
+          <a:noFill/>
+          <a:ln w="38100">
+            <a:solidFill>
+              <a:srgbClr val="FF0000"/>
+            </a:solidFill>
+          </a:ln>
         </p:spPr>
         <p:style>
           <a:lnRef idx="2">
@@ -5728,20 +4857,95 @@
           <a:lstStyle/>
           <a:p>
             <a:pPr algn="ctr"/>
-            <a:r>
-              <a:rPr lang="en-US" altLang="ko-KR"/>
-              <a:t>1</a:t>
-            </a:r>
-            <a:endParaRPr lang="ko-KR" altLang="en-US"/>
-          </a:p>
-        </p:txBody>
-      </p:sp>
-      <p:sp>
-        <p:nvSpPr>
-          <p:cNvPr id="3" name="직사각형 2">
-            <a:extLst>
-              <a:ext uri="{FF2B5EF4-FFF2-40B4-BE49-F238E27FC236}">
-                <a16:creationId xmlns:a16="http://schemas.microsoft.com/office/drawing/2014/main" id="{28F246FD-994B-2D12-97FD-65C12E90B3EA}"/>
+            <a:endParaRPr lang="ko-KR" altLang="en-US"/>
+          </a:p>
+        </p:txBody>
+      </p:sp>
+      <p:cxnSp>
+        <p:nvCxnSpPr>
+          <p:cNvPr id="8" name="연결선: 꺾임 7">
+            <a:extLst>
+              <a:ext uri="{FF2B5EF4-FFF2-40B4-BE49-F238E27FC236}">
+                <a16:creationId xmlns:a16="http://schemas.microsoft.com/office/drawing/2014/main" id="{15E534DA-B787-3B44-72AF-551ACFDE15E8}"/>
+              </a:ext>
+            </a:extLst>
+          </p:cNvPr>
+          <p:cNvCxnSpPr>
+            <a:stCxn id="6" idx="2"/>
+          </p:cNvCxnSpPr>
+          <p:nvPr/>
+        </p:nvCxnSpPr>
+        <p:spPr>
+          <a:xfrm rot="16200000" flipH="1">
+            <a:off x="2626744" y="5913407"/>
+            <a:ext cx="396815" cy="595222"/>
+          </a:xfrm>
+          <a:prstGeom prst="bentConnector2">
+            <a:avLst/>
+          </a:prstGeom>
+          <a:ln w="38100">
+            <a:solidFill>
+              <a:srgbClr val="FF0000"/>
+            </a:solidFill>
+            <a:tailEnd type="triangle"/>
+          </a:ln>
+        </p:spPr>
+        <p:style>
+          <a:lnRef idx="1">
+            <a:schemeClr val="accent1"/>
+          </a:lnRef>
+          <a:fillRef idx="0">
+            <a:schemeClr val="accent1"/>
+          </a:fillRef>
+          <a:effectRef idx="0">
+            <a:schemeClr val="accent1"/>
+          </a:effectRef>
+          <a:fontRef idx="minor">
+            <a:schemeClr val="tx1"/>
+          </a:fontRef>
+        </p:style>
+      </p:cxnSp>
+      <p:sp>
+        <p:nvSpPr>
+          <p:cNvPr id="9" name="TextBox 8">
+            <a:extLst>
+              <a:ext uri="{FF2B5EF4-FFF2-40B4-BE49-F238E27FC236}">
+                <a16:creationId xmlns:a16="http://schemas.microsoft.com/office/drawing/2014/main" id="{31CCEAED-8B47-AFA5-4EF7-E18FD0E85CA7}"/>
+              </a:ext>
+            </a:extLst>
+          </p:cNvPr>
+          <p:cNvSpPr txBox="1"/>
+          <p:nvPr/>
+        </p:nvSpPr>
+        <p:spPr>
+          <a:xfrm>
+            <a:off x="3131389" y="6224760"/>
+            <a:ext cx="5061001" cy="369332"/>
+          </a:xfrm>
+          <a:prstGeom prst="rect">
+            <a:avLst/>
+          </a:prstGeom>
+          <a:noFill/>
+        </p:spPr>
+        <p:txBody>
+          <a:bodyPr wrap="none" rtlCol="0">
+            <a:spAutoFit/>
+          </a:bodyPr>
+          <a:lstStyle/>
+          <a:p>
+            <a:r>
+              <a:rPr lang="ko-KR" altLang="en-US"/>
+              <a:t>한 페이지에 보여주고자 하는 페이지 버튼 개수</a:t>
+            </a:r>
+          </a:p>
+        </p:txBody>
+      </p:sp>
+      <p:sp>
+        <p:nvSpPr>
+          <p:cNvPr id="10" name="직사각형 9">
+            <a:extLst>
+              <a:ext uri="{FF2B5EF4-FFF2-40B4-BE49-F238E27FC236}">
+                <a16:creationId xmlns:a16="http://schemas.microsoft.com/office/drawing/2014/main" id="{AE531B50-A4ED-417D-3991-9FA62F3710EB}"/>
               </a:ext>
             </a:extLst>
           </p:cNvPr>
@@ -5750,18 +4954,18 @@
         </p:nvSpPr>
         <p:spPr>
           <a:xfrm>
-            <a:off x="1897811" y="1337093"/>
-            <a:ext cx="672861" cy="672861"/>
-          </a:xfrm>
-          <a:prstGeom prst="rect">
-            <a:avLst/>
-          </a:prstGeom>
-          <a:solidFill>
-            <a:schemeClr val="accent4">
-              <a:lumMod val="20000"/>
-              <a:lumOff val="80000"/>
-            </a:schemeClr>
-          </a:solidFill>
+            <a:off x="1656271" y="5520906"/>
+            <a:ext cx="267419" cy="491705"/>
+          </a:xfrm>
+          <a:prstGeom prst="rect">
+            <a:avLst/>
+          </a:prstGeom>
+          <a:noFill/>
+          <a:ln w="38100">
+            <a:solidFill>
+              <a:schemeClr val="accent1"/>
+            </a:solidFill>
+          </a:ln>
         </p:spPr>
         <p:style>
           <a:lnRef idx="2">
@@ -5782,20 +4986,16 @@
           <a:lstStyle/>
           <a:p>
             <a:pPr algn="ctr"/>
-            <a:r>
-              <a:rPr lang="en-US" altLang="ko-KR"/>
-              <a:t>2</a:t>
-            </a:r>
-            <a:endParaRPr lang="ko-KR" altLang="en-US"/>
-          </a:p>
-        </p:txBody>
-      </p:sp>
-      <p:sp>
-        <p:nvSpPr>
-          <p:cNvPr id="4" name="직사각형 3">
-            <a:extLst>
-              <a:ext uri="{FF2B5EF4-FFF2-40B4-BE49-F238E27FC236}">
-                <a16:creationId xmlns:a16="http://schemas.microsoft.com/office/drawing/2014/main" id="{AD169C6C-CD84-A568-28FE-B8E5020ABFD5}"/>
+            <a:endParaRPr lang="ko-KR" altLang="en-US"/>
+          </a:p>
+        </p:txBody>
+      </p:sp>
+      <p:sp>
+        <p:nvSpPr>
+          <p:cNvPr id="11" name="직사각형 10">
+            <a:extLst>
+              <a:ext uri="{FF2B5EF4-FFF2-40B4-BE49-F238E27FC236}">
+                <a16:creationId xmlns:a16="http://schemas.microsoft.com/office/drawing/2014/main" id="{5252D4D7-66D8-9ABD-F234-16307EDA7AF5}"/>
               </a:ext>
             </a:extLst>
           </p:cNvPr>
@@ -5804,18 +5004,18 @@
         </p:nvSpPr>
         <p:spPr>
           <a:xfrm>
-            <a:off x="2855343" y="1337093"/>
-            <a:ext cx="672861" cy="672861"/>
-          </a:xfrm>
-          <a:prstGeom prst="rect">
-            <a:avLst/>
-          </a:prstGeom>
-          <a:solidFill>
-            <a:schemeClr val="accent4">
-              <a:lumMod val="20000"/>
-              <a:lumOff val="80000"/>
-            </a:schemeClr>
-          </a:solidFill>
+            <a:off x="3131389" y="5520906"/>
+            <a:ext cx="267419" cy="491705"/>
+          </a:xfrm>
+          <a:prstGeom prst="rect">
+            <a:avLst/>
+          </a:prstGeom>
+          <a:noFill/>
+          <a:ln w="38100">
+            <a:solidFill>
+              <a:schemeClr val="accent1"/>
+            </a:solidFill>
+          </a:ln>
         </p:spPr>
         <p:style>
           <a:lnRef idx="2">
@@ -5836,20 +5036,180 @@
           <a:lstStyle/>
           <a:p>
             <a:pPr algn="ctr"/>
-            <a:r>
-              <a:rPr lang="en-US" altLang="ko-KR"/>
-              <a:t>3</a:t>
-            </a:r>
-            <a:endParaRPr lang="ko-KR" altLang="en-US"/>
-          </a:p>
-        </p:txBody>
-      </p:sp>
-      <p:sp>
-        <p:nvSpPr>
-          <p:cNvPr id="5" name="직사각형 4">
-            <a:extLst>
-              <a:ext uri="{FF2B5EF4-FFF2-40B4-BE49-F238E27FC236}">
-                <a16:creationId xmlns:a16="http://schemas.microsoft.com/office/drawing/2014/main" id="{3F8DED9C-E436-8949-0946-DBF57C38B1F3}"/>
+            <a:endParaRPr lang="ko-KR" altLang="en-US"/>
+          </a:p>
+        </p:txBody>
+      </p:sp>
+      <p:cxnSp>
+        <p:nvCxnSpPr>
+          <p:cNvPr id="12" name="연결선: 꺾임 11">
+            <a:extLst>
+              <a:ext uri="{FF2B5EF4-FFF2-40B4-BE49-F238E27FC236}">
+                <a16:creationId xmlns:a16="http://schemas.microsoft.com/office/drawing/2014/main" id="{B5362D3A-F1B0-CB49-AFF7-13C18AFE7EA7}"/>
+              </a:ext>
+            </a:extLst>
+          </p:cNvPr>
+          <p:cNvCxnSpPr>
+            <a:cxnSpLocks/>
+            <a:endCxn id="15" idx="3"/>
+          </p:cNvCxnSpPr>
+          <p:nvPr/>
+        </p:nvCxnSpPr>
+        <p:spPr>
+          <a:xfrm rot="10800000" flipV="1">
+            <a:off x="1236082" y="6012606"/>
+            <a:ext cx="553901" cy="383077"/>
+          </a:xfrm>
+          <a:prstGeom prst="bentConnector3">
+            <a:avLst>
+              <a:gd name="adj1" fmla="val -6066"/>
+            </a:avLst>
+          </a:prstGeom>
+          <a:ln w="38100">
+            <a:solidFill>
+              <a:schemeClr val="accent1"/>
+            </a:solidFill>
+            <a:tailEnd type="triangle"/>
+          </a:ln>
+        </p:spPr>
+        <p:style>
+          <a:lnRef idx="1">
+            <a:schemeClr val="accent1"/>
+          </a:lnRef>
+          <a:fillRef idx="0">
+            <a:schemeClr val="accent1"/>
+          </a:fillRef>
+          <a:effectRef idx="0">
+            <a:schemeClr val="accent1"/>
+          </a:effectRef>
+          <a:fontRef idx="minor">
+            <a:schemeClr val="tx1"/>
+          </a:fontRef>
+        </p:style>
+      </p:cxnSp>
+      <p:sp>
+        <p:nvSpPr>
+          <p:cNvPr id="15" name="TextBox 14">
+            <a:extLst>
+              <a:ext uri="{FF2B5EF4-FFF2-40B4-BE49-F238E27FC236}">
+                <a16:creationId xmlns:a16="http://schemas.microsoft.com/office/drawing/2014/main" id="{30EC065E-0A45-A6DF-8A16-86BC83C350E3}"/>
+              </a:ext>
+            </a:extLst>
+          </p:cNvPr>
+          <p:cNvSpPr txBox="1"/>
+          <p:nvPr/>
+        </p:nvSpPr>
+        <p:spPr>
+          <a:xfrm>
+            <a:off x="46332" y="6211018"/>
+            <a:ext cx="1189749" cy="369332"/>
+          </a:xfrm>
+          <a:prstGeom prst="rect">
+            <a:avLst/>
+          </a:prstGeom>
+          <a:noFill/>
+        </p:spPr>
+        <p:txBody>
+          <a:bodyPr wrap="none" rtlCol="0">
+            <a:spAutoFit/>
+          </a:bodyPr>
+          <a:lstStyle/>
+          <a:p>
+            <a:r>
+              <a:rPr lang="ko-KR" altLang="en-US"/>
+              <a:t>이전 버튼</a:t>
+            </a:r>
+          </a:p>
+        </p:txBody>
+      </p:sp>
+      <p:cxnSp>
+        <p:nvCxnSpPr>
+          <p:cNvPr id="18" name="연결선: 꺾임 17">
+            <a:extLst>
+              <a:ext uri="{FF2B5EF4-FFF2-40B4-BE49-F238E27FC236}">
+                <a16:creationId xmlns:a16="http://schemas.microsoft.com/office/drawing/2014/main" id="{BA158C90-CF74-FDEE-56AD-422AF4291E32}"/>
+              </a:ext>
+            </a:extLst>
+          </p:cNvPr>
+          <p:cNvCxnSpPr>
+            <a:cxnSpLocks/>
+            <a:stCxn id="11" idx="3"/>
+          </p:cNvCxnSpPr>
+          <p:nvPr/>
+        </p:nvCxnSpPr>
+        <p:spPr>
+          <a:xfrm flipV="1">
+            <a:off x="3398808" y="5766758"/>
+            <a:ext cx="405441" cy="1"/>
+          </a:xfrm>
+          <a:prstGeom prst="bentConnector3">
+            <a:avLst>
+              <a:gd name="adj1" fmla="val 50000"/>
+            </a:avLst>
+          </a:prstGeom>
+          <a:ln w="38100">
+            <a:solidFill>
+              <a:schemeClr val="accent1"/>
+            </a:solidFill>
+            <a:tailEnd type="triangle"/>
+          </a:ln>
+        </p:spPr>
+        <p:style>
+          <a:lnRef idx="1">
+            <a:schemeClr val="accent1"/>
+          </a:lnRef>
+          <a:fillRef idx="0">
+            <a:schemeClr val="accent1"/>
+          </a:fillRef>
+          <a:effectRef idx="0">
+            <a:schemeClr val="accent1"/>
+          </a:effectRef>
+          <a:fontRef idx="minor">
+            <a:schemeClr val="tx1"/>
+          </a:fontRef>
+        </p:style>
+      </p:cxnSp>
+      <p:sp>
+        <p:nvSpPr>
+          <p:cNvPr id="21" name="TextBox 20">
+            <a:extLst>
+              <a:ext uri="{FF2B5EF4-FFF2-40B4-BE49-F238E27FC236}">
+                <a16:creationId xmlns:a16="http://schemas.microsoft.com/office/drawing/2014/main" id="{A464B75B-F22A-0F57-B1FB-0754C400DE77}"/>
+              </a:ext>
+            </a:extLst>
+          </p:cNvPr>
+          <p:cNvSpPr txBox="1"/>
+          <p:nvPr/>
+        </p:nvSpPr>
+        <p:spPr>
+          <a:xfrm>
+            <a:off x="3804249" y="5585450"/>
+            <a:ext cx="1189749" cy="369332"/>
+          </a:xfrm>
+          <a:prstGeom prst="rect">
+            <a:avLst/>
+          </a:prstGeom>
+          <a:noFill/>
+        </p:spPr>
+        <p:txBody>
+          <a:bodyPr wrap="none" rtlCol="0">
+            <a:spAutoFit/>
+          </a:bodyPr>
+          <a:lstStyle/>
+          <a:p>
+            <a:r>
+              <a:rPr lang="ko-KR" altLang="en-US"/>
+              <a:t>다음 버튼</a:t>
+            </a:r>
+          </a:p>
+        </p:txBody>
+      </p:sp>
+      <p:sp>
+        <p:nvSpPr>
+          <p:cNvPr id="22" name="직사각형 21">
+            <a:extLst>
+              <a:ext uri="{FF2B5EF4-FFF2-40B4-BE49-F238E27FC236}">
+                <a16:creationId xmlns:a16="http://schemas.microsoft.com/office/drawing/2014/main" id="{6D9F9055-EAF4-2762-B5E7-2A5F5A339A0B}"/>
               </a:ext>
             </a:extLst>
           </p:cNvPr>
@@ -5858,18 +5218,18 @@
         </p:nvSpPr>
         <p:spPr>
           <a:xfrm>
-            <a:off x="3769742" y="1337093"/>
-            <a:ext cx="672861" cy="672861"/>
-          </a:xfrm>
-          <a:prstGeom prst="rect">
-            <a:avLst/>
-          </a:prstGeom>
-          <a:solidFill>
-            <a:schemeClr val="accent4">
-              <a:lumMod val="20000"/>
-              <a:lumOff val="80000"/>
-            </a:schemeClr>
-          </a:solidFill>
+            <a:off x="1550490" y="1446363"/>
+            <a:ext cx="7809169" cy="3951059"/>
+          </a:xfrm>
+          <a:prstGeom prst="rect">
+            <a:avLst/>
+          </a:prstGeom>
+          <a:noFill/>
+          <a:ln w="38100">
+            <a:solidFill>
+              <a:srgbClr val="FF0000"/>
+            </a:solidFill>
+          </a:ln>
         </p:spPr>
         <p:style>
           <a:lnRef idx="2">
@@ -5890,452 +5250,63 @@
           <a:lstStyle/>
           <a:p>
             <a:pPr algn="ctr"/>
-            <a:r>
-              <a:rPr lang="en-US" altLang="ko-KR"/>
-              <a:t>4</a:t>
-            </a:r>
-            <a:endParaRPr lang="ko-KR" altLang="en-US"/>
-          </a:p>
-        </p:txBody>
-      </p:sp>
-      <p:sp>
-        <p:nvSpPr>
-          <p:cNvPr id="6" name="직사각형 5">
-            <a:extLst>
-              <a:ext uri="{FF2B5EF4-FFF2-40B4-BE49-F238E27FC236}">
-                <a16:creationId xmlns:a16="http://schemas.microsoft.com/office/drawing/2014/main" id="{D317DE39-EE7B-7EA5-05AB-7393F78CF948}"/>
-              </a:ext>
-            </a:extLst>
-          </p:cNvPr>
-          <p:cNvSpPr/>
-          <p:nvPr/>
-        </p:nvSpPr>
-        <p:spPr>
-          <a:xfrm>
-            <a:off x="4761780" y="1337093"/>
-            <a:ext cx="672861" cy="672861"/>
-          </a:xfrm>
-          <a:prstGeom prst="rect">
-            <a:avLst/>
-          </a:prstGeom>
-          <a:solidFill>
-            <a:schemeClr val="accent4">
-              <a:lumMod val="20000"/>
-              <a:lumOff val="80000"/>
-            </a:schemeClr>
-          </a:solidFill>
+            <a:endParaRPr lang="ko-KR" altLang="en-US"/>
+          </a:p>
+        </p:txBody>
+      </p:sp>
+      <p:cxnSp>
+        <p:nvCxnSpPr>
+          <p:cNvPr id="23" name="연결선: 꺾임 22">
+            <a:extLst>
+              <a:ext uri="{FF2B5EF4-FFF2-40B4-BE49-F238E27FC236}">
+                <a16:creationId xmlns:a16="http://schemas.microsoft.com/office/drawing/2014/main" id="{0D20BDF1-B1CD-A4AD-1F9E-AD46AC2AD562}"/>
+              </a:ext>
+            </a:extLst>
+          </p:cNvPr>
+          <p:cNvCxnSpPr>
+            <a:cxnSpLocks/>
+            <a:stCxn id="22" idx="3"/>
+          </p:cNvCxnSpPr>
+          <p:nvPr/>
+        </p:nvCxnSpPr>
+        <p:spPr>
+          <a:xfrm flipV="1">
+            <a:off x="9359659" y="3421892"/>
+            <a:ext cx="465828" cy="1"/>
+          </a:xfrm>
+          <a:prstGeom prst="bentConnector3">
+            <a:avLst>
+              <a:gd name="adj1" fmla="val 50000"/>
+            </a:avLst>
+          </a:prstGeom>
+          <a:ln w="38100">
+            <a:solidFill>
+              <a:srgbClr val="FF0000"/>
+            </a:solidFill>
+            <a:tailEnd type="triangle"/>
+          </a:ln>
         </p:spPr>
         <p:style>
-          <a:lnRef idx="2">
-            <a:schemeClr val="dk1"/>
+          <a:lnRef idx="1">
+            <a:schemeClr val="accent1"/>
           </a:lnRef>
-          <a:fillRef idx="1">
-            <a:schemeClr val="lt1"/>
+          <a:fillRef idx="0">
+            <a:schemeClr val="accent1"/>
           </a:fillRef>
           <a:effectRef idx="0">
-            <a:schemeClr val="dk1"/>
+            <a:schemeClr val="accent1"/>
           </a:effectRef>
           <a:fontRef idx="minor">
-            <a:schemeClr val="dk1"/>
+            <a:schemeClr val="tx1"/>
           </a:fontRef>
         </p:style>
-        <p:txBody>
-          <a:bodyPr rtlCol="0" anchor="ctr"/>
-          <a:lstStyle/>
-          <a:p>
-            <a:pPr algn="ctr"/>
-            <a:r>
-              <a:rPr lang="en-US" altLang="ko-KR"/>
-              <a:t>5</a:t>
-            </a:r>
-            <a:endParaRPr lang="ko-KR" altLang="en-US"/>
-          </a:p>
-        </p:txBody>
-      </p:sp>
-      <p:sp>
-        <p:nvSpPr>
-          <p:cNvPr id="7" name="직사각형 6">
-            <a:extLst>
-              <a:ext uri="{FF2B5EF4-FFF2-40B4-BE49-F238E27FC236}">
-                <a16:creationId xmlns:a16="http://schemas.microsoft.com/office/drawing/2014/main" id="{EAA031AB-7A1B-05A5-FAF2-D85F9FDDAA2A}"/>
-              </a:ext>
-            </a:extLst>
-          </p:cNvPr>
-          <p:cNvSpPr/>
-          <p:nvPr/>
-        </p:nvSpPr>
-        <p:spPr>
-          <a:xfrm>
-            <a:off x="940279" y="2380890"/>
-            <a:ext cx="672861" cy="672861"/>
-          </a:xfrm>
-          <a:prstGeom prst="rect">
-            <a:avLst/>
-          </a:prstGeom>
-          <a:solidFill>
-            <a:schemeClr val="accent2">
-              <a:lumMod val="20000"/>
-              <a:lumOff val="80000"/>
-            </a:schemeClr>
-          </a:solidFill>
-        </p:spPr>
-        <p:style>
-          <a:lnRef idx="2">
-            <a:schemeClr val="dk1"/>
-          </a:lnRef>
-          <a:fillRef idx="1">
-            <a:schemeClr val="lt1"/>
-          </a:fillRef>
-          <a:effectRef idx="0">
-            <a:schemeClr val="dk1"/>
-          </a:effectRef>
-          <a:fontRef idx="minor">
-            <a:schemeClr val="dk1"/>
-          </a:fontRef>
-        </p:style>
-        <p:txBody>
-          <a:bodyPr rtlCol="0" anchor="ctr"/>
-          <a:lstStyle/>
-          <a:p>
-            <a:pPr algn="ctr"/>
-            <a:r>
-              <a:rPr lang="en-US" altLang="ko-KR"/>
-              <a:t>6</a:t>
-            </a:r>
-            <a:endParaRPr lang="ko-KR" altLang="en-US"/>
-          </a:p>
-        </p:txBody>
-      </p:sp>
-      <p:sp>
-        <p:nvSpPr>
-          <p:cNvPr id="8" name="직사각형 7">
-            <a:extLst>
-              <a:ext uri="{FF2B5EF4-FFF2-40B4-BE49-F238E27FC236}">
-                <a16:creationId xmlns:a16="http://schemas.microsoft.com/office/drawing/2014/main" id="{0A4B1BE6-76A6-2B8C-0A12-10724DD46743}"/>
-              </a:ext>
-            </a:extLst>
-          </p:cNvPr>
-          <p:cNvSpPr/>
-          <p:nvPr/>
-        </p:nvSpPr>
-        <p:spPr>
-          <a:xfrm>
-            <a:off x="1897811" y="2380890"/>
-            <a:ext cx="672861" cy="672861"/>
-          </a:xfrm>
-          <a:prstGeom prst="rect">
-            <a:avLst/>
-          </a:prstGeom>
-          <a:solidFill>
-            <a:schemeClr val="accent4">
-              <a:lumMod val="20000"/>
-              <a:lumOff val="80000"/>
-            </a:schemeClr>
-          </a:solidFill>
-        </p:spPr>
-        <p:style>
-          <a:lnRef idx="2">
-            <a:schemeClr val="dk1"/>
-          </a:lnRef>
-          <a:fillRef idx="1">
-            <a:schemeClr val="lt1"/>
-          </a:fillRef>
-          <a:effectRef idx="0">
-            <a:schemeClr val="dk1"/>
-          </a:effectRef>
-          <a:fontRef idx="minor">
-            <a:schemeClr val="dk1"/>
-          </a:fontRef>
-        </p:style>
-        <p:txBody>
-          <a:bodyPr rtlCol="0" anchor="ctr"/>
-          <a:lstStyle/>
-          <a:p>
-            <a:pPr algn="ctr"/>
-            <a:r>
-              <a:rPr lang="en-US" altLang="ko-KR"/>
-              <a:t>7</a:t>
-            </a:r>
-            <a:endParaRPr lang="ko-KR" altLang="en-US"/>
-          </a:p>
-        </p:txBody>
-      </p:sp>
-      <p:sp>
-        <p:nvSpPr>
-          <p:cNvPr id="9" name="직사각형 8">
-            <a:extLst>
-              <a:ext uri="{FF2B5EF4-FFF2-40B4-BE49-F238E27FC236}">
-                <a16:creationId xmlns:a16="http://schemas.microsoft.com/office/drawing/2014/main" id="{C9239A70-B344-C5CC-654F-2673F9052D9D}"/>
-              </a:ext>
-            </a:extLst>
-          </p:cNvPr>
-          <p:cNvSpPr/>
-          <p:nvPr/>
-        </p:nvSpPr>
-        <p:spPr>
-          <a:xfrm>
-            <a:off x="2855343" y="2380890"/>
-            <a:ext cx="672861" cy="672861"/>
-          </a:xfrm>
-          <a:prstGeom prst="rect">
-            <a:avLst/>
-          </a:prstGeom>
-          <a:solidFill>
-            <a:schemeClr val="accent4">
-              <a:lumMod val="20000"/>
-              <a:lumOff val="80000"/>
-            </a:schemeClr>
-          </a:solidFill>
-        </p:spPr>
-        <p:style>
-          <a:lnRef idx="2">
-            <a:schemeClr val="dk1"/>
-          </a:lnRef>
-          <a:fillRef idx="1">
-            <a:schemeClr val="lt1"/>
-          </a:fillRef>
-          <a:effectRef idx="0">
-            <a:schemeClr val="dk1"/>
-          </a:effectRef>
-          <a:fontRef idx="minor">
-            <a:schemeClr val="dk1"/>
-          </a:fontRef>
-        </p:style>
-        <p:txBody>
-          <a:bodyPr rtlCol="0" anchor="ctr"/>
-          <a:lstStyle/>
-          <a:p>
-            <a:pPr algn="ctr"/>
-            <a:r>
-              <a:rPr lang="en-US" altLang="ko-KR"/>
-              <a:t>8</a:t>
-            </a:r>
-            <a:endParaRPr lang="ko-KR" altLang="en-US"/>
-          </a:p>
-        </p:txBody>
-      </p:sp>
-      <p:sp>
-        <p:nvSpPr>
-          <p:cNvPr id="10" name="직사각형 9">
-            <a:extLst>
-              <a:ext uri="{FF2B5EF4-FFF2-40B4-BE49-F238E27FC236}">
-                <a16:creationId xmlns:a16="http://schemas.microsoft.com/office/drawing/2014/main" id="{87BE5BA0-4567-ED94-46A2-590A06979FE0}"/>
-              </a:ext>
-            </a:extLst>
-          </p:cNvPr>
-          <p:cNvSpPr/>
-          <p:nvPr/>
-        </p:nvSpPr>
-        <p:spPr>
-          <a:xfrm>
-            <a:off x="3769742" y="2380890"/>
-            <a:ext cx="672861" cy="672861"/>
-          </a:xfrm>
-          <a:prstGeom prst="rect">
-            <a:avLst/>
-          </a:prstGeom>
-          <a:solidFill>
-            <a:schemeClr val="accent4">
-              <a:lumMod val="20000"/>
-              <a:lumOff val="80000"/>
-            </a:schemeClr>
-          </a:solidFill>
-        </p:spPr>
-        <p:style>
-          <a:lnRef idx="2">
-            <a:schemeClr val="dk1"/>
-          </a:lnRef>
-          <a:fillRef idx="1">
-            <a:schemeClr val="lt1"/>
-          </a:fillRef>
-          <a:effectRef idx="0">
-            <a:schemeClr val="dk1"/>
-          </a:effectRef>
-          <a:fontRef idx="minor">
-            <a:schemeClr val="dk1"/>
-          </a:fontRef>
-        </p:style>
-        <p:txBody>
-          <a:bodyPr rtlCol="0" anchor="ctr"/>
-          <a:lstStyle/>
-          <a:p>
-            <a:pPr algn="ctr"/>
-            <a:r>
-              <a:rPr lang="en-US" altLang="ko-KR"/>
-              <a:t>9</a:t>
-            </a:r>
-            <a:endParaRPr lang="ko-KR" altLang="en-US"/>
-          </a:p>
-        </p:txBody>
-      </p:sp>
-      <p:sp>
-        <p:nvSpPr>
-          <p:cNvPr id="11" name="직사각형 10">
-            <a:extLst>
-              <a:ext uri="{FF2B5EF4-FFF2-40B4-BE49-F238E27FC236}">
-                <a16:creationId xmlns:a16="http://schemas.microsoft.com/office/drawing/2014/main" id="{CC7F968D-AD13-04AE-F688-F94DB3977CA6}"/>
-              </a:ext>
-            </a:extLst>
-          </p:cNvPr>
-          <p:cNvSpPr/>
-          <p:nvPr/>
-        </p:nvSpPr>
-        <p:spPr>
-          <a:xfrm>
-            <a:off x="4761780" y="2380890"/>
-            <a:ext cx="672861" cy="672861"/>
-          </a:xfrm>
-          <a:prstGeom prst="rect">
-            <a:avLst/>
-          </a:prstGeom>
-          <a:solidFill>
-            <a:schemeClr val="accent2">
-              <a:lumMod val="20000"/>
-              <a:lumOff val="80000"/>
-            </a:schemeClr>
-          </a:solidFill>
-        </p:spPr>
-        <p:style>
-          <a:lnRef idx="2">
-            <a:schemeClr val="dk1"/>
-          </a:lnRef>
-          <a:fillRef idx="1">
-            <a:schemeClr val="lt1"/>
-          </a:fillRef>
-          <a:effectRef idx="0">
-            <a:schemeClr val="dk1"/>
-          </a:effectRef>
-          <a:fontRef idx="minor">
-            <a:schemeClr val="dk1"/>
-          </a:fontRef>
-        </p:style>
-        <p:txBody>
-          <a:bodyPr rtlCol="0" anchor="ctr"/>
-          <a:lstStyle/>
-          <a:p>
-            <a:pPr algn="ctr"/>
-            <a:r>
-              <a:rPr lang="en-US" altLang="ko-KR"/>
-              <a:t>10</a:t>
-            </a:r>
-            <a:endParaRPr lang="ko-KR" altLang="en-US"/>
-          </a:p>
-        </p:txBody>
-      </p:sp>
-      <p:sp>
-        <p:nvSpPr>
-          <p:cNvPr id="12" name="직사각형 11">
-            <a:extLst>
-              <a:ext uri="{FF2B5EF4-FFF2-40B4-BE49-F238E27FC236}">
-                <a16:creationId xmlns:a16="http://schemas.microsoft.com/office/drawing/2014/main" id="{1E8CFBAA-F604-F8DB-C114-5BB2F3C5ED53}"/>
-              </a:ext>
-            </a:extLst>
-          </p:cNvPr>
-          <p:cNvSpPr/>
-          <p:nvPr/>
-        </p:nvSpPr>
-        <p:spPr>
-          <a:xfrm>
-            <a:off x="940279" y="3364301"/>
-            <a:ext cx="672861" cy="672861"/>
-          </a:xfrm>
-          <a:prstGeom prst="rect">
-            <a:avLst/>
-          </a:prstGeom>
-          <a:solidFill>
-            <a:schemeClr val="accent4">
-              <a:lumMod val="20000"/>
-              <a:lumOff val="80000"/>
-            </a:schemeClr>
-          </a:solidFill>
-        </p:spPr>
-        <p:style>
-          <a:lnRef idx="2">
-            <a:schemeClr val="dk1"/>
-          </a:lnRef>
-          <a:fillRef idx="1">
-            <a:schemeClr val="lt1"/>
-          </a:fillRef>
-          <a:effectRef idx="0">
-            <a:schemeClr val="dk1"/>
-          </a:effectRef>
-          <a:fontRef idx="minor">
-            <a:schemeClr val="dk1"/>
-          </a:fontRef>
-        </p:style>
-        <p:txBody>
-          <a:bodyPr rtlCol="0" anchor="ctr"/>
-          <a:lstStyle/>
-          <a:p>
-            <a:pPr algn="ctr"/>
-            <a:r>
-              <a:rPr lang="en-US" altLang="ko-KR"/>
-              <a:t>11</a:t>
-            </a:r>
-            <a:endParaRPr lang="ko-KR" altLang="en-US"/>
-          </a:p>
-        </p:txBody>
-      </p:sp>
-      <p:sp>
-        <p:nvSpPr>
-          <p:cNvPr id="13" name="직사각형 12">
-            <a:extLst>
-              <a:ext uri="{FF2B5EF4-FFF2-40B4-BE49-F238E27FC236}">
-                <a16:creationId xmlns:a16="http://schemas.microsoft.com/office/drawing/2014/main" id="{604DC678-C500-DB66-F7CB-1A595A4394A5}"/>
-              </a:ext>
-            </a:extLst>
-          </p:cNvPr>
-          <p:cNvSpPr/>
-          <p:nvPr/>
-        </p:nvSpPr>
-        <p:spPr>
-          <a:xfrm>
-            <a:off x="1897811" y="3364301"/>
-            <a:ext cx="672861" cy="672861"/>
-          </a:xfrm>
-          <a:prstGeom prst="rect">
-            <a:avLst/>
-          </a:prstGeom>
-          <a:solidFill>
-            <a:schemeClr val="accent4">
-              <a:lumMod val="20000"/>
-              <a:lumOff val="80000"/>
-            </a:schemeClr>
-          </a:solidFill>
-        </p:spPr>
-        <p:style>
-          <a:lnRef idx="2">
-            <a:schemeClr val="dk1"/>
-          </a:lnRef>
-          <a:fillRef idx="1">
-            <a:schemeClr val="lt1"/>
-          </a:fillRef>
-          <a:effectRef idx="0">
-            <a:schemeClr val="dk1"/>
-          </a:effectRef>
-          <a:fontRef idx="minor">
-            <a:schemeClr val="dk1"/>
-          </a:fontRef>
-        </p:style>
-        <p:txBody>
-          <a:bodyPr rtlCol="0" anchor="ctr"/>
-          <a:lstStyle/>
-          <a:p>
-            <a:pPr algn="ctr"/>
-            <a:r>
-              <a:rPr lang="en-US" altLang="ko-KR"/>
-              <a:t>12</a:t>
-            </a:r>
-            <a:endParaRPr lang="ko-KR" altLang="en-US"/>
-          </a:p>
-        </p:txBody>
-      </p:sp>
-      <p:sp>
-        <p:nvSpPr>
-          <p:cNvPr id="17" name="TextBox 16">
-            <a:extLst>
-              <a:ext uri="{FF2B5EF4-FFF2-40B4-BE49-F238E27FC236}">
-                <a16:creationId xmlns:a16="http://schemas.microsoft.com/office/drawing/2014/main" id="{929B9A4A-B527-4578-BA16-317AF956DCAF}"/>
+      </p:cxnSp>
+      <p:sp>
+        <p:nvSpPr>
+          <p:cNvPr id="26" name="TextBox 25">
+            <a:extLst>
+              <a:ext uri="{FF2B5EF4-FFF2-40B4-BE49-F238E27FC236}">
+                <a16:creationId xmlns:a16="http://schemas.microsoft.com/office/drawing/2014/main" id="{C9D7E40B-9C54-CA4C-2C09-66A25197EAB7}"/>
               </a:ext>
             </a:extLst>
           </p:cNvPr>
@@ -6344,8 +5315,8 @@
         </p:nvSpPr>
         <p:spPr>
           <a:xfrm>
-            <a:off x="6096000" y="1199072"/>
-            <a:ext cx="1999265" cy="369332"/>
+            <a:off x="9872573" y="2894010"/>
+            <a:ext cx="1900686" cy="923330"/>
           </a:xfrm>
           <a:prstGeom prst="rect">
             <a:avLst/>
@@ -6353,217 +5324,28 @@
           <a:noFill/>
         </p:spPr>
         <p:txBody>
-          <a:bodyPr wrap="none" rtlCol="0">
+          <a:bodyPr wrap="square" rtlCol="0">
             <a:spAutoFit/>
           </a:bodyPr>
           <a:lstStyle/>
           <a:p>
             <a:r>
               <a:rPr lang="ko-KR" altLang="en-US"/>
-              <a:t>전체 페이지 </a:t>
-            </a:r>
-            <a:r>
-              <a:rPr lang="en-US" altLang="ko-KR"/>
-              <a:t>= 13</a:t>
-            </a:r>
-            <a:endParaRPr lang="ko-KR" altLang="en-US"/>
-          </a:p>
-        </p:txBody>
-      </p:sp>
-      <p:sp>
-        <p:nvSpPr>
-          <p:cNvPr id="18" name="직사각형 17">
-            <a:extLst>
-              <a:ext uri="{FF2B5EF4-FFF2-40B4-BE49-F238E27FC236}">
-                <a16:creationId xmlns:a16="http://schemas.microsoft.com/office/drawing/2014/main" id="{77C4DAE4-6341-573A-81F7-B01D4BA0F1CE}"/>
-              </a:ext>
-            </a:extLst>
-          </p:cNvPr>
-          <p:cNvSpPr/>
-          <p:nvPr/>
-        </p:nvSpPr>
-        <p:spPr>
-          <a:xfrm>
-            <a:off x="2855343" y="3364301"/>
-            <a:ext cx="672861" cy="672861"/>
-          </a:xfrm>
-          <a:prstGeom prst="rect">
-            <a:avLst/>
-          </a:prstGeom>
-          <a:solidFill>
-            <a:schemeClr val="accent4">
-              <a:lumMod val="20000"/>
-              <a:lumOff val="80000"/>
-            </a:schemeClr>
-          </a:solidFill>
-        </p:spPr>
-        <p:style>
-          <a:lnRef idx="2">
-            <a:schemeClr val="dk1"/>
-          </a:lnRef>
-          <a:fillRef idx="1">
-            <a:schemeClr val="lt1"/>
-          </a:fillRef>
-          <a:effectRef idx="0">
-            <a:schemeClr val="dk1"/>
-          </a:effectRef>
-          <a:fontRef idx="minor">
-            <a:schemeClr val="dk1"/>
-          </a:fontRef>
-        </p:style>
-        <p:txBody>
-          <a:bodyPr rtlCol="0" anchor="ctr"/>
-          <a:lstStyle/>
-          <a:p>
-            <a:pPr algn="ctr"/>
-            <a:r>
-              <a:rPr lang="en-US" altLang="ko-KR"/>
-              <a:t>13</a:t>
-            </a:r>
-            <a:endParaRPr lang="ko-KR" altLang="en-US"/>
-          </a:p>
-        </p:txBody>
-      </p:sp>
-      <p:sp>
-        <p:nvSpPr>
-          <p:cNvPr id="19" name="TextBox 18">
-            <a:extLst>
-              <a:ext uri="{FF2B5EF4-FFF2-40B4-BE49-F238E27FC236}">
-                <a16:creationId xmlns:a16="http://schemas.microsoft.com/office/drawing/2014/main" id="{8698887F-A2F1-DEF5-6641-AFC3B948CC2F}"/>
-              </a:ext>
-            </a:extLst>
-          </p:cNvPr>
-          <p:cNvSpPr txBox="1"/>
-          <p:nvPr/>
-        </p:nvSpPr>
-        <p:spPr>
-          <a:xfrm>
-            <a:off x="6096000" y="1825288"/>
-            <a:ext cx="2416046" cy="369332"/>
-          </a:xfrm>
-          <a:prstGeom prst="rect">
-            <a:avLst/>
-          </a:prstGeom>
-          <a:noFill/>
-        </p:spPr>
-        <p:txBody>
-          <a:bodyPr wrap="none" rtlCol="0">
-            <a:spAutoFit/>
-          </a:bodyPr>
-          <a:lstStyle/>
+              <a:t>한 페이지에 </a:t>
+            </a:r>
+            <a:endParaRPr lang="en-US" altLang="ko-KR"/>
+          </a:p>
           <a:p>
             <a:r>
               <a:rPr lang="ko-KR" altLang="en-US"/>
-              <a:t>현재 페이지 그룹 </a:t>
-            </a:r>
-            <a:r>
-              <a:rPr lang="en-US" altLang="ko-KR"/>
-              <a:t>= 2</a:t>
-            </a:r>
-            <a:endParaRPr lang="ko-KR" altLang="en-US"/>
-          </a:p>
-        </p:txBody>
-      </p:sp>
-      <p:sp>
-        <p:nvSpPr>
-          <p:cNvPr id="20" name="TextBox 19">
-            <a:extLst>
-              <a:ext uri="{FF2B5EF4-FFF2-40B4-BE49-F238E27FC236}">
-                <a16:creationId xmlns:a16="http://schemas.microsoft.com/office/drawing/2014/main" id="{DF2969C4-8B03-7859-EBA0-32CA0EE0138B}"/>
-              </a:ext>
-            </a:extLst>
-          </p:cNvPr>
-          <p:cNvSpPr txBox="1"/>
-          <p:nvPr/>
-        </p:nvSpPr>
-        <p:spPr>
-          <a:xfrm>
-            <a:off x="6096000" y="2451504"/>
-            <a:ext cx="3421129" cy="369332"/>
-          </a:xfrm>
-          <a:prstGeom prst="rect">
-            <a:avLst/>
-          </a:prstGeom>
-          <a:noFill/>
-        </p:spPr>
-        <p:txBody>
-          <a:bodyPr wrap="none" rtlCol="0">
-            <a:spAutoFit/>
-          </a:bodyPr>
-          <a:lstStyle/>
+              <a:t>보여주고자 하는</a:t>
+            </a:r>
+            <a:endParaRPr lang="en-US" altLang="ko-KR"/>
+          </a:p>
           <a:p>
             <a:r>
               <a:rPr lang="ko-KR" altLang="en-US"/>
-              <a:t>화면에 보여줄 페이지 개수 </a:t>
-            </a:r>
-            <a:r>
-              <a:rPr lang="en-US" altLang="ko-KR"/>
-              <a:t>= 5</a:t>
-            </a:r>
-          </a:p>
-        </p:txBody>
-      </p:sp>
-      <p:sp>
-        <p:nvSpPr>
-          <p:cNvPr id="14" name="TextBox 13">
-            <a:extLst>
-              <a:ext uri="{FF2B5EF4-FFF2-40B4-BE49-F238E27FC236}">
-                <a16:creationId xmlns:a16="http://schemas.microsoft.com/office/drawing/2014/main" id="{EC386A63-927A-337A-B7AF-75E56FE19F05}"/>
-              </a:ext>
-            </a:extLst>
-          </p:cNvPr>
-          <p:cNvSpPr txBox="1"/>
-          <p:nvPr/>
-        </p:nvSpPr>
-        <p:spPr>
-          <a:xfrm>
-            <a:off x="6096000" y="3077720"/>
-            <a:ext cx="3714478" cy="646331"/>
-          </a:xfrm>
-          <a:prstGeom prst="rect">
-            <a:avLst/>
-          </a:prstGeom>
-          <a:noFill/>
-        </p:spPr>
-        <p:txBody>
-          <a:bodyPr wrap="none" rtlCol="0">
-            <a:spAutoFit/>
-          </a:bodyPr>
-          <a:lstStyle/>
-          <a:p>
-            <a:r>
-              <a:rPr lang="ko-KR" altLang="en-US">
-                <a:solidFill>
-                  <a:srgbClr val="FF0000"/>
-                </a:solidFill>
-              </a:rPr>
-              <a:t>첫번째 번호 </a:t>
-            </a:r>
-            <a:r>
-              <a:rPr lang="en-US" altLang="ko-KR">
-                <a:solidFill>
-                  <a:srgbClr val="FF0000"/>
-                </a:solidFill>
-              </a:rPr>
-              <a:t>= (2 – 1) * 5 + 1 = 6</a:t>
-            </a:r>
-          </a:p>
-          <a:p>
-            <a:r>
-              <a:rPr lang="ko-KR" altLang="en-US">
-                <a:solidFill>
-                  <a:srgbClr val="FF0000"/>
-                </a:solidFill>
-              </a:rPr>
-              <a:t>마지막 번호 </a:t>
-            </a:r>
-            <a:r>
-              <a:rPr lang="en-US" altLang="ko-KR">
-                <a:solidFill>
-                  <a:srgbClr val="FF0000"/>
-                </a:solidFill>
-              </a:rPr>
-              <a:t>= 2 * 5 = 10</a:t>
+              <a:t>컨텐츠의 개수</a:t>
             </a:r>
           </a:p>
         </p:txBody>
@@ -6571,7 +5353,7 @@
     </p:spTree>
     <p:extLst>
       <p:ext uri="{BB962C8B-B14F-4D97-AF65-F5344CB8AC3E}">
-        <p14:creationId xmlns:p14="http://schemas.microsoft.com/office/powerpoint/2010/main" val="1671455776"/>
+        <p14:creationId xmlns:p14="http://schemas.microsoft.com/office/powerpoint/2010/main" val="2162899677"/>
       </p:ext>
     </p:extLst>
   </p:cSld>
@@ -6600,10 +5382,312 @@
       </p:grpSpPr>
       <p:sp>
         <p:nvSpPr>
-          <p:cNvPr id="2" name="직사각형 1">
-            <a:extLst>
-              <a:ext uri="{FF2B5EF4-FFF2-40B4-BE49-F238E27FC236}">
-                <a16:creationId xmlns:a16="http://schemas.microsoft.com/office/drawing/2014/main" id="{A44A6524-D038-AD55-B13D-A25E12EEE889}"/>
+          <p:cNvPr id="2" name="제목 1">
+            <a:extLst>
+              <a:ext uri="{FF2B5EF4-FFF2-40B4-BE49-F238E27FC236}">
+                <a16:creationId xmlns:a16="http://schemas.microsoft.com/office/drawing/2014/main" id="{261A23CC-3D3C-5E92-8B43-1F3C6DF33DFF}"/>
+              </a:ext>
+            </a:extLst>
+          </p:cNvPr>
+          <p:cNvSpPr>
+            <a:spLocks noGrp="1"/>
+          </p:cNvSpPr>
+          <p:nvPr>
+            <p:ph type="title"/>
+          </p:nvPr>
+        </p:nvSpPr>
+        <p:spPr/>
+        <p:txBody>
+          <a:bodyPr/>
+          <a:lstStyle/>
+          <a:p>
+            <a:r>
+              <a:rPr lang="ko-KR" altLang="en-US"/>
+              <a:t>페이지네이션 개발에 필요한 </a:t>
+            </a:r>
+            <a:r>
+              <a:rPr lang="en-US" altLang="ko-KR"/>
+              <a:t>4</a:t>
+            </a:r>
+            <a:r>
+              <a:rPr lang="ko-KR" altLang="en-US"/>
+              <a:t>가지 값</a:t>
+            </a:r>
+          </a:p>
+        </p:txBody>
+      </p:sp>
+      <p:sp>
+        <p:nvSpPr>
+          <p:cNvPr id="3" name="내용 개체 틀 2">
+            <a:extLst>
+              <a:ext uri="{FF2B5EF4-FFF2-40B4-BE49-F238E27FC236}">
+                <a16:creationId xmlns:a16="http://schemas.microsoft.com/office/drawing/2014/main" id="{E81C0A84-57E5-BFDF-EDC8-20F366DB76A1}"/>
+              </a:ext>
+            </a:extLst>
+          </p:cNvPr>
+          <p:cNvSpPr>
+            <a:spLocks noGrp="1"/>
+          </p:cNvSpPr>
+          <p:nvPr>
+            <p:ph idx="1"/>
+          </p:nvPr>
+        </p:nvSpPr>
+        <p:spPr/>
+        <p:txBody>
+          <a:bodyPr/>
+          <a:lstStyle/>
+          <a:p>
+            <a:pPr algn="l" latinLnBrk="1">
+              <a:buFont typeface="Arial" panose="020B0604020202020204" pitchFamily="34" charset="0"/>
+              <a:buChar char="•"/>
+            </a:pPr>
+            <a:r>
+              <a:rPr lang="ko-KR" altLang="en-US" b="0" i="0">
+                <a:solidFill>
+                  <a:srgbClr val="333333"/>
+                </a:solidFill>
+                <a:effectLst/>
+                <a:latin typeface="Avenir"/>
+              </a:rPr>
+              <a:t>총 페이지 개수</a:t>
+            </a:r>
+          </a:p>
+          <a:p>
+            <a:pPr algn="l" latinLnBrk="1">
+              <a:buFont typeface="Arial" panose="020B0604020202020204" pitchFamily="34" charset="0"/>
+              <a:buChar char="•"/>
+            </a:pPr>
+            <a:r>
+              <a:rPr lang="ko-KR" altLang="en-US" b="0" i="0">
+                <a:solidFill>
+                  <a:srgbClr val="333333"/>
+                </a:solidFill>
+                <a:effectLst/>
+                <a:latin typeface="Avenir"/>
+              </a:rPr>
+              <a:t>화면에 보여질 </a:t>
+            </a:r>
+            <a:r>
+              <a:rPr lang="ko-KR" altLang="en-US" b="0" i="0">
+                <a:solidFill>
+                  <a:srgbClr val="FF0000"/>
+                </a:solidFill>
+                <a:effectLst/>
+                <a:latin typeface="Avenir"/>
+              </a:rPr>
+              <a:t>페이지 그룹</a:t>
+            </a:r>
+          </a:p>
+          <a:p>
+            <a:pPr algn="l" latinLnBrk="1">
+              <a:buFont typeface="Arial" panose="020B0604020202020204" pitchFamily="34" charset="0"/>
+              <a:buChar char="•"/>
+            </a:pPr>
+            <a:r>
+              <a:rPr lang="ko-KR" altLang="en-US" b="0" i="0">
+                <a:solidFill>
+                  <a:srgbClr val="333333"/>
+                </a:solidFill>
+                <a:effectLst/>
+                <a:latin typeface="Avenir"/>
+              </a:rPr>
+              <a:t>화면에 보여질 페이지의 </a:t>
+            </a:r>
+            <a:r>
+              <a:rPr lang="ko-KR" altLang="en-US" b="0" i="0">
+                <a:solidFill>
+                  <a:srgbClr val="FF0000"/>
+                </a:solidFill>
+                <a:effectLst/>
+                <a:latin typeface="Avenir"/>
+              </a:rPr>
+              <a:t>첫번째 페이지 번호</a:t>
+            </a:r>
+          </a:p>
+          <a:p>
+            <a:pPr algn="l" latinLnBrk="1">
+              <a:buFont typeface="Arial" panose="020B0604020202020204" pitchFamily="34" charset="0"/>
+              <a:buChar char="•"/>
+            </a:pPr>
+            <a:r>
+              <a:rPr lang="ko-KR" altLang="en-US" b="0" i="0">
+                <a:solidFill>
+                  <a:srgbClr val="333333"/>
+                </a:solidFill>
+                <a:effectLst/>
+                <a:latin typeface="Avenir"/>
+              </a:rPr>
+              <a:t>화면에 보여질 페이지의 </a:t>
+            </a:r>
+            <a:r>
+              <a:rPr lang="ko-KR" altLang="en-US" b="0" i="0">
+                <a:solidFill>
+                  <a:srgbClr val="FF0000"/>
+                </a:solidFill>
+                <a:effectLst/>
+                <a:latin typeface="Avenir"/>
+              </a:rPr>
+              <a:t>마지막 페이지 번호</a:t>
+            </a:r>
+          </a:p>
+        </p:txBody>
+      </p:sp>
+    </p:spTree>
+    <p:extLst>
+      <p:ext uri="{BB962C8B-B14F-4D97-AF65-F5344CB8AC3E}">
+        <p14:creationId xmlns:p14="http://schemas.microsoft.com/office/powerpoint/2010/main" val="3408399263"/>
+      </p:ext>
+    </p:extLst>
+  </p:cSld>
+  <p:clrMapOvr>
+    <a:masterClrMapping/>
+  </p:clrMapOvr>
+</p:sld>
+</file>
+
+<file path=ppt/slides/slide6.xml><?xml version="1.0" encoding="utf-8"?>
+<p:sld xmlns:a="http://schemas.openxmlformats.org/drawingml/2006/main" xmlns:r="http://schemas.openxmlformats.org/officeDocument/2006/relationships" xmlns:p="http://schemas.openxmlformats.org/presentationml/2006/main">
+  <p:cSld>
+    <p:spTree>
+      <p:nvGrpSpPr>
+        <p:cNvPr id="1" name=""/>
+        <p:cNvGrpSpPr/>
+        <p:nvPr/>
+      </p:nvGrpSpPr>
+      <p:grpSpPr>
+        <a:xfrm>
+          <a:off x="0" y="0"/>
+          <a:ext cx="0" cy="0"/>
+          <a:chOff x="0" y="0"/>
+          <a:chExt cx="0" cy="0"/>
+        </a:xfrm>
+      </p:grpSpPr>
+      <p:sp>
+        <p:nvSpPr>
+          <p:cNvPr id="2" name="제목 1">
+            <a:extLst>
+              <a:ext uri="{FF2B5EF4-FFF2-40B4-BE49-F238E27FC236}">
+                <a16:creationId xmlns:a16="http://schemas.microsoft.com/office/drawing/2014/main" id="{261A23CC-3D3C-5E92-8B43-1F3C6DF33DFF}"/>
+              </a:ext>
+            </a:extLst>
+          </p:cNvPr>
+          <p:cNvSpPr>
+            <a:spLocks noGrp="1"/>
+          </p:cNvSpPr>
+          <p:nvPr>
+            <p:ph type="title"/>
+          </p:nvPr>
+        </p:nvSpPr>
+        <p:spPr/>
+        <p:txBody>
+          <a:bodyPr/>
+          <a:lstStyle/>
+          <a:p>
+            <a:r>
+              <a:rPr lang="ko-KR" altLang="en-US"/>
+              <a:t>총 페이지 개수 계산</a:t>
+            </a:r>
+          </a:p>
+        </p:txBody>
+      </p:sp>
+      <p:sp>
+        <p:nvSpPr>
+          <p:cNvPr id="6" name="TextBox 5">
+            <a:extLst>
+              <a:ext uri="{FF2B5EF4-FFF2-40B4-BE49-F238E27FC236}">
+                <a16:creationId xmlns:a16="http://schemas.microsoft.com/office/drawing/2014/main" id="{F59B5541-C149-B16F-FC99-8F716C95161B}"/>
+              </a:ext>
+            </a:extLst>
+          </p:cNvPr>
+          <p:cNvSpPr txBox="1"/>
+          <p:nvPr/>
+        </p:nvSpPr>
+        <p:spPr>
+          <a:xfrm>
+            <a:off x="514318" y="2051244"/>
+            <a:ext cx="10693953" cy="369332"/>
+          </a:xfrm>
+          <a:prstGeom prst="rect">
+            <a:avLst/>
+          </a:prstGeom>
+          <a:noFill/>
+        </p:spPr>
+        <p:txBody>
+          <a:bodyPr wrap="none" rtlCol="0">
+            <a:spAutoFit/>
+          </a:bodyPr>
+          <a:lstStyle/>
+          <a:p>
+            <a:r>
+              <a:rPr lang="ko-KR" altLang="en-US" b="0" i="0">
+                <a:solidFill>
+                  <a:srgbClr val="333333"/>
+                </a:solidFill>
+                <a:effectLst/>
+                <a:latin typeface="Courier New" panose="02070309020205020404" pitchFamily="49" charset="0"/>
+              </a:rPr>
+              <a:t>총 페이지 수 </a:t>
+            </a:r>
+            <a:r>
+              <a:rPr lang="en-US" altLang="ko-KR" b="0" i="0">
+                <a:solidFill>
+                  <a:srgbClr val="333333"/>
+                </a:solidFill>
+                <a:effectLst/>
+                <a:latin typeface="Courier New" panose="02070309020205020404" pitchFamily="49" charset="0"/>
+              </a:rPr>
+              <a:t>= Math.ceil(</a:t>
+            </a:r>
+            <a:r>
+              <a:rPr lang="ko-KR" altLang="en-US" b="0" i="0">
+                <a:solidFill>
+                  <a:srgbClr val="333333"/>
+                </a:solidFill>
+                <a:effectLst/>
+                <a:latin typeface="Courier New" panose="02070309020205020404" pitchFamily="49" charset="0"/>
+              </a:rPr>
+              <a:t>전체 컨텐츠 개수 </a:t>
+            </a:r>
+            <a:r>
+              <a:rPr lang="en-US" altLang="ko-KR" b="0" i="0">
+                <a:solidFill>
+                  <a:srgbClr val="333333"/>
+                </a:solidFill>
+                <a:effectLst/>
+                <a:latin typeface="Courier New" panose="02070309020205020404" pitchFamily="49" charset="0"/>
+              </a:rPr>
+              <a:t>/ </a:t>
+            </a:r>
+            <a:r>
+              <a:rPr lang="ko-KR" altLang="en-US" b="0" i="0">
+                <a:solidFill>
+                  <a:srgbClr val="333333"/>
+                </a:solidFill>
+                <a:effectLst/>
+                <a:latin typeface="Courier New" panose="02070309020205020404" pitchFamily="49" charset="0"/>
+              </a:rPr>
+              <a:t>한 페이지에 보여주고자 하는 컨텐츠의 개수</a:t>
+            </a:r>
+            <a:r>
+              <a:rPr lang="en-US" altLang="ko-KR" b="0" i="0">
+                <a:solidFill>
+                  <a:srgbClr val="333333"/>
+                </a:solidFill>
+                <a:effectLst/>
+                <a:latin typeface="Courier New" panose="02070309020205020404" pitchFamily="49" charset="0"/>
+              </a:rPr>
+              <a:t>)</a:t>
+            </a:r>
+            <a:endParaRPr lang="ko-KR" altLang="en-US"/>
+          </a:p>
+        </p:txBody>
+      </p:sp>
+      <p:sp>
+        <p:nvSpPr>
+          <p:cNvPr id="8" name="직사각형 7">
+            <a:extLst>
+              <a:ext uri="{FF2B5EF4-FFF2-40B4-BE49-F238E27FC236}">
+                <a16:creationId xmlns:a16="http://schemas.microsoft.com/office/drawing/2014/main" id="{36743D19-B9AB-757C-D453-D37840F53BAE}"/>
               </a:ext>
             </a:extLst>
           </p:cNvPr>
@@ -6612,7 +5696,7 @@
         </p:nvSpPr>
         <p:spPr>
           <a:xfrm>
-            <a:off x="940279" y="1337093"/>
+            <a:off x="616258" y="3057197"/>
             <a:ext cx="672861" cy="672861"/>
           </a:xfrm>
           <a:prstGeom prst="rect">
@@ -6654,10 +5738,10 @@
       </p:sp>
       <p:sp>
         <p:nvSpPr>
-          <p:cNvPr id="3" name="직사각형 2">
-            <a:extLst>
-              <a:ext uri="{FF2B5EF4-FFF2-40B4-BE49-F238E27FC236}">
-                <a16:creationId xmlns:a16="http://schemas.microsoft.com/office/drawing/2014/main" id="{28F246FD-994B-2D12-97FD-65C12E90B3EA}"/>
+          <p:cNvPr id="9" name="직사각형 8">
+            <a:extLst>
+              <a:ext uri="{FF2B5EF4-FFF2-40B4-BE49-F238E27FC236}">
+                <a16:creationId xmlns:a16="http://schemas.microsoft.com/office/drawing/2014/main" id="{48AFEFD4-F531-9E06-1BCF-F7AA81F3A9DD}"/>
               </a:ext>
             </a:extLst>
           </p:cNvPr>
@@ -6666,7 +5750,7 @@
         </p:nvSpPr>
         <p:spPr>
           <a:xfrm>
-            <a:off x="1897811" y="1337093"/>
+            <a:off x="1573790" y="3057197"/>
             <a:ext cx="672861" cy="672861"/>
           </a:xfrm>
           <a:prstGeom prst="rect">
@@ -6708,10 +5792,10 @@
       </p:sp>
       <p:sp>
         <p:nvSpPr>
-          <p:cNvPr id="4" name="직사각형 3">
-            <a:extLst>
-              <a:ext uri="{FF2B5EF4-FFF2-40B4-BE49-F238E27FC236}">
-                <a16:creationId xmlns:a16="http://schemas.microsoft.com/office/drawing/2014/main" id="{AD169C6C-CD84-A568-28FE-B8E5020ABFD5}"/>
+          <p:cNvPr id="10" name="직사각형 9">
+            <a:extLst>
+              <a:ext uri="{FF2B5EF4-FFF2-40B4-BE49-F238E27FC236}">
+                <a16:creationId xmlns:a16="http://schemas.microsoft.com/office/drawing/2014/main" id="{73A9844A-EA63-5EF8-7E92-914DB586C829}"/>
               </a:ext>
             </a:extLst>
           </p:cNvPr>
@@ -6720,7 +5804,7 @@
         </p:nvSpPr>
         <p:spPr>
           <a:xfrm>
-            <a:off x="2855343" y="1337093"/>
+            <a:off x="2531322" y="3057197"/>
             <a:ext cx="672861" cy="672861"/>
           </a:xfrm>
           <a:prstGeom prst="rect">
@@ -6762,10 +5846,10 @@
       </p:sp>
       <p:sp>
         <p:nvSpPr>
-          <p:cNvPr id="5" name="직사각형 4">
-            <a:extLst>
-              <a:ext uri="{FF2B5EF4-FFF2-40B4-BE49-F238E27FC236}">
-                <a16:creationId xmlns:a16="http://schemas.microsoft.com/office/drawing/2014/main" id="{3F8DED9C-E436-8949-0946-DBF57C38B1F3}"/>
+          <p:cNvPr id="11" name="직사각형 10">
+            <a:extLst>
+              <a:ext uri="{FF2B5EF4-FFF2-40B4-BE49-F238E27FC236}">
+                <a16:creationId xmlns:a16="http://schemas.microsoft.com/office/drawing/2014/main" id="{A208A584-D73E-3ADD-DA41-AE014765BB24}"/>
               </a:ext>
             </a:extLst>
           </p:cNvPr>
@@ -6774,7 +5858,7 @@
         </p:nvSpPr>
         <p:spPr>
           <a:xfrm>
-            <a:off x="3769742" y="1337093"/>
+            <a:off x="3445721" y="3057197"/>
             <a:ext cx="672861" cy="672861"/>
           </a:xfrm>
           <a:prstGeom prst="rect">
@@ -6816,10 +5900,10 @@
       </p:sp>
       <p:sp>
         <p:nvSpPr>
-          <p:cNvPr id="6" name="직사각형 5">
-            <a:extLst>
-              <a:ext uri="{FF2B5EF4-FFF2-40B4-BE49-F238E27FC236}">
-                <a16:creationId xmlns:a16="http://schemas.microsoft.com/office/drawing/2014/main" id="{D317DE39-EE7B-7EA5-05AB-7393F78CF948}"/>
+          <p:cNvPr id="12" name="직사각형 11">
+            <a:extLst>
+              <a:ext uri="{FF2B5EF4-FFF2-40B4-BE49-F238E27FC236}">
+                <a16:creationId xmlns:a16="http://schemas.microsoft.com/office/drawing/2014/main" id="{417853AE-AC58-D225-064B-3DD6C41D60CA}"/>
               </a:ext>
             </a:extLst>
           </p:cNvPr>
@@ -6828,7 +5912,7 @@
         </p:nvSpPr>
         <p:spPr>
           <a:xfrm>
-            <a:off x="4761780" y="1337093"/>
+            <a:off x="4437759" y="3057197"/>
             <a:ext cx="672861" cy="672861"/>
           </a:xfrm>
           <a:prstGeom prst="rect">
@@ -6870,10 +5954,10 @@
       </p:sp>
       <p:sp>
         <p:nvSpPr>
-          <p:cNvPr id="7" name="직사각형 6">
-            <a:extLst>
-              <a:ext uri="{FF2B5EF4-FFF2-40B4-BE49-F238E27FC236}">
-                <a16:creationId xmlns:a16="http://schemas.microsoft.com/office/drawing/2014/main" id="{EAA031AB-7A1B-05A5-FAF2-D85F9FDDAA2A}"/>
+          <p:cNvPr id="13" name="직사각형 12">
+            <a:extLst>
+              <a:ext uri="{FF2B5EF4-FFF2-40B4-BE49-F238E27FC236}">
+                <a16:creationId xmlns:a16="http://schemas.microsoft.com/office/drawing/2014/main" id="{8F377108-7EEA-1B72-1950-541D48DE5E83}"/>
               </a:ext>
             </a:extLst>
           </p:cNvPr>
@@ -6882,7 +5966,7 @@
         </p:nvSpPr>
         <p:spPr>
           <a:xfrm>
-            <a:off x="940279" y="2380890"/>
+            <a:off x="616258" y="4100994"/>
             <a:ext cx="672861" cy="672861"/>
           </a:xfrm>
           <a:prstGeom prst="rect">
@@ -6924,10 +6008,10 @@
       </p:sp>
       <p:sp>
         <p:nvSpPr>
-          <p:cNvPr id="8" name="직사각형 7">
-            <a:extLst>
-              <a:ext uri="{FF2B5EF4-FFF2-40B4-BE49-F238E27FC236}">
-                <a16:creationId xmlns:a16="http://schemas.microsoft.com/office/drawing/2014/main" id="{0A4B1BE6-76A6-2B8C-0A12-10724DD46743}"/>
+          <p:cNvPr id="14" name="직사각형 13">
+            <a:extLst>
+              <a:ext uri="{FF2B5EF4-FFF2-40B4-BE49-F238E27FC236}">
+                <a16:creationId xmlns:a16="http://schemas.microsoft.com/office/drawing/2014/main" id="{3CFAF0A2-EF28-1299-4A8C-734DC9D79F4C}"/>
               </a:ext>
             </a:extLst>
           </p:cNvPr>
@@ -6936,7 +6020,7 @@
         </p:nvSpPr>
         <p:spPr>
           <a:xfrm>
-            <a:off x="1897811" y="2380890"/>
+            <a:off x="1573790" y="4100994"/>
             <a:ext cx="672861" cy="672861"/>
           </a:xfrm>
           <a:prstGeom prst="rect">
@@ -6978,10 +6062,10 @@
       </p:sp>
       <p:sp>
         <p:nvSpPr>
-          <p:cNvPr id="9" name="직사각형 8">
-            <a:extLst>
-              <a:ext uri="{FF2B5EF4-FFF2-40B4-BE49-F238E27FC236}">
-                <a16:creationId xmlns:a16="http://schemas.microsoft.com/office/drawing/2014/main" id="{C9239A70-B344-C5CC-654F-2673F9052D9D}"/>
+          <p:cNvPr id="15" name="직사각형 14">
+            <a:extLst>
+              <a:ext uri="{FF2B5EF4-FFF2-40B4-BE49-F238E27FC236}">
+                <a16:creationId xmlns:a16="http://schemas.microsoft.com/office/drawing/2014/main" id="{AD8B4E84-B261-8B43-766B-28225E1D7393}"/>
               </a:ext>
             </a:extLst>
           </p:cNvPr>
@@ -6990,7 +6074,7 @@
         </p:nvSpPr>
         <p:spPr>
           <a:xfrm>
-            <a:off x="2855343" y="2380890"/>
+            <a:off x="2531322" y="4100994"/>
             <a:ext cx="672861" cy="672861"/>
           </a:xfrm>
           <a:prstGeom prst="rect">
@@ -7032,10 +6116,10 @@
       </p:sp>
       <p:sp>
         <p:nvSpPr>
-          <p:cNvPr id="10" name="직사각형 9">
-            <a:extLst>
-              <a:ext uri="{FF2B5EF4-FFF2-40B4-BE49-F238E27FC236}">
-                <a16:creationId xmlns:a16="http://schemas.microsoft.com/office/drawing/2014/main" id="{87BE5BA0-4567-ED94-46A2-590A06979FE0}"/>
+          <p:cNvPr id="16" name="직사각형 15">
+            <a:extLst>
+              <a:ext uri="{FF2B5EF4-FFF2-40B4-BE49-F238E27FC236}">
+                <a16:creationId xmlns:a16="http://schemas.microsoft.com/office/drawing/2014/main" id="{C8FF1ED4-A762-6D9D-B209-DC02287C187D}"/>
               </a:ext>
             </a:extLst>
           </p:cNvPr>
@@ -7044,7 +6128,7 @@
         </p:nvSpPr>
         <p:spPr>
           <a:xfrm>
-            <a:off x="3769742" y="2380890"/>
+            <a:off x="3445721" y="4100994"/>
             <a:ext cx="672861" cy="672861"/>
           </a:xfrm>
           <a:prstGeom prst="rect">
@@ -7086,10 +6170,10 @@
       </p:sp>
       <p:sp>
         <p:nvSpPr>
-          <p:cNvPr id="11" name="직사각형 10">
-            <a:extLst>
-              <a:ext uri="{FF2B5EF4-FFF2-40B4-BE49-F238E27FC236}">
-                <a16:creationId xmlns:a16="http://schemas.microsoft.com/office/drawing/2014/main" id="{CC7F968D-AD13-04AE-F688-F94DB3977CA6}"/>
+          <p:cNvPr id="17" name="직사각형 16">
+            <a:extLst>
+              <a:ext uri="{FF2B5EF4-FFF2-40B4-BE49-F238E27FC236}">
+                <a16:creationId xmlns:a16="http://schemas.microsoft.com/office/drawing/2014/main" id="{5DE444AE-077B-59D6-7FB4-837816A07226}"/>
               </a:ext>
             </a:extLst>
           </p:cNvPr>
@@ -7098,7 +6182,7 @@
         </p:nvSpPr>
         <p:spPr>
           <a:xfrm>
-            <a:off x="4761780" y="2380890"/>
+            <a:off x="4437759" y="4100994"/>
             <a:ext cx="672861" cy="672861"/>
           </a:xfrm>
           <a:prstGeom prst="rect">
@@ -7140,10 +6224,10 @@
       </p:sp>
       <p:sp>
         <p:nvSpPr>
-          <p:cNvPr id="12" name="직사각형 11">
-            <a:extLst>
-              <a:ext uri="{FF2B5EF4-FFF2-40B4-BE49-F238E27FC236}">
-                <a16:creationId xmlns:a16="http://schemas.microsoft.com/office/drawing/2014/main" id="{1E8CFBAA-F604-F8DB-C114-5BB2F3C5ED53}"/>
+          <p:cNvPr id="18" name="직사각형 17">
+            <a:extLst>
+              <a:ext uri="{FF2B5EF4-FFF2-40B4-BE49-F238E27FC236}">
+                <a16:creationId xmlns:a16="http://schemas.microsoft.com/office/drawing/2014/main" id="{2472317D-3C4D-7027-DB41-64537AD8BD4E}"/>
               </a:ext>
             </a:extLst>
           </p:cNvPr>
@@ -7152,7 +6236,1797 @@
         </p:nvSpPr>
         <p:spPr>
           <a:xfrm>
-            <a:off x="940279" y="3364301"/>
+            <a:off x="616258" y="5084405"/>
+            <a:ext cx="672861" cy="672861"/>
+          </a:xfrm>
+          <a:prstGeom prst="rect">
+            <a:avLst/>
+          </a:prstGeom>
+          <a:solidFill>
+            <a:schemeClr val="accent4">
+              <a:lumMod val="20000"/>
+              <a:lumOff val="80000"/>
+            </a:schemeClr>
+          </a:solidFill>
+        </p:spPr>
+        <p:style>
+          <a:lnRef idx="2">
+            <a:schemeClr val="dk1"/>
+          </a:lnRef>
+          <a:fillRef idx="1">
+            <a:schemeClr val="lt1"/>
+          </a:fillRef>
+          <a:effectRef idx="0">
+            <a:schemeClr val="dk1"/>
+          </a:effectRef>
+          <a:fontRef idx="minor">
+            <a:schemeClr val="dk1"/>
+          </a:fontRef>
+        </p:style>
+        <p:txBody>
+          <a:bodyPr rtlCol="0" anchor="ctr"/>
+          <a:lstStyle/>
+          <a:p>
+            <a:pPr algn="ctr"/>
+            <a:r>
+              <a:rPr lang="en-US" altLang="ko-KR"/>
+              <a:t>11</a:t>
+            </a:r>
+            <a:endParaRPr lang="ko-KR" altLang="en-US"/>
+          </a:p>
+        </p:txBody>
+      </p:sp>
+      <p:sp>
+        <p:nvSpPr>
+          <p:cNvPr id="19" name="직사각형 18">
+            <a:extLst>
+              <a:ext uri="{FF2B5EF4-FFF2-40B4-BE49-F238E27FC236}">
+                <a16:creationId xmlns:a16="http://schemas.microsoft.com/office/drawing/2014/main" id="{63EFD8D3-12D1-9B40-05E2-C8043863766B}"/>
+              </a:ext>
+            </a:extLst>
+          </p:cNvPr>
+          <p:cNvSpPr/>
+          <p:nvPr/>
+        </p:nvSpPr>
+        <p:spPr>
+          <a:xfrm>
+            <a:off x="1573790" y="5084405"/>
+            <a:ext cx="672861" cy="672861"/>
+          </a:xfrm>
+          <a:prstGeom prst="rect">
+            <a:avLst/>
+          </a:prstGeom>
+          <a:solidFill>
+            <a:schemeClr val="accent4">
+              <a:lumMod val="20000"/>
+              <a:lumOff val="80000"/>
+            </a:schemeClr>
+          </a:solidFill>
+        </p:spPr>
+        <p:style>
+          <a:lnRef idx="2">
+            <a:schemeClr val="dk1"/>
+          </a:lnRef>
+          <a:fillRef idx="1">
+            <a:schemeClr val="lt1"/>
+          </a:fillRef>
+          <a:effectRef idx="0">
+            <a:schemeClr val="dk1"/>
+          </a:effectRef>
+          <a:fontRef idx="minor">
+            <a:schemeClr val="dk1"/>
+          </a:fontRef>
+        </p:style>
+        <p:txBody>
+          <a:bodyPr rtlCol="0" anchor="ctr"/>
+          <a:lstStyle/>
+          <a:p>
+            <a:pPr algn="ctr"/>
+            <a:r>
+              <a:rPr lang="en-US" altLang="ko-KR"/>
+              <a:t>12</a:t>
+            </a:r>
+            <a:endParaRPr lang="ko-KR" altLang="en-US"/>
+          </a:p>
+        </p:txBody>
+      </p:sp>
+      <p:sp>
+        <p:nvSpPr>
+          <p:cNvPr id="20" name="TextBox 19">
+            <a:extLst>
+              <a:ext uri="{FF2B5EF4-FFF2-40B4-BE49-F238E27FC236}">
+                <a16:creationId xmlns:a16="http://schemas.microsoft.com/office/drawing/2014/main" id="{D7B98E2D-D33F-7818-C8C6-2588978E100A}"/>
+              </a:ext>
+            </a:extLst>
+          </p:cNvPr>
+          <p:cNvSpPr txBox="1"/>
+          <p:nvPr/>
+        </p:nvSpPr>
+        <p:spPr>
+          <a:xfrm>
+            <a:off x="5771979" y="2919176"/>
+            <a:ext cx="2669320" cy="369332"/>
+          </a:xfrm>
+          <a:prstGeom prst="rect">
+            <a:avLst/>
+          </a:prstGeom>
+          <a:noFill/>
+        </p:spPr>
+        <p:txBody>
+          <a:bodyPr wrap="none" rtlCol="0">
+            <a:spAutoFit/>
+          </a:bodyPr>
+          <a:lstStyle/>
+          <a:p>
+            <a:r>
+              <a:rPr lang="ko-KR" altLang="en-US"/>
+              <a:t>전체 컨텐츠 개수 </a:t>
+            </a:r>
+            <a:r>
+              <a:rPr lang="en-US" altLang="ko-KR"/>
+              <a:t>= 123</a:t>
+            </a:r>
+            <a:endParaRPr lang="ko-KR" altLang="en-US"/>
+          </a:p>
+        </p:txBody>
+      </p:sp>
+      <p:sp>
+        <p:nvSpPr>
+          <p:cNvPr id="21" name="TextBox 20">
+            <a:extLst>
+              <a:ext uri="{FF2B5EF4-FFF2-40B4-BE49-F238E27FC236}">
+                <a16:creationId xmlns:a16="http://schemas.microsoft.com/office/drawing/2014/main" id="{FAE30A8D-60B8-32B2-2114-311DAF762701}"/>
+              </a:ext>
+            </a:extLst>
+          </p:cNvPr>
+          <p:cNvSpPr txBox="1"/>
+          <p:nvPr/>
+        </p:nvSpPr>
+        <p:spPr>
+          <a:xfrm>
+            <a:off x="5771979" y="3545392"/>
+            <a:ext cx="4322017" cy="369332"/>
+          </a:xfrm>
+          <a:prstGeom prst="rect">
+            <a:avLst/>
+          </a:prstGeom>
+          <a:noFill/>
+        </p:spPr>
+        <p:txBody>
+          <a:bodyPr wrap="none" rtlCol="0">
+            <a:spAutoFit/>
+          </a:bodyPr>
+          <a:lstStyle/>
+          <a:p>
+            <a:r>
+              <a:rPr lang="ko-KR" altLang="en-US"/>
+              <a:t>한 페이지에 보여줄 컨텐츠의 개수 </a:t>
+            </a:r>
+            <a:r>
+              <a:rPr lang="en-US" altLang="ko-KR"/>
+              <a:t>= 10</a:t>
+            </a:r>
+            <a:endParaRPr lang="ko-KR" altLang="en-US"/>
+          </a:p>
+        </p:txBody>
+      </p:sp>
+      <p:sp>
+        <p:nvSpPr>
+          <p:cNvPr id="22" name="TextBox 21">
+            <a:extLst>
+              <a:ext uri="{FF2B5EF4-FFF2-40B4-BE49-F238E27FC236}">
+                <a16:creationId xmlns:a16="http://schemas.microsoft.com/office/drawing/2014/main" id="{7DAB6F8A-685F-BFDB-BD04-703E53402ACC}"/>
+              </a:ext>
+            </a:extLst>
+          </p:cNvPr>
+          <p:cNvSpPr txBox="1"/>
+          <p:nvPr/>
+        </p:nvSpPr>
+        <p:spPr>
+          <a:xfrm>
+            <a:off x="5771979" y="4171608"/>
+            <a:ext cx="4376519" cy="369332"/>
+          </a:xfrm>
+          <a:prstGeom prst="rect">
+            <a:avLst/>
+          </a:prstGeom>
+          <a:noFill/>
+        </p:spPr>
+        <p:txBody>
+          <a:bodyPr wrap="none" rtlCol="0">
+            <a:spAutoFit/>
+          </a:bodyPr>
+          <a:lstStyle/>
+          <a:p>
+            <a:r>
+              <a:rPr lang="ko-KR" altLang="en-US">
+                <a:solidFill>
+                  <a:srgbClr val="FF0000"/>
+                </a:solidFill>
+              </a:rPr>
+              <a:t>총 페이지 수 </a:t>
+            </a:r>
+            <a:r>
+              <a:rPr lang="en-US" altLang="ko-KR">
+                <a:solidFill>
+                  <a:srgbClr val="FF0000"/>
+                </a:solidFill>
+              </a:rPr>
+              <a:t>= Math.ceil(123 / 10) = 13</a:t>
+            </a:r>
+            <a:endParaRPr lang="ko-KR" altLang="en-US">
+              <a:solidFill>
+                <a:srgbClr val="FF0000"/>
+              </a:solidFill>
+            </a:endParaRPr>
+          </a:p>
+        </p:txBody>
+      </p:sp>
+      <p:sp>
+        <p:nvSpPr>
+          <p:cNvPr id="3" name="직사각형 2">
+            <a:extLst>
+              <a:ext uri="{FF2B5EF4-FFF2-40B4-BE49-F238E27FC236}">
+                <a16:creationId xmlns:a16="http://schemas.microsoft.com/office/drawing/2014/main" id="{D9C83ED5-6505-820C-8A7A-CAA12CEC2A55}"/>
+              </a:ext>
+            </a:extLst>
+          </p:cNvPr>
+          <p:cNvSpPr/>
+          <p:nvPr/>
+        </p:nvSpPr>
+        <p:spPr>
+          <a:xfrm>
+            <a:off x="2531321" y="5084405"/>
+            <a:ext cx="672861" cy="672861"/>
+          </a:xfrm>
+          <a:prstGeom prst="rect">
+            <a:avLst/>
+          </a:prstGeom>
+          <a:solidFill>
+            <a:schemeClr val="accent4">
+              <a:lumMod val="20000"/>
+              <a:lumOff val="80000"/>
+            </a:schemeClr>
+          </a:solidFill>
+        </p:spPr>
+        <p:style>
+          <a:lnRef idx="2">
+            <a:schemeClr val="dk1"/>
+          </a:lnRef>
+          <a:fillRef idx="1">
+            <a:schemeClr val="lt1"/>
+          </a:fillRef>
+          <a:effectRef idx="0">
+            <a:schemeClr val="dk1"/>
+          </a:effectRef>
+          <a:fontRef idx="minor">
+            <a:schemeClr val="dk1"/>
+          </a:fontRef>
+        </p:style>
+        <p:txBody>
+          <a:bodyPr rtlCol="0" anchor="ctr"/>
+          <a:lstStyle/>
+          <a:p>
+            <a:pPr algn="ctr"/>
+            <a:r>
+              <a:rPr lang="en-US" altLang="ko-KR"/>
+              <a:t>13</a:t>
+            </a:r>
+            <a:endParaRPr lang="ko-KR" altLang="en-US"/>
+          </a:p>
+        </p:txBody>
+      </p:sp>
+    </p:spTree>
+    <p:extLst>
+      <p:ext uri="{BB962C8B-B14F-4D97-AF65-F5344CB8AC3E}">
+        <p14:creationId xmlns:p14="http://schemas.microsoft.com/office/powerpoint/2010/main" val="2268893749"/>
+      </p:ext>
+    </p:extLst>
+  </p:cSld>
+  <p:clrMapOvr>
+    <a:masterClrMapping/>
+  </p:clrMapOvr>
+</p:sld>
+</file>
+
+<file path=ppt/slides/slide7.xml><?xml version="1.0" encoding="utf-8"?>
+<p:sld xmlns:a="http://schemas.openxmlformats.org/drawingml/2006/main" xmlns:r="http://schemas.openxmlformats.org/officeDocument/2006/relationships" xmlns:p="http://schemas.openxmlformats.org/presentationml/2006/main">
+  <p:cSld>
+    <p:spTree>
+      <p:nvGrpSpPr>
+        <p:cNvPr id="1" name=""/>
+        <p:cNvGrpSpPr/>
+        <p:nvPr/>
+      </p:nvGrpSpPr>
+      <p:grpSpPr>
+        <a:xfrm>
+          <a:off x="0" y="0"/>
+          <a:ext cx="0" cy="0"/>
+          <a:chOff x="0" y="0"/>
+          <a:chExt cx="0" cy="0"/>
+        </a:xfrm>
+      </p:grpSpPr>
+      <p:sp>
+        <p:nvSpPr>
+          <p:cNvPr id="2" name="제목 1">
+            <a:extLst>
+              <a:ext uri="{FF2B5EF4-FFF2-40B4-BE49-F238E27FC236}">
+                <a16:creationId xmlns:a16="http://schemas.microsoft.com/office/drawing/2014/main" id="{261A23CC-3D3C-5E92-8B43-1F3C6DF33DFF}"/>
+              </a:ext>
+            </a:extLst>
+          </p:cNvPr>
+          <p:cNvSpPr>
+            <a:spLocks noGrp="1"/>
+          </p:cNvSpPr>
+          <p:nvPr>
+            <p:ph type="title"/>
+          </p:nvPr>
+        </p:nvSpPr>
+        <p:spPr/>
+        <p:txBody>
+          <a:bodyPr/>
+          <a:lstStyle/>
+          <a:p>
+            <a:pPr algn="l"/>
+            <a:r>
+              <a:rPr lang="ko-KR" altLang="en-US" b="0" i="0">
+                <a:effectLst/>
+                <a:latin typeface="Avenir"/>
+              </a:rPr>
+              <a:t>페이지 그룹 계산</a:t>
+            </a:r>
+          </a:p>
+        </p:txBody>
+      </p:sp>
+      <p:sp>
+        <p:nvSpPr>
+          <p:cNvPr id="23" name="TextBox 22">
+            <a:extLst>
+              <a:ext uri="{FF2B5EF4-FFF2-40B4-BE49-F238E27FC236}">
+                <a16:creationId xmlns:a16="http://schemas.microsoft.com/office/drawing/2014/main" id="{7FCBF4EB-7E53-AFFE-DE7E-CDC8D5BF2875}"/>
+              </a:ext>
+            </a:extLst>
+          </p:cNvPr>
+          <p:cNvSpPr txBox="1"/>
+          <p:nvPr/>
+        </p:nvSpPr>
+        <p:spPr>
+          <a:xfrm>
+            <a:off x="749023" y="1792452"/>
+            <a:ext cx="10693953" cy="369332"/>
+          </a:xfrm>
+          <a:prstGeom prst="rect">
+            <a:avLst/>
+          </a:prstGeom>
+          <a:noFill/>
+        </p:spPr>
+        <p:txBody>
+          <a:bodyPr wrap="none" rtlCol="0">
+            <a:spAutoFit/>
+          </a:bodyPr>
+          <a:lstStyle/>
+          <a:p>
+            <a:r>
+              <a:rPr lang="ko-KR" altLang="en-US" b="0" i="0">
+                <a:solidFill>
+                  <a:srgbClr val="333333"/>
+                </a:solidFill>
+                <a:effectLst/>
+                <a:latin typeface="Courier New" panose="02070309020205020404" pitchFamily="49" charset="0"/>
+              </a:rPr>
+              <a:t>화면에 보여질 페이지 그룹 </a:t>
+            </a:r>
+            <a:r>
+              <a:rPr lang="en-US" altLang="ko-KR" b="0" i="0">
+                <a:solidFill>
+                  <a:srgbClr val="333333"/>
+                </a:solidFill>
+                <a:effectLst/>
+                <a:latin typeface="Courier New" panose="02070309020205020404" pitchFamily="49" charset="0"/>
+              </a:rPr>
+              <a:t>= Math.ceil(</a:t>
+            </a:r>
+            <a:r>
+              <a:rPr lang="ko-KR" altLang="en-US" b="0" i="0">
+                <a:solidFill>
+                  <a:srgbClr val="333333"/>
+                </a:solidFill>
+                <a:effectLst/>
+                <a:latin typeface="Courier New" panose="02070309020205020404" pitchFamily="49" charset="0"/>
+              </a:rPr>
+              <a:t>현재 페이지 번호 </a:t>
+            </a:r>
+            <a:r>
+              <a:rPr lang="en-US" altLang="ko-KR" b="0" i="0">
+                <a:solidFill>
+                  <a:srgbClr val="333333"/>
+                </a:solidFill>
+                <a:effectLst/>
+                <a:latin typeface="Courier New" panose="02070309020205020404" pitchFamily="49" charset="0"/>
+              </a:rPr>
+              <a:t>/ </a:t>
+            </a:r>
+            <a:r>
+              <a:rPr lang="ko-KR" altLang="en-US" b="0" i="0">
+                <a:solidFill>
+                  <a:srgbClr val="333333"/>
+                </a:solidFill>
+                <a:effectLst/>
+                <a:latin typeface="Courier New" panose="02070309020205020404" pitchFamily="49" charset="0"/>
+              </a:rPr>
+              <a:t>한 화면에 보여질 페이지 개수</a:t>
+            </a:r>
+            <a:r>
+              <a:rPr lang="en-US" altLang="ko-KR" b="0" i="0">
+                <a:solidFill>
+                  <a:srgbClr val="333333"/>
+                </a:solidFill>
+                <a:effectLst/>
+                <a:latin typeface="Courier New" panose="02070309020205020404" pitchFamily="49" charset="0"/>
+              </a:rPr>
+              <a:t>)</a:t>
+            </a:r>
+            <a:endParaRPr lang="ko-KR" altLang="en-US"/>
+          </a:p>
+        </p:txBody>
+      </p:sp>
+      <p:sp>
+        <p:nvSpPr>
+          <p:cNvPr id="24" name="직사각형 23">
+            <a:extLst>
+              <a:ext uri="{FF2B5EF4-FFF2-40B4-BE49-F238E27FC236}">
+                <a16:creationId xmlns:a16="http://schemas.microsoft.com/office/drawing/2014/main" id="{A808DDDD-3140-B25F-0411-DC83DCDE2A92}"/>
+              </a:ext>
+            </a:extLst>
+          </p:cNvPr>
+          <p:cNvSpPr/>
+          <p:nvPr/>
+        </p:nvSpPr>
+        <p:spPr>
+          <a:xfrm>
+            <a:off x="1007815" y="2665561"/>
+            <a:ext cx="672861" cy="672861"/>
+          </a:xfrm>
+          <a:prstGeom prst="rect">
+            <a:avLst/>
+          </a:prstGeom>
+          <a:solidFill>
+            <a:schemeClr val="accent4">
+              <a:lumMod val="20000"/>
+              <a:lumOff val="80000"/>
+            </a:schemeClr>
+          </a:solidFill>
+        </p:spPr>
+        <p:style>
+          <a:lnRef idx="2">
+            <a:schemeClr val="dk1"/>
+          </a:lnRef>
+          <a:fillRef idx="1">
+            <a:schemeClr val="lt1"/>
+          </a:fillRef>
+          <a:effectRef idx="0">
+            <a:schemeClr val="dk1"/>
+          </a:effectRef>
+          <a:fontRef idx="minor">
+            <a:schemeClr val="dk1"/>
+          </a:fontRef>
+        </p:style>
+        <p:txBody>
+          <a:bodyPr rtlCol="0" anchor="ctr"/>
+          <a:lstStyle/>
+          <a:p>
+            <a:pPr algn="ctr"/>
+            <a:r>
+              <a:rPr lang="en-US" altLang="ko-KR"/>
+              <a:t>1</a:t>
+            </a:r>
+            <a:endParaRPr lang="ko-KR" altLang="en-US"/>
+          </a:p>
+        </p:txBody>
+      </p:sp>
+      <p:sp>
+        <p:nvSpPr>
+          <p:cNvPr id="25" name="직사각형 24">
+            <a:extLst>
+              <a:ext uri="{FF2B5EF4-FFF2-40B4-BE49-F238E27FC236}">
+                <a16:creationId xmlns:a16="http://schemas.microsoft.com/office/drawing/2014/main" id="{AAADA62C-3216-D501-B2A1-64B159DFBCB1}"/>
+              </a:ext>
+            </a:extLst>
+          </p:cNvPr>
+          <p:cNvSpPr/>
+          <p:nvPr/>
+        </p:nvSpPr>
+        <p:spPr>
+          <a:xfrm>
+            <a:off x="1965347" y="2665561"/>
+            <a:ext cx="672861" cy="672861"/>
+          </a:xfrm>
+          <a:prstGeom prst="rect">
+            <a:avLst/>
+          </a:prstGeom>
+          <a:solidFill>
+            <a:schemeClr val="accent4">
+              <a:lumMod val="20000"/>
+              <a:lumOff val="80000"/>
+            </a:schemeClr>
+          </a:solidFill>
+        </p:spPr>
+        <p:style>
+          <a:lnRef idx="2">
+            <a:schemeClr val="dk1"/>
+          </a:lnRef>
+          <a:fillRef idx="1">
+            <a:schemeClr val="lt1"/>
+          </a:fillRef>
+          <a:effectRef idx="0">
+            <a:schemeClr val="dk1"/>
+          </a:effectRef>
+          <a:fontRef idx="minor">
+            <a:schemeClr val="dk1"/>
+          </a:fontRef>
+        </p:style>
+        <p:txBody>
+          <a:bodyPr rtlCol="0" anchor="ctr"/>
+          <a:lstStyle/>
+          <a:p>
+            <a:pPr algn="ctr"/>
+            <a:r>
+              <a:rPr lang="en-US" altLang="ko-KR"/>
+              <a:t>2</a:t>
+            </a:r>
+            <a:endParaRPr lang="ko-KR" altLang="en-US"/>
+          </a:p>
+        </p:txBody>
+      </p:sp>
+      <p:sp>
+        <p:nvSpPr>
+          <p:cNvPr id="26" name="직사각형 25">
+            <a:extLst>
+              <a:ext uri="{FF2B5EF4-FFF2-40B4-BE49-F238E27FC236}">
+                <a16:creationId xmlns:a16="http://schemas.microsoft.com/office/drawing/2014/main" id="{E8110496-727A-9C00-23B1-F114489856F9}"/>
+              </a:ext>
+            </a:extLst>
+          </p:cNvPr>
+          <p:cNvSpPr/>
+          <p:nvPr/>
+        </p:nvSpPr>
+        <p:spPr>
+          <a:xfrm>
+            <a:off x="2922879" y="2665561"/>
+            <a:ext cx="672861" cy="672861"/>
+          </a:xfrm>
+          <a:prstGeom prst="rect">
+            <a:avLst/>
+          </a:prstGeom>
+          <a:solidFill>
+            <a:schemeClr val="accent4">
+              <a:lumMod val="20000"/>
+              <a:lumOff val="80000"/>
+            </a:schemeClr>
+          </a:solidFill>
+        </p:spPr>
+        <p:style>
+          <a:lnRef idx="2">
+            <a:schemeClr val="dk1"/>
+          </a:lnRef>
+          <a:fillRef idx="1">
+            <a:schemeClr val="lt1"/>
+          </a:fillRef>
+          <a:effectRef idx="0">
+            <a:schemeClr val="dk1"/>
+          </a:effectRef>
+          <a:fontRef idx="minor">
+            <a:schemeClr val="dk1"/>
+          </a:fontRef>
+        </p:style>
+        <p:txBody>
+          <a:bodyPr rtlCol="0" anchor="ctr"/>
+          <a:lstStyle/>
+          <a:p>
+            <a:pPr algn="ctr"/>
+            <a:r>
+              <a:rPr lang="en-US" altLang="ko-KR"/>
+              <a:t>3</a:t>
+            </a:r>
+            <a:endParaRPr lang="ko-KR" altLang="en-US"/>
+          </a:p>
+        </p:txBody>
+      </p:sp>
+      <p:sp>
+        <p:nvSpPr>
+          <p:cNvPr id="27" name="직사각형 26">
+            <a:extLst>
+              <a:ext uri="{FF2B5EF4-FFF2-40B4-BE49-F238E27FC236}">
+                <a16:creationId xmlns:a16="http://schemas.microsoft.com/office/drawing/2014/main" id="{0A6C7591-04CF-10B3-FDC8-F310A138CD90}"/>
+              </a:ext>
+            </a:extLst>
+          </p:cNvPr>
+          <p:cNvSpPr/>
+          <p:nvPr/>
+        </p:nvSpPr>
+        <p:spPr>
+          <a:xfrm>
+            <a:off x="3837278" y="2665561"/>
+            <a:ext cx="672861" cy="672861"/>
+          </a:xfrm>
+          <a:prstGeom prst="rect">
+            <a:avLst/>
+          </a:prstGeom>
+          <a:solidFill>
+            <a:schemeClr val="accent4">
+              <a:lumMod val="20000"/>
+              <a:lumOff val="80000"/>
+            </a:schemeClr>
+          </a:solidFill>
+        </p:spPr>
+        <p:style>
+          <a:lnRef idx="2">
+            <a:schemeClr val="dk1"/>
+          </a:lnRef>
+          <a:fillRef idx="1">
+            <a:schemeClr val="lt1"/>
+          </a:fillRef>
+          <a:effectRef idx="0">
+            <a:schemeClr val="dk1"/>
+          </a:effectRef>
+          <a:fontRef idx="minor">
+            <a:schemeClr val="dk1"/>
+          </a:fontRef>
+        </p:style>
+        <p:txBody>
+          <a:bodyPr rtlCol="0" anchor="ctr"/>
+          <a:lstStyle/>
+          <a:p>
+            <a:pPr algn="ctr"/>
+            <a:r>
+              <a:rPr lang="en-US" altLang="ko-KR"/>
+              <a:t>4</a:t>
+            </a:r>
+            <a:endParaRPr lang="ko-KR" altLang="en-US"/>
+          </a:p>
+        </p:txBody>
+      </p:sp>
+      <p:sp>
+        <p:nvSpPr>
+          <p:cNvPr id="28" name="직사각형 27">
+            <a:extLst>
+              <a:ext uri="{FF2B5EF4-FFF2-40B4-BE49-F238E27FC236}">
+                <a16:creationId xmlns:a16="http://schemas.microsoft.com/office/drawing/2014/main" id="{C9FF8478-D44A-94C3-1929-BE7EE0FF3413}"/>
+              </a:ext>
+            </a:extLst>
+          </p:cNvPr>
+          <p:cNvSpPr/>
+          <p:nvPr/>
+        </p:nvSpPr>
+        <p:spPr>
+          <a:xfrm>
+            <a:off x="4829316" y="2665561"/>
+            <a:ext cx="672861" cy="672861"/>
+          </a:xfrm>
+          <a:prstGeom prst="rect">
+            <a:avLst/>
+          </a:prstGeom>
+          <a:solidFill>
+            <a:schemeClr val="accent4">
+              <a:lumMod val="20000"/>
+              <a:lumOff val="80000"/>
+            </a:schemeClr>
+          </a:solidFill>
+        </p:spPr>
+        <p:style>
+          <a:lnRef idx="2">
+            <a:schemeClr val="dk1"/>
+          </a:lnRef>
+          <a:fillRef idx="1">
+            <a:schemeClr val="lt1"/>
+          </a:fillRef>
+          <a:effectRef idx="0">
+            <a:schemeClr val="dk1"/>
+          </a:effectRef>
+          <a:fontRef idx="minor">
+            <a:schemeClr val="dk1"/>
+          </a:fontRef>
+        </p:style>
+        <p:txBody>
+          <a:bodyPr rtlCol="0" anchor="ctr"/>
+          <a:lstStyle/>
+          <a:p>
+            <a:pPr algn="ctr"/>
+            <a:r>
+              <a:rPr lang="en-US" altLang="ko-KR"/>
+              <a:t>5</a:t>
+            </a:r>
+            <a:endParaRPr lang="ko-KR" altLang="en-US"/>
+          </a:p>
+        </p:txBody>
+      </p:sp>
+      <p:sp>
+        <p:nvSpPr>
+          <p:cNvPr id="29" name="직사각형 28">
+            <a:extLst>
+              <a:ext uri="{FF2B5EF4-FFF2-40B4-BE49-F238E27FC236}">
+                <a16:creationId xmlns:a16="http://schemas.microsoft.com/office/drawing/2014/main" id="{7C0AF264-876A-1758-6E85-68F1EB7A5D25}"/>
+              </a:ext>
+            </a:extLst>
+          </p:cNvPr>
+          <p:cNvSpPr/>
+          <p:nvPr/>
+        </p:nvSpPr>
+        <p:spPr>
+          <a:xfrm>
+            <a:off x="1007815" y="3709358"/>
+            <a:ext cx="672861" cy="672861"/>
+          </a:xfrm>
+          <a:prstGeom prst="rect">
+            <a:avLst/>
+          </a:prstGeom>
+          <a:solidFill>
+            <a:schemeClr val="accent4">
+              <a:lumMod val="20000"/>
+              <a:lumOff val="80000"/>
+            </a:schemeClr>
+          </a:solidFill>
+        </p:spPr>
+        <p:style>
+          <a:lnRef idx="2">
+            <a:schemeClr val="dk1"/>
+          </a:lnRef>
+          <a:fillRef idx="1">
+            <a:schemeClr val="lt1"/>
+          </a:fillRef>
+          <a:effectRef idx="0">
+            <a:schemeClr val="dk1"/>
+          </a:effectRef>
+          <a:fontRef idx="minor">
+            <a:schemeClr val="dk1"/>
+          </a:fontRef>
+        </p:style>
+        <p:txBody>
+          <a:bodyPr rtlCol="0" anchor="ctr"/>
+          <a:lstStyle/>
+          <a:p>
+            <a:pPr algn="ctr"/>
+            <a:r>
+              <a:rPr lang="en-US" altLang="ko-KR"/>
+              <a:t>6</a:t>
+            </a:r>
+            <a:endParaRPr lang="ko-KR" altLang="en-US"/>
+          </a:p>
+        </p:txBody>
+      </p:sp>
+      <p:sp>
+        <p:nvSpPr>
+          <p:cNvPr id="30" name="직사각형 29">
+            <a:extLst>
+              <a:ext uri="{FF2B5EF4-FFF2-40B4-BE49-F238E27FC236}">
+                <a16:creationId xmlns:a16="http://schemas.microsoft.com/office/drawing/2014/main" id="{ED16F544-14A1-7625-8433-C6C8DA9742E3}"/>
+              </a:ext>
+            </a:extLst>
+          </p:cNvPr>
+          <p:cNvSpPr/>
+          <p:nvPr/>
+        </p:nvSpPr>
+        <p:spPr>
+          <a:xfrm>
+            <a:off x="1965347" y="3709358"/>
+            <a:ext cx="672861" cy="672861"/>
+          </a:xfrm>
+          <a:prstGeom prst="rect">
+            <a:avLst/>
+          </a:prstGeom>
+          <a:solidFill>
+            <a:schemeClr val="accent4">
+              <a:lumMod val="20000"/>
+              <a:lumOff val="80000"/>
+            </a:schemeClr>
+          </a:solidFill>
+        </p:spPr>
+        <p:style>
+          <a:lnRef idx="2">
+            <a:schemeClr val="dk1"/>
+          </a:lnRef>
+          <a:fillRef idx="1">
+            <a:schemeClr val="lt1"/>
+          </a:fillRef>
+          <a:effectRef idx="0">
+            <a:schemeClr val="dk1"/>
+          </a:effectRef>
+          <a:fontRef idx="minor">
+            <a:schemeClr val="dk1"/>
+          </a:fontRef>
+        </p:style>
+        <p:txBody>
+          <a:bodyPr rtlCol="0" anchor="ctr"/>
+          <a:lstStyle/>
+          <a:p>
+            <a:pPr algn="ctr"/>
+            <a:r>
+              <a:rPr lang="en-US" altLang="ko-KR"/>
+              <a:t>7</a:t>
+            </a:r>
+            <a:endParaRPr lang="ko-KR" altLang="en-US"/>
+          </a:p>
+        </p:txBody>
+      </p:sp>
+      <p:sp>
+        <p:nvSpPr>
+          <p:cNvPr id="31" name="직사각형 30">
+            <a:extLst>
+              <a:ext uri="{FF2B5EF4-FFF2-40B4-BE49-F238E27FC236}">
+                <a16:creationId xmlns:a16="http://schemas.microsoft.com/office/drawing/2014/main" id="{01B71B6E-FEE0-D61E-DACD-D507AAD8BC40}"/>
+              </a:ext>
+            </a:extLst>
+          </p:cNvPr>
+          <p:cNvSpPr/>
+          <p:nvPr/>
+        </p:nvSpPr>
+        <p:spPr>
+          <a:xfrm>
+            <a:off x="2922879" y="3709358"/>
+            <a:ext cx="672861" cy="672861"/>
+          </a:xfrm>
+          <a:prstGeom prst="rect">
+            <a:avLst/>
+          </a:prstGeom>
+          <a:solidFill>
+            <a:schemeClr val="accent4">
+              <a:lumMod val="20000"/>
+              <a:lumOff val="80000"/>
+            </a:schemeClr>
+          </a:solidFill>
+        </p:spPr>
+        <p:style>
+          <a:lnRef idx="2">
+            <a:schemeClr val="dk1"/>
+          </a:lnRef>
+          <a:fillRef idx="1">
+            <a:schemeClr val="lt1"/>
+          </a:fillRef>
+          <a:effectRef idx="0">
+            <a:schemeClr val="dk1"/>
+          </a:effectRef>
+          <a:fontRef idx="minor">
+            <a:schemeClr val="dk1"/>
+          </a:fontRef>
+        </p:style>
+        <p:txBody>
+          <a:bodyPr rtlCol="0" anchor="ctr"/>
+          <a:lstStyle/>
+          <a:p>
+            <a:pPr algn="ctr"/>
+            <a:r>
+              <a:rPr lang="en-US" altLang="ko-KR"/>
+              <a:t>8</a:t>
+            </a:r>
+            <a:endParaRPr lang="ko-KR" altLang="en-US"/>
+          </a:p>
+        </p:txBody>
+      </p:sp>
+      <p:sp>
+        <p:nvSpPr>
+          <p:cNvPr id="32" name="직사각형 31">
+            <a:extLst>
+              <a:ext uri="{FF2B5EF4-FFF2-40B4-BE49-F238E27FC236}">
+                <a16:creationId xmlns:a16="http://schemas.microsoft.com/office/drawing/2014/main" id="{8CB2F1F4-42C5-8DE8-1241-B7D57CE9388C}"/>
+              </a:ext>
+            </a:extLst>
+          </p:cNvPr>
+          <p:cNvSpPr/>
+          <p:nvPr/>
+        </p:nvSpPr>
+        <p:spPr>
+          <a:xfrm>
+            <a:off x="3837278" y="3709358"/>
+            <a:ext cx="672861" cy="672861"/>
+          </a:xfrm>
+          <a:prstGeom prst="rect">
+            <a:avLst/>
+          </a:prstGeom>
+          <a:solidFill>
+            <a:schemeClr val="accent4">
+              <a:lumMod val="20000"/>
+              <a:lumOff val="80000"/>
+            </a:schemeClr>
+          </a:solidFill>
+        </p:spPr>
+        <p:style>
+          <a:lnRef idx="2">
+            <a:schemeClr val="dk1"/>
+          </a:lnRef>
+          <a:fillRef idx="1">
+            <a:schemeClr val="lt1"/>
+          </a:fillRef>
+          <a:effectRef idx="0">
+            <a:schemeClr val="dk1"/>
+          </a:effectRef>
+          <a:fontRef idx="minor">
+            <a:schemeClr val="dk1"/>
+          </a:fontRef>
+        </p:style>
+        <p:txBody>
+          <a:bodyPr rtlCol="0" anchor="ctr"/>
+          <a:lstStyle/>
+          <a:p>
+            <a:pPr algn="ctr"/>
+            <a:r>
+              <a:rPr lang="en-US" altLang="ko-KR"/>
+              <a:t>9</a:t>
+            </a:r>
+            <a:endParaRPr lang="ko-KR" altLang="en-US"/>
+          </a:p>
+        </p:txBody>
+      </p:sp>
+      <p:sp>
+        <p:nvSpPr>
+          <p:cNvPr id="33" name="직사각형 32">
+            <a:extLst>
+              <a:ext uri="{FF2B5EF4-FFF2-40B4-BE49-F238E27FC236}">
+                <a16:creationId xmlns:a16="http://schemas.microsoft.com/office/drawing/2014/main" id="{6D80AC76-C7EA-A8AB-93B1-ED03D8DD526A}"/>
+              </a:ext>
+            </a:extLst>
+          </p:cNvPr>
+          <p:cNvSpPr/>
+          <p:nvPr/>
+        </p:nvSpPr>
+        <p:spPr>
+          <a:xfrm>
+            <a:off x="4829316" y="3709358"/>
+            <a:ext cx="672861" cy="672861"/>
+          </a:xfrm>
+          <a:prstGeom prst="rect">
+            <a:avLst/>
+          </a:prstGeom>
+          <a:solidFill>
+            <a:schemeClr val="accent4">
+              <a:lumMod val="20000"/>
+              <a:lumOff val="80000"/>
+            </a:schemeClr>
+          </a:solidFill>
+        </p:spPr>
+        <p:style>
+          <a:lnRef idx="2">
+            <a:schemeClr val="dk1"/>
+          </a:lnRef>
+          <a:fillRef idx="1">
+            <a:schemeClr val="lt1"/>
+          </a:fillRef>
+          <a:effectRef idx="0">
+            <a:schemeClr val="dk1"/>
+          </a:effectRef>
+          <a:fontRef idx="minor">
+            <a:schemeClr val="dk1"/>
+          </a:fontRef>
+        </p:style>
+        <p:txBody>
+          <a:bodyPr rtlCol="0" anchor="ctr"/>
+          <a:lstStyle/>
+          <a:p>
+            <a:pPr algn="ctr"/>
+            <a:r>
+              <a:rPr lang="en-US" altLang="ko-KR"/>
+              <a:t>10</a:t>
+            </a:r>
+            <a:endParaRPr lang="ko-KR" altLang="en-US"/>
+          </a:p>
+        </p:txBody>
+      </p:sp>
+      <p:sp>
+        <p:nvSpPr>
+          <p:cNvPr id="34" name="직사각형 33">
+            <a:extLst>
+              <a:ext uri="{FF2B5EF4-FFF2-40B4-BE49-F238E27FC236}">
+                <a16:creationId xmlns:a16="http://schemas.microsoft.com/office/drawing/2014/main" id="{FDCBC8B1-72A2-80AB-E019-FB0FD9F4C7E2}"/>
+              </a:ext>
+            </a:extLst>
+          </p:cNvPr>
+          <p:cNvSpPr/>
+          <p:nvPr/>
+        </p:nvSpPr>
+        <p:spPr>
+          <a:xfrm>
+            <a:off x="1007815" y="4692769"/>
+            <a:ext cx="672861" cy="672861"/>
+          </a:xfrm>
+          <a:prstGeom prst="rect">
+            <a:avLst/>
+          </a:prstGeom>
+          <a:solidFill>
+            <a:schemeClr val="accent4">
+              <a:lumMod val="20000"/>
+              <a:lumOff val="80000"/>
+            </a:schemeClr>
+          </a:solidFill>
+        </p:spPr>
+        <p:style>
+          <a:lnRef idx="2">
+            <a:schemeClr val="dk1"/>
+          </a:lnRef>
+          <a:fillRef idx="1">
+            <a:schemeClr val="lt1"/>
+          </a:fillRef>
+          <a:effectRef idx="0">
+            <a:schemeClr val="dk1"/>
+          </a:effectRef>
+          <a:fontRef idx="minor">
+            <a:schemeClr val="dk1"/>
+          </a:fontRef>
+        </p:style>
+        <p:txBody>
+          <a:bodyPr rtlCol="0" anchor="ctr"/>
+          <a:lstStyle/>
+          <a:p>
+            <a:pPr algn="ctr"/>
+            <a:r>
+              <a:rPr lang="en-US" altLang="ko-KR"/>
+              <a:t>11</a:t>
+            </a:r>
+            <a:endParaRPr lang="ko-KR" altLang="en-US"/>
+          </a:p>
+        </p:txBody>
+      </p:sp>
+      <p:sp>
+        <p:nvSpPr>
+          <p:cNvPr id="35" name="직사각형 34">
+            <a:extLst>
+              <a:ext uri="{FF2B5EF4-FFF2-40B4-BE49-F238E27FC236}">
+                <a16:creationId xmlns:a16="http://schemas.microsoft.com/office/drawing/2014/main" id="{C77A1A6D-ABD9-6B2D-4125-E8962A4DCFAA}"/>
+              </a:ext>
+            </a:extLst>
+          </p:cNvPr>
+          <p:cNvSpPr/>
+          <p:nvPr/>
+        </p:nvSpPr>
+        <p:spPr>
+          <a:xfrm>
+            <a:off x="1965347" y="4692769"/>
+            <a:ext cx="672861" cy="672861"/>
+          </a:xfrm>
+          <a:prstGeom prst="rect">
+            <a:avLst/>
+          </a:prstGeom>
+          <a:solidFill>
+            <a:schemeClr val="accent4">
+              <a:lumMod val="20000"/>
+              <a:lumOff val="80000"/>
+            </a:schemeClr>
+          </a:solidFill>
+        </p:spPr>
+        <p:style>
+          <a:lnRef idx="2">
+            <a:schemeClr val="dk1"/>
+          </a:lnRef>
+          <a:fillRef idx="1">
+            <a:schemeClr val="lt1"/>
+          </a:fillRef>
+          <a:effectRef idx="0">
+            <a:schemeClr val="dk1"/>
+          </a:effectRef>
+          <a:fontRef idx="minor">
+            <a:schemeClr val="dk1"/>
+          </a:fontRef>
+        </p:style>
+        <p:txBody>
+          <a:bodyPr rtlCol="0" anchor="ctr"/>
+          <a:lstStyle/>
+          <a:p>
+            <a:pPr algn="ctr"/>
+            <a:r>
+              <a:rPr lang="en-US" altLang="ko-KR"/>
+              <a:t>12</a:t>
+            </a:r>
+            <a:endParaRPr lang="ko-KR" altLang="en-US"/>
+          </a:p>
+        </p:txBody>
+      </p:sp>
+      <p:sp>
+        <p:nvSpPr>
+          <p:cNvPr id="36" name="TextBox 35">
+            <a:extLst>
+              <a:ext uri="{FF2B5EF4-FFF2-40B4-BE49-F238E27FC236}">
+                <a16:creationId xmlns:a16="http://schemas.microsoft.com/office/drawing/2014/main" id="{7DCBEEF7-0F53-6D07-6759-C369047D927D}"/>
+              </a:ext>
+            </a:extLst>
+          </p:cNvPr>
+          <p:cNvSpPr txBox="1"/>
+          <p:nvPr/>
+        </p:nvSpPr>
+        <p:spPr>
+          <a:xfrm>
+            <a:off x="6163536" y="2527540"/>
+            <a:ext cx="1999265" cy="369332"/>
+          </a:xfrm>
+          <a:prstGeom prst="rect">
+            <a:avLst/>
+          </a:prstGeom>
+          <a:noFill/>
+        </p:spPr>
+        <p:txBody>
+          <a:bodyPr wrap="none" rtlCol="0">
+            <a:spAutoFit/>
+          </a:bodyPr>
+          <a:lstStyle/>
+          <a:p>
+            <a:r>
+              <a:rPr lang="ko-KR" altLang="en-US"/>
+              <a:t>전체 페이지 </a:t>
+            </a:r>
+            <a:r>
+              <a:rPr lang="en-US" altLang="ko-KR"/>
+              <a:t>= 13</a:t>
+            </a:r>
+            <a:endParaRPr lang="ko-KR" altLang="en-US"/>
+          </a:p>
+        </p:txBody>
+      </p:sp>
+      <p:sp>
+        <p:nvSpPr>
+          <p:cNvPr id="37" name="직사각형 36">
+            <a:extLst>
+              <a:ext uri="{FF2B5EF4-FFF2-40B4-BE49-F238E27FC236}">
+                <a16:creationId xmlns:a16="http://schemas.microsoft.com/office/drawing/2014/main" id="{97887DC5-16BD-D89D-52E3-22EAC927AF7A}"/>
+              </a:ext>
+            </a:extLst>
+          </p:cNvPr>
+          <p:cNvSpPr/>
+          <p:nvPr/>
+        </p:nvSpPr>
+        <p:spPr>
+          <a:xfrm>
+            <a:off x="2922879" y="4692769"/>
+            <a:ext cx="672861" cy="672861"/>
+          </a:xfrm>
+          <a:prstGeom prst="rect">
+            <a:avLst/>
+          </a:prstGeom>
+          <a:solidFill>
+            <a:schemeClr val="accent4">
+              <a:lumMod val="20000"/>
+              <a:lumOff val="80000"/>
+            </a:schemeClr>
+          </a:solidFill>
+        </p:spPr>
+        <p:style>
+          <a:lnRef idx="2">
+            <a:schemeClr val="dk1"/>
+          </a:lnRef>
+          <a:fillRef idx="1">
+            <a:schemeClr val="lt1"/>
+          </a:fillRef>
+          <a:effectRef idx="0">
+            <a:schemeClr val="dk1"/>
+          </a:effectRef>
+          <a:fontRef idx="minor">
+            <a:schemeClr val="dk1"/>
+          </a:fontRef>
+        </p:style>
+        <p:txBody>
+          <a:bodyPr rtlCol="0" anchor="ctr"/>
+          <a:lstStyle/>
+          <a:p>
+            <a:pPr algn="ctr"/>
+            <a:r>
+              <a:rPr lang="en-US" altLang="ko-KR"/>
+              <a:t>13</a:t>
+            </a:r>
+            <a:endParaRPr lang="ko-KR" altLang="en-US"/>
+          </a:p>
+        </p:txBody>
+      </p:sp>
+      <p:sp>
+        <p:nvSpPr>
+          <p:cNvPr id="38" name="TextBox 37">
+            <a:extLst>
+              <a:ext uri="{FF2B5EF4-FFF2-40B4-BE49-F238E27FC236}">
+                <a16:creationId xmlns:a16="http://schemas.microsoft.com/office/drawing/2014/main" id="{050C8812-7BA8-0FDB-2B25-B2431BD3D208}"/>
+              </a:ext>
+            </a:extLst>
+          </p:cNvPr>
+          <p:cNvSpPr txBox="1"/>
+          <p:nvPr/>
+        </p:nvSpPr>
+        <p:spPr>
+          <a:xfrm>
+            <a:off x="6163536" y="3153756"/>
+            <a:ext cx="2416046" cy="369332"/>
+          </a:xfrm>
+          <a:prstGeom prst="rect">
+            <a:avLst/>
+          </a:prstGeom>
+          <a:noFill/>
+        </p:spPr>
+        <p:txBody>
+          <a:bodyPr wrap="none" rtlCol="0">
+            <a:spAutoFit/>
+          </a:bodyPr>
+          <a:lstStyle/>
+          <a:p>
+            <a:r>
+              <a:rPr lang="ko-KR" altLang="en-US"/>
+              <a:t>현재 페이지 번호 </a:t>
+            </a:r>
+            <a:r>
+              <a:rPr lang="en-US" altLang="ko-KR"/>
+              <a:t>= 8</a:t>
+            </a:r>
+            <a:endParaRPr lang="ko-KR" altLang="en-US"/>
+          </a:p>
+        </p:txBody>
+      </p:sp>
+      <p:sp>
+        <p:nvSpPr>
+          <p:cNvPr id="39" name="TextBox 38">
+            <a:extLst>
+              <a:ext uri="{FF2B5EF4-FFF2-40B4-BE49-F238E27FC236}">
+                <a16:creationId xmlns:a16="http://schemas.microsoft.com/office/drawing/2014/main" id="{C08FBD11-150B-2D49-55A9-EB66AA10B352}"/>
+              </a:ext>
+            </a:extLst>
+          </p:cNvPr>
+          <p:cNvSpPr txBox="1"/>
+          <p:nvPr/>
+        </p:nvSpPr>
+        <p:spPr>
+          <a:xfrm>
+            <a:off x="6163536" y="3779972"/>
+            <a:ext cx="3421129" cy="369332"/>
+          </a:xfrm>
+          <a:prstGeom prst="rect">
+            <a:avLst/>
+          </a:prstGeom>
+          <a:noFill/>
+        </p:spPr>
+        <p:txBody>
+          <a:bodyPr wrap="none" rtlCol="0">
+            <a:spAutoFit/>
+          </a:bodyPr>
+          <a:lstStyle/>
+          <a:p>
+            <a:r>
+              <a:rPr lang="ko-KR" altLang="en-US"/>
+              <a:t>화면에 보여줄 페이지 개수 </a:t>
+            </a:r>
+            <a:r>
+              <a:rPr lang="en-US" altLang="ko-KR"/>
+              <a:t>= 5</a:t>
+            </a:r>
+          </a:p>
+        </p:txBody>
+      </p:sp>
+      <p:sp>
+        <p:nvSpPr>
+          <p:cNvPr id="40" name="TextBox 39">
+            <a:extLst>
+              <a:ext uri="{FF2B5EF4-FFF2-40B4-BE49-F238E27FC236}">
+                <a16:creationId xmlns:a16="http://schemas.microsoft.com/office/drawing/2014/main" id="{D35676F1-4B5B-667A-A40D-8D0D950CEB7F}"/>
+              </a:ext>
+            </a:extLst>
+          </p:cNvPr>
+          <p:cNvSpPr txBox="1"/>
+          <p:nvPr/>
+        </p:nvSpPr>
+        <p:spPr>
+          <a:xfrm>
+            <a:off x="6163536" y="4406188"/>
+            <a:ext cx="4331635" cy="369332"/>
+          </a:xfrm>
+          <a:prstGeom prst="rect">
+            <a:avLst/>
+          </a:prstGeom>
+          <a:noFill/>
+        </p:spPr>
+        <p:txBody>
+          <a:bodyPr wrap="none" rtlCol="0">
+            <a:spAutoFit/>
+          </a:bodyPr>
+          <a:lstStyle/>
+          <a:p>
+            <a:r>
+              <a:rPr lang="ko-KR" altLang="en-US">
+                <a:solidFill>
+                  <a:srgbClr val="FF0000"/>
+                </a:solidFill>
+              </a:rPr>
+              <a:t>현재 페이지 그룹 </a:t>
+            </a:r>
+            <a:r>
+              <a:rPr lang="en-US" altLang="ko-KR">
+                <a:solidFill>
+                  <a:srgbClr val="FF0000"/>
+                </a:solidFill>
+              </a:rPr>
+              <a:t>= Math.ceil(8 / 5) = 2</a:t>
+            </a:r>
+          </a:p>
+        </p:txBody>
+      </p:sp>
+      <p:sp>
+        <p:nvSpPr>
+          <p:cNvPr id="41" name="직사각형 40">
+            <a:extLst>
+              <a:ext uri="{FF2B5EF4-FFF2-40B4-BE49-F238E27FC236}">
+                <a16:creationId xmlns:a16="http://schemas.microsoft.com/office/drawing/2014/main" id="{A399C23F-8FD7-6FB7-57CB-35ABF733E4A7}"/>
+              </a:ext>
+            </a:extLst>
+          </p:cNvPr>
+          <p:cNvSpPr/>
+          <p:nvPr/>
+        </p:nvSpPr>
+        <p:spPr>
+          <a:xfrm>
+            <a:off x="749023" y="3523088"/>
+            <a:ext cx="4917056" cy="1074791"/>
+          </a:xfrm>
+          <a:prstGeom prst="rect">
+            <a:avLst/>
+          </a:prstGeom>
+          <a:noFill/>
+          <a:ln w="38100">
+            <a:solidFill>
+              <a:srgbClr val="FF0000"/>
+            </a:solidFill>
+          </a:ln>
+        </p:spPr>
+        <p:style>
+          <a:lnRef idx="2">
+            <a:schemeClr val="dk1"/>
+          </a:lnRef>
+          <a:fillRef idx="1">
+            <a:schemeClr val="lt1"/>
+          </a:fillRef>
+          <a:effectRef idx="0">
+            <a:schemeClr val="dk1"/>
+          </a:effectRef>
+          <a:fontRef idx="minor">
+            <a:schemeClr val="dk1"/>
+          </a:fontRef>
+        </p:style>
+        <p:txBody>
+          <a:bodyPr rtlCol="0" anchor="ctr"/>
+          <a:lstStyle/>
+          <a:p>
+            <a:pPr algn="ctr"/>
+            <a:endParaRPr lang="ko-KR" altLang="en-US"/>
+          </a:p>
+        </p:txBody>
+      </p:sp>
+    </p:spTree>
+    <p:extLst>
+      <p:ext uri="{BB962C8B-B14F-4D97-AF65-F5344CB8AC3E}">
+        <p14:creationId xmlns:p14="http://schemas.microsoft.com/office/powerpoint/2010/main" val="1294083111"/>
+      </p:ext>
+    </p:extLst>
+  </p:cSld>
+  <p:clrMapOvr>
+    <a:masterClrMapping/>
+  </p:clrMapOvr>
+</p:sld>
+</file>
+
+<file path=ppt/slides/slide8.xml><?xml version="1.0" encoding="utf-8"?>
+<p:sld xmlns:a="http://schemas.openxmlformats.org/drawingml/2006/main" xmlns:r="http://schemas.openxmlformats.org/officeDocument/2006/relationships" xmlns:p="http://schemas.openxmlformats.org/presentationml/2006/main">
+  <p:cSld>
+    <p:spTree>
+      <p:nvGrpSpPr>
+        <p:cNvPr id="1" name=""/>
+        <p:cNvGrpSpPr/>
+        <p:nvPr/>
+      </p:nvGrpSpPr>
+      <p:grpSpPr>
+        <a:xfrm>
+          <a:off x="0" y="0"/>
+          <a:ext cx="0" cy="0"/>
+          <a:chOff x="0" y="0"/>
+          <a:chExt cx="0" cy="0"/>
+        </a:xfrm>
+      </p:grpSpPr>
+      <p:sp>
+        <p:nvSpPr>
+          <p:cNvPr id="2" name="제목 1">
+            <a:extLst>
+              <a:ext uri="{FF2B5EF4-FFF2-40B4-BE49-F238E27FC236}">
+                <a16:creationId xmlns:a16="http://schemas.microsoft.com/office/drawing/2014/main" id="{261A23CC-3D3C-5E92-8B43-1F3C6DF33DFF}"/>
+              </a:ext>
+            </a:extLst>
+          </p:cNvPr>
+          <p:cNvSpPr>
+            <a:spLocks noGrp="1"/>
+          </p:cNvSpPr>
+          <p:nvPr>
+            <p:ph type="title"/>
+          </p:nvPr>
+        </p:nvSpPr>
+        <p:spPr/>
+        <p:txBody>
+          <a:bodyPr/>
+          <a:lstStyle/>
+          <a:p>
+            <a:pPr algn="l"/>
+            <a:r>
+              <a:rPr lang="ko-KR" altLang="en-US" b="0" i="0">
+                <a:effectLst/>
+                <a:latin typeface="Avenir"/>
+              </a:rPr>
+              <a:t>첫번째 번호 계산</a:t>
+            </a:r>
+          </a:p>
+        </p:txBody>
+      </p:sp>
+      <p:sp>
+        <p:nvSpPr>
+          <p:cNvPr id="23" name="TextBox 22">
+            <a:extLst>
+              <a:ext uri="{FF2B5EF4-FFF2-40B4-BE49-F238E27FC236}">
+                <a16:creationId xmlns:a16="http://schemas.microsoft.com/office/drawing/2014/main" id="{7FCBF4EB-7E53-AFFE-DE7E-CDC8D5BF2875}"/>
+              </a:ext>
+            </a:extLst>
+          </p:cNvPr>
+          <p:cNvSpPr txBox="1"/>
+          <p:nvPr/>
+        </p:nvSpPr>
+        <p:spPr>
+          <a:xfrm>
+            <a:off x="749023" y="1792452"/>
+            <a:ext cx="10740441" cy="338554"/>
+          </a:xfrm>
+          <a:prstGeom prst="rect">
+            <a:avLst/>
+          </a:prstGeom>
+          <a:noFill/>
+        </p:spPr>
+        <p:txBody>
+          <a:bodyPr wrap="none" rtlCol="0">
+            <a:spAutoFit/>
+          </a:bodyPr>
+          <a:lstStyle/>
+          <a:p>
+            <a:r>
+              <a:rPr lang="ko-KR" altLang="en-US" sz="1600" b="0" i="0">
+                <a:solidFill>
+                  <a:srgbClr val="333333"/>
+                </a:solidFill>
+                <a:effectLst/>
+                <a:latin typeface="Courier New" panose="02070309020205020404" pitchFamily="49" charset="0"/>
+              </a:rPr>
+              <a:t>어떤 한 페이지 그룹의 첫번째 페이지 번호 </a:t>
+            </a:r>
+            <a:r>
+              <a:rPr lang="en-US" altLang="ko-KR" sz="1600" b="0" i="0">
+                <a:solidFill>
+                  <a:srgbClr val="333333"/>
+                </a:solidFill>
+                <a:effectLst/>
+                <a:latin typeface="Courier New" panose="02070309020205020404" pitchFamily="49" charset="0"/>
+              </a:rPr>
+              <a:t>= ((</a:t>
+            </a:r>
+            <a:r>
+              <a:rPr lang="ko-KR" altLang="en-US" sz="1600" b="0" i="0">
+                <a:solidFill>
+                  <a:srgbClr val="333333"/>
+                </a:solidFill>
+                <a:effectLst/>
+                <a:latin typeface="Courier New" panose="02070309020205020404" pitchFamily="49" charset="0"/>
+              </a:rPr>
+              <a:t>페이지 그룹 </a:t>
+            </a:r>
+            <a:r>
+              <a:rPr lang="en-US" altLang="ko-KR" sz="1600" b="0" i="0">
+                <a:solidFill>
+                  <a:srgbClr val="333333"/>
+                </a:solidFill>
+                <a:effectLst/>
+                <a:latin typeface="Courier New" panose="02070309020205020404" pitchFamily="49" charset="0"/>
+              </a:rPr>
+              <a:t>- 1) * </a:t>
+            </a:r>
+            <a:r>
+              <a:rPr lang="ko-KR" altLang="en-US" sz="1600" b="0" i="0">
+                <a:solidFill>
+                  <a:srgbClr val="333333"/>
+                </a:solidFill>
+                <a:effectLst/>
+                <a:latin typeface="Courier New" panose="02070309020205020404" pitchFamily="49" charset="0"/>
+              </a:rPr>
+              <a:t>한 화면에 보여질 페이지 개수</a:t>
+            </a:r>
+            <a:r>
+              <a:rPr lang="en-US" altLang="ko-KR" sz="1600" b="0" i="0">
+                <a:solidFill>
+                  <a:srgbClr val="333333"/>
+                </a:solidFill>
+                <a:effectLst/>
+                <a:latin typeface="Courier New" panose="02070309020205020404" pitchFamily="49" charset="0"/>
+              </a:rPr>
+              <a:t>) + 1</a:t>
+            </a:r>
+            <a:endParaRPr lang="ko-KR" altLang="en-US" sz="1600"/>
+          </a:p>
+        </p:txBody>
+      </p:sp>
+      <p:sp>
+        <p:nvSpPr>
+          <p:cNvPr id="3" name="직사각형 2">
+            <a:extLst>
+              <a:ext uri="{FF2B5EF4-FFF2-40B4-BE49-F238E27FC236}">
+                <a16:creationId xmlns:a16="http://schemas.microsoft.com/office/drawing/2014/main" id="{303CF908-59AC-C1DD-E7B7-EE2653363DCA}"/>
+              </a:ext>
+            </a:extLst>
+          </p:cNvPr>
+          <p:cNvSpPr/>
+          <p:nvPr/>
+        </p:nvSpPr>
+        <p:spPr>
+          <a:xfrm>
+            <a:off x="914400" y="2760451"/>
+            <a:ext cx="672861" cy="672861"/>
+          </a:xfrm>
+          <a:prstGeom prst="rect">
+            <a:avLst/>
+          </a:prstGeom>
+          <a:solidFill>
+            <a:schemeClr val="accent4">
+              <a:lumMod val="20000"/>
+              <a:lumOff val="80000"/>
+            </a:schemeClr>
+          </a:solidFill>
+        </p:spPr>
+        <p:style>
+          <a:lnRef idx="2">
+            <a:schemeClr val="dk1"/>
+          </a:lnRef>
+          <a:fillRef idx="1">
+            <a:schemeClr val="lt1"/>
+          </a:fillRef>
+          <a:effectRef idx="0">
+            <a:schemeClr val="dk1"/>
+          </a:effectRef>
+          <a:fontRef idx="minor">
+            <a:schemeClr val="dk1"/>
+          </a:fontRef>
+        </p:style>
+        <p:txBody>
+          <a:bodyPr rtlCol="0" anchor="ctr"/>
+          <a:lstStyle/>
+          <a:p>
+            <a:pPr algn="ctr"/>
+            <a:r>
+              <a:rPr lang="en-US" altLang="ko-KR"/>
+              <a:t>1</a:t>
+            </a:r>
+            <a:endParaRPr lang="ko-KR" altLang="en-US"/>
+          </a:p>
+        </p:txBody>
+      </p:sp>
+      <p:sp>
+        <p:nvSpPr>
+          <p:cNvPr id="4" name="직사각형 3">
+            <a:extLst>
+              <a:ext uri="{FF2B5EF4-FFF2-40B4-BE49-F238E27FC236}">
+                <a16:creationId xmlns:a16="http://schemas.microsoft.com/office/drawing/2014/main" id="{14F4457D-0A4C-4BEB-C22E-4D070D755121}"/>
+              </a:ext>
+            </a:extLst>
+          </p:cNvPr>
+          <p:cNvSpPr/>
+          <p:nvPr/>
+        </p:nvSpPr>
+        <p:spPr>
+          <a:xfrm>
+            <a:off x="1871932" y="2760451"/>
+            <a:ext cx="672861" cy="672861"/>
+          </a:xfrm>
+          <a:prstGeom prst="rect">
+            <a:avLst/>
+          </a:prstGeom>
+          <a:solidFill>
+            <a:schemeClr val="accent4">
+              <a:lumMod val="20000"/>
+              <a:lumOff val="80000"/>
+            </a:schemeClr>
+          </a:solidFill>
+        </p:spPr>
+        <p:style>
+          <a:lnRef idx="2">
+            <a:schemeClr val="dk1"/>
+          </a:lnRef>
+          <a:fillRef idx="1">
+            <a:schemeClr val="lt1"/>
+          </a:fillRef>
+          <a:effectRef idx="0">
+            <a:schemeClr val="dk1"/>
+          </a:effectRef>
+          <a:fontRef idx="minor">
+            <a:schemeClr val="dk1"/>
+          </a:fontRef>
+        </p:style>
+        <p:txBody>
+          <a:bodyPr rtlCol="0" anchor="ctr"/>
+          <a:lstStyle/>
+          <a:p>
+            <a:pPr algn="ctr"/>
+            <a:r>
+              <a:rPr lang="en-US" altLang="ko-KR"/>
+              <a:t>2</a:t>
+            </a:r>
+            <a:endParaRPr lang="ko-KR" altLang="en-US"/>
+          </a:p>
+        </p:txBody>
+      </p:sp>
+      <p:sp>
+        <p:nvSpPr>
+          <p:cNvPr id="5" name="직사각형 4">
+            <a:extLst>
+              <a:ext uri="{FF2B5EF4-FFF2-40B4-BE49-F238E27FC236}">
+                <a16:creationId xmlns:a16="http://schemas.microsoft.com/office/drawing/2014/main" id="{B677E2FB-E4F9-5183-15EA-3DD05DC9DFF8}"/>
+              </a:ext>
+            </a:extLst>
+          </p:cNvPr>
+          <p:cNvSpPr/>
+          <p:nvPr/>
+        </p:nvSpPr>
+        <p:spPr>
+          <a:xfrm>
+            <a:off x="2829464" y="2760451"/>
+            <a:ext cx="672861" cy="672861"/>
+          </a:xfrm>
+          <a:prstGeom prst="rect">
+            <a:avLst/>
+          </a:prstGeom>
+          <a:solidFill>
+            <a:schemeClr val="accent4">
+              <a:lumMod val="20000"/>
+              <a:lumOff val="80000"/>
+            </a:schemeClr>
+          </a:solidFill>
+        </p:spPr>
+        <p:style>
+          <a:lnRef idx="2">
+            <a:schemeClr val="dk1"/>
+          </a:lnRef>
+          <a:fillRef idx="1">
+            <a:schemeClr val="lt1"/>
+          </a:fillRef>
+          <a:effectRef idx="0">
+            <a:schemeClr val="dk1"/>
+          </a:effectRef>
+          <a:fontRef idx="minor">
+            <a:schemeClr val="dk1"/>
+          </a:fontRef>
+        </p:style>
+        <p:txBody>
+          <a:bodyPr rtlCol="0" anchor="ctr"/>
+          <a:lstStyle/>
+          <a:p>
+            <a:pPr algn="ctr"/>
+            <a:r>
+              <a:rPr lang="en-US" altLang="ko-KR"/>
+              <a:t>3</a:t>
+            </a:r>
+            <a:endParaRPr lang="ko-KR" altLang="en-US"/>
+          </a:p>
+        </p:txBody>
+      </p:sp>
+      <p:sp>
+        <p:nvSpPr>
+          <p:cNvPr id="6" name="직사각형 5">
+            <a:extLst>
+              <a:ext uri="{FF2B5EF4-FFF2-40B4-BE49-F238E27FC236}">
+                <a16:creationId xmlns:a16="http://schemas.microsoft.com/office/drawing/2014/main" id="{9FBD1B19-2087-3673-8DA6-26431302DB70}"/>
+              </a:ext>
+            </a:extLst>
+          </p:cNvPr>
+          <p:cNvSpPr/>
+          <p:nvPr/>
+        </p:nvSpPr>
+        <p:spPr>
+          <a:xfrm>
+            <a:off x="3743863" y="2760451"/>
+            <a:ext cx="672861" cy="672861"/>
+          </a:xfrm>
+          <a:prstGeom prst="rect">
+            <a:avLst/>
+          </a:prstGeom>
+          <a:solidFill>
+            <a:schemeClr val="accent4">
+              <a:lumMod val="20000"/>
+              <a:lumOff val="80000"/>
+            </a:schemeClr>
+          </a:solidFill>
+        </p:spPr>
+        <p:style>
+          <a:lnRef idx="2">
+            <a:schemeClr val="dk1"/>
+          </a:lnRef>
+          <a:fillRef idx="1">
+            <a:schemeClr val="lt1"/>
+          </a:fillRef>
+          <a:effectRef idx="0">
+            <a:schemeClr val="dk1"/>
+          </a:effectRef>
+          <a:fontRef idx="minor">
+            <a:schemeClr val="dk1"/>
+          </a:fontRef>
+        </p:style>
+        <p:txBody>
+          <a:bodyPr rtlCol="0" anchor="ctr"/>
+          <a:lstStyle/>
+          <a:p>
+            <a:pPr algn="ctr"/>
+            <a:r>
+              <a:rPr lang="en-US" altLang="ko-KR"/>
+              <a:t>4</a:t>
+            </a:r>
+            <a:endParaRPr lang="ko-KR" altLang="en-US"/>
+          </a:p>
+        </p:txBody>
+      </p:sp>
+      <p:sp>
+        <p:nvSpPr>
+          <p:cNvPr id="7" name="직사각형 6">
+            <a:extLst>
+              <a:ext uri="{FF2B5EF4-FFF2-40B4-BE49-F238E27FC236}">
+                <a16:creationId xmlns:a16="http://schemas.microsoft.com/office/drawing/2014/main" id="{1171EA8B-4ECE-1F26-03AA-D44AC1DAF86D}"/>
+              </a:ext>
+            </a:extLst>
+          </p:cNvPr>
+          <p:cNvSpPr/>
+          <p:nvPr/>
+        </p:nvSpPr>
+        <p:spPr>
+          <a:xfrm>
+            <a:off x="4735901" y="2760451"/>
+            <a:ext cx="672861" cy="672861"/>
+          </a:xfrm>
+          <a:prstGeom prst="rect">
+            <a:avLst/>
+          </a:prstGeom>
+          <a:solidFill>
+            <a:schemeClr val="accent4">
+              <a:lumMod val="20000"/>
+              <a:lumOff val="80000"/>
+            </a:schemeClr>
+          </a:solidFill>
+        </p:spPr>
+        <p:style>
+          <a:lnRef idx="2">
+            <a:schemeClr val="dk1"/>
+          </a:lnRef>
+          <a:fillRef idx="1">
+            <a:schemeClr val="lt1"/>
+          </a:fillRef>
+          <a:effectRef idx="0">
+            <a:schemeClr val="dk1"/>
+          </a:effectRef>
+          <a:fontRef idx="minor">
+            <a:schemeClr val="dk1"/>
+          </a:fontRef>
+        </p:style>
+        <p:txBody>
+          <a:bodyPr rtlCol="0" anchor="ctr"/>
+          <a:lstStyle/>
+          <a:p>
+            <a:pPr algn="ctr"/>
+            <a:r>
+              <a:rPr lang="en-US" altLang="ko-KR"/>
+              <a:t>5</a:t>
+            </a:r>
+            <a:endParaRPr lang="ko-KR" altLang="en-US"/>
+          </a:p>
+        </p:txBody>
+      </p:sp>
+      <p:sp>
+        <p:nvSpPr>
+          <p:cNvPr id="8" name="직사각형 7">
+            <a:extLst>
+              <a:ext uri="{FF2B5EF4-FFF2-40B4-BE49-F238E27FC236}">
+                <a16:creationId xmlns:a16="http://schemas.microsoft.com/office/drawing/2014/main" id="{4EE26F82-5FC5-8B78-C132-C9C2ECFD03FE}"/>
+              </a:ext>
+            </a:extLst>
+          </p:cNvPr>
+          <p:cNvSpPr/>
+          <p:nvPr/>
+        </p:nvSpPr>
+        <p:spPr>
+          <a:xfrm>
+            <a:off x="914400" y="3804248"/>
             <a:ext cx="672861" cy="672861"/>
           </a:xfrm>
           <a:prstGeom prst="rect">
@@ -7186,18 +8060,18 @@
             <a:pPr algn="ctr"/>
             <a:r>
               <a:rPr lang="en-US" altLang="ko-KR"/>
-              <a:t>11</a:t>
-            </a:r>
-            <a:endParaRPr lang="ko-KR" altLang="en-US"/>
-          </a:p>
-        </p:txBody>
-      </p:sp>
-      <p:sp>
-        <p:nvSpPr>
-          <p:cNvPr id="13" name="직사각형 12">
-            <a:extLst>
-              <a:ext uri="{FF2B5EF4-FFF2-40B4-BE49-F238E27FC236}">
-                <a16:creationId xmlns:a16="http://schemas.microsoft.com/office/drawing/2014/main" id="{604DC678-C500-DB66-F7CB-1A595A4394A5}"/>
+              <a:t>6</a:t>
+            </a:r>
+            <a:endParaRPr lang="ko-KR" altLang="en-US"/>
+          </a:p>
+        </p:txBody>
+      </p:sp>
+      <p:sp>
+        <p:nvSpPr>
+          <p:cNvPr id="9" name="직사각형 8">
+            <a:extLst>
+              <a:ext uri="{FF2B5EF4-FFF2-40B4-BE49-F238E27FC236}">
+                <a16:creationId xmlns:a16="http://schemas.microsoft.com/office/drawing/2014/main" id="{585ECE41-1DB5-0D53-93C1-B7C91A97F8FC}"/>
               </a:ext>
             </a:extLst>
           </p:cNvPr>
@@ -7206,7 +8080,7 @@
         </p:nvSpPr>
         <p:spPr>
           <a:xfrm>
-            <a:off x="1897811" y="3364301"/>
+            <a:off x="1871932" y="3804248"/>
             <a:ext cx="672861" cy="672861"/>
           </a:xfrm>
           <a:prstGeom prst="rect">
@@ -7240,6 +8114,276 @@
             <a:pPr algn="ctr"/>
             <a:r>
               <a:rPr lang="en-US" altLang="ko-KR"/>
+              <a:t>7</a:t>
+            </a:r>
+            <a:endParaRPr lang="ko-KR" altLang="en-US"/>
+          </a:p>
+        </p:txBody>
+      </p:sp>
+      <p:sp>
+        <p:nvSpPr>
+          <p:cNvPr id="10" name="직사각형 9">
+            <a:extLst>
+              <a:ext uri="{FF2B5EF4-FFF2-40B4-BE49-F238E27FC236}">
+                <a16:creationId xmlns:a16="http://schemas.microsoft.com/office/drawing/2014/main" id="{787CF6E3-8FEC-0488-DD56-ADEEE7A4CED2}"/>
+              </a:ext>
+            </a:extLst>
+          </p:cNvPr>
+          <p:cNvSpPr/>
+          <p:nvPr/>
+        </p:nvSpPr>
+        <p:spPr>
+          <a:xfrm>
+            <a:off x="2829464" y="3804248"/>
+            <a:ext cx="672861" cy="672861"/>
+          </a:xfrm>
+          <a:prstGeom prst="rect">
+            <a:avLst/>
+          </a:prstGeom>
+          <a:solidFill>
+            <a:schemeClr val="accent4">
+              <a:lumMod val="20000"/>
+              <a:lumOff val="80000"/>
+            </a:schemeClr>
+          </a:solidFill>
+        </p:spPr>
+        <p:style>
+          <a:lnRef idx="2">
+            <a:schemeClr val="dk1"/>
+          </a:lnRef>
+          <a:fillRef idx="1">
+            <a:schemeClr val="lt1"/>
+          </a:fillRef>
+          <a:effectRef idx="0">
+            <a:schemeClr val="dk1"/>
+          </a:effectRef>
+          <a:fontRef idx="minor">
+            <a:schemeClr val="dk1"/>
+          </a:fontRef>
+        </p:style>
+        <p:txBody>
+          <a:bodyPr rtlCol="0" anchor="ctr"/>
+          <a:lstStyle/>
+          <a:p>
+            <a:pPr algn="ctr"/>
+            <a:r>
+              <a:rPr lang="en-US" altLang="ko-KR"/>
+              <a:t>8</a:t>
+            </a:r>
+            <a:endParaRPr lang="ko-KR" altLang="en-US"/>
+          </a:p>
+        </p:txBody>
+      </p:sp>
+      <p:sp>
+        <p:nvSpPr>
+          <p:cNvPr id="11" name="직사각형 10">
+            <a:extLst>
+              <a:ext uri="{FF2B5EF4-FFF2-40B4-BE49-F238E27FC236}">
+                <a16:creationId xmlns:a16="http://schemas.microsoft.com/office/drawing/2014/main" id="{F24A7ECF-0269-930B-D0A6-1E26DA4FD5D8}"/>
+              </a:ext>
+            </a:extLst>
+          </p:cNvPr>
+          <p:cNvSpPr/>
+          <p:nvPr/>
+        </p:nvSpPr>
+        <p:spPr>
+          <a:xfrm>
+            <a:off x="3743863" y="3804248"/>
+            <a:ext cx="672861" cy="672861"/>
+          </a:xfrm>
+          <a:prstGeom prst="rect">
+            <a:avLst/>
+          </a:prstGeom>
+          <a:solidFill>
+            <a:schemeClr val="accent4">
+              <a:lumMod val="20000"/>
+              <a:lumOff val="80000"/>
+            </a:schemeClr>
+          </a:solidFill>
+        </p:spPr>
+        <p:style>
+          <a:lnRef idx="2">
+            <a:schemeClr val="dk1"/>
+          </a:lnRef>
+          <a:fillRef idx="1">
+            <a:schemeClr val="lt1"/>
+          </a:fillRef>
+          <a:effectRef idx="0">
+            <a:schemeClr val="dk1"/>
+          </a:effectRef>
+          <a:fontRef idx="minor">
+            <a:schemeClr val="dk1"/>
+          </a:fontRef>
+        </p:style>
+        <p:txBody>
+          <a:bodyPr rtlCol="0" anchor="ctr"/>
+          <a:lstStyle/>
+          <a:p>
+            <a:pPr algn="ctr"/>
+            <a:r>
+              <a:rPr lang="en-US" altLang="ko-KR"/>
+              <a:t>9</a:t>
+            </a:r>
+            <a:endParaRPr lang="ko-KR" altLang="en-US"/>
+          </a:p>
+        </p:txBody>
+      </p:sp>
+      <p:sp>
+        <p:nvSpPr>
+          <p:cNvPr id="12" name="직사각형 11">
+            <a:extLst>
+              <a:ext uri="{FF2B5EF4-FFF2-40B4-BE49-F238E27FC236}">
+                <a16:creationId xmlns:a16="http://schemas.microsoft.com/office/drawing/2014/main" id="{B46C1EDA-E208-0BA4-A750-5921AC3EFF41}"/>
+              </a:ext>
+            </a:extLst>
+          </p:cNvPr>
+          <p:cNvSpPr/>
+          <p:nvPr/>
+        </p:nvSpPr>
+        <p:spPr>
+          <a:xfrm>
+            <a:off x="4735901" y="3804248"/>
+            <a:ext cx="672861" cy="672861"/>
+          </a:xfrm>
+          <a:prstGeom prst="rect">
+            <a:avLst/>
+          </a:prstGeom>
+          <a:solidFill>
+            <a:schemeClr val="accent4">
+              <a:lumMod val="20000"/>
+              <a:lumOff val="80000"/>
+            </a:schemeClr>
+          </a:solidFill>
+        </p:spPr>
+        <p:style>
+          <a:lnRef idx="2">
+            <a:schemeClr val="dk1"/>
+          </a:lnRef>
+          <a:fillRef idx="1">
+            <a:schemeClr val="lt1"/>
+          </a:fillRef>
+          <a:effectRef idx="0">
+            <a:schemeClr val="dk1"/>
+          </a:effectRef>
+          <a:fontRef idx="minor">
+            <a:schemeClr val="dk1"/>
+          </a:fontRef>
+        </p:style>
+        <p:txBody>
+          <a:bodyPr rtlCol="0" anchor="ctr"/>
+          <a:lstStyle/>
+          <a:p>
+            <a:pPr algn="ctr"/>
+            <a:r>
+              <a:rPr lang="en-US" altLang="ko-KR"/>
+              <a:t>10</a:t>
+            </a:r>
+            <a:endParaRPr lang="ko-KR" altLang="en-US"/>
+          </a:p>
+        </p:txBody>
+      </p:sp>
+      <p:sp>
+        <p:nvSpPr>
+          <p:cNvPr id="13" name="직사각형 12">
+            <a:extLst>
+              <a:ext uri="{FF2B5EF4-FFF2-40B4-BE49-F238E27FC236}">
+                <a16:creationId xmlns:a16="http://schemas.microsoft.com/office/drawing/2014/main" id="{F882B156-703A-8207-9756-8519158703DB}"/>
+              </a:ext>
+            </a:extLst>
+          </p:cNvPr>
+          <p:cNvSpPr/>
+          <p:nvPr/>
+        </p:nvSpPr>
+        <p:spPr>
+          <a:xfrm>
+            <a:off x="914400" y="4787659"/>
+            <a:ext cx="672861" cy="672861"/>
+          </a:xfrm>
+          <a:prstGeom prst="rect">
+            <a:avLst/>
+          </a:prstGeom>
+          <a:solidFill>
+            <a:schemeClr val="accent4">
+              <a:lumMod val="20000"/>
+              <a:lumOff val="80000"/>
+            </a:schemeClr>
+          </a:solidFill>
+        </p:spPr>
+        <p:style>
+          <a:lnRef idx="2">
+            <a:schemeClr val="dk1"/>
+          </a:lnRef>
+          <a:fillRef idx="1">
+            <a:schemeClr val="lt1"/>
+          </a:fillRef>
+          <a:effectRef idx="0">
+            <a:schemeClr val="dk1"/>
+          </a:effectRef>
+          <a:fontRef idx="minor">
+            <a:schemeClr val="dk1"/>
+          </a:fontRef>
+        </p:style>
+        <p:txBody>
+          <a:bodyPr rtlCol="0" anchor="ctr"/>
+          <a:lstStyle/>
+          <a:p>
+            <a:pPr algn="ctr"/>
+            <a:r>
+              <a:rPr lang="en-US" altLang="ko-KR"/>
+              <a:t>11</a:t>
+            </a:r>
+            <a:endParaRPr lang="ko-KR" altLang="en-US"/>
+          </a:p>
+        </p:txBody>
+      </p:sp>
+      <p:sp>
+        <p:nvSpPr>
+          <p:cNvPr id="14" name="직사각형 13">
+            <a:extLst>
+              <a:ext uri="{FF2B5EF4-FFF2-40B4-BE49-F238E27FC236}">
+                <a16:creationId xmlns:a16="http://schemas.microsoft.com/office/drawing/2014/main" id="{33E525C8-2BA9-15D5-C6F2-DB64460C8A23}"/>
+              </a:ext>
+            </a:extLst>
+          </p:cNvPr>
+          <p:cNvSpPr/>
+          <p:nvPr/>
+        </p:nvSpPr>
+        <p:spPr>
+          <a:xfrm>
+            <a:off x="1871932" y="4787659"/>
+            <a:ext cx="672861" cy="672861"/>
+          </a:xfrm>
+          <a:prstGeom prst="rect">
+            <a:avLst/>
+          </a:prstGeom>
+          <a:solidFill>
+            <a:schemeClr val="accent4">
+              <a:lumMod val="20000"/>
+              <a:lumOff val="80000"/>
+            </a:schemeClr>
+          </a:solidFill>
+        </p:spPr>
+        <p:style>
+          <a:lnRef idx="2">
+            <a:schemeClr val="dk1"/>
+          </a:lnRef>
+          <a:fillRef idx="1">
+            <a:schemeClr val="lt1"/>
+          </a:fillRef>
+          <a:effectRef idx="0">
+            <a:schemeClr val="dk1"/>
+          </a:effectRef>
+          <a:fontRef idx="minor">
+            <a:schemeClr val="dk1"/>
+          </a:fontRef>
+        </p:style>
+        <p:txBody>
+          <a:bodyPr rtlCol="0" anchor="ctr"/>
+          <a:lstStyle/>
+          <a:p>
+            <a:pPr algn="ctr"/>
+            <a:r>
+              <a:rPr lang="en-US" altLang="ko-KR"/>
               <a:t>12</a:t>
             </a:r>
             <a:endParaRPr lang="ko-KR" altLang="en-US"/>
@@ -7248,10 +8392,10 @@
       </p:sp>
       <p:sp>
         <p:nvSpPr>
-          <p:cNvPr id="17" name="TextBox 16">
-            <a:extLst>
-              <a:ext uri="{FF2B5EF4-FFF2-40B4-BE49-F238E27FC236}">
-                <a16:creationId xmlns:a16="http://schemas.microsoft.com/office/drawing/2014/main" id="{929B9A4A-B527-4578-BA16-317AF956DCAF}"/>
+          <p:cNvPr id="15" name="TextBox 14">
+            <a:extLst>
+              <a:ext uri="{FF2B5EF4-FFF2-40B4-BE49-F238E27FC236}">
+                <a16:creationId xmlns:a16="http://schemas.microsoft.com/office/drawing/2014/main" id="{40692720-6D2D-59CC-F462-ACDC52379855}"/>
               </a:ext>
             </a:extLst>
           </p:cNvPr>
@@ -7260,7 +8404,7 @@
         </p:nvSpPr>
         <p:spPr>
           <a:xfrm>
-            <a:off x="5897596" y="1199072"/>
+            <a:off x="6070121" y="2622430"/>
             <a:ext cx="1999265" cy="369332"/>
           </a:xfrm>
           <a:prstGeom prst="rect">
@@ -7288,10 +8432,10 @@
       </p:sp>
       <p:sp>
         <p:nvSpPr>
-          <p:cNvPr id="18" name="직사각형 17">
-            <a:extLst>
-              <a:ext uri="{FF2B5EF4-FFF2-40B4-BE49-F238E27FC236}">
-                <a16:creationId xmlns:a16="http://schemas.microsoft.com/office/drawing/2014/main" id="{77C4DAE4-6341-573A-81F7-B01D4BA0F1CE}"/>
+          <p:cNvPr id="16" name="직사각형 15">
+            <a:extLst>
+              <a:ext uri="{FF2B5EF4-FFF2-40B4-BE49-F238E27FC236}">
+                <a16:creationId xmlns:a16="http://schemas.microsoft.com/office/drawing/2014/main" id="{41B41D43-0354-1E59-9A46-534743967759}"/>
               </a:ext>
             </a:extLst>
           </p:cNvPr>
@@ -7300,7 +8444,856 @@
         </p:nvSpPr>
         <p:spPr>
           <a:xfrm>
-            <a:off x="2855343" y="3364301"/>
+            <a:off x="2829464" y="4787659"/>
+            <a:ext cx="672861" cy="672861"/>
+          </a:xfrm>
+          <a:prstGeom prst="rect">
+            <a:avLst/>
+          </a:prstGeom>
+          <a:solidFill>
+            <a:schemeClr val="accent4">
+              <a:lumMod val="20000"/>
+              <a:lumOff val="80000"/>
+            </a:schemeClr>
+          </a:solidFill>
+        </p:spPr>
+        <p:style>
+          <a:lnRef idx="2">
+            <a:schemeClr val="dk1"/>
+          </a:lnRef>
+          <a:fillRef idx="1">
+            <a:schemeClr val="lt1"/>
+          </a:fillRef>
+          <a:effectRef idx="0">
+            <a:schemeClr val="dk1"/>
+          </a:effectRef>
+          <a:fontRef idx="minor">
+            <a:schemeClr val="dk1"/>
+          </a:fontRef>
+        </p:style>
+        <p:txBody>
+          <a:bodyPr rtlCol="0" anchor="ctr"/>
+          <a:lstStyle/>
+          <a:p>
+            <a:pPr algn="ctr"/>
+            <a:r>
+              <a:rPr lang="en-US" altLang="ko-KR"/>
+              <a:t>13</a:t>
+            </a:r>
+            <a:endParaRPr lang="ko-KR" altLang="en-US"/>
+          </a:p>
+        </p:txBody>
+      </p:sp>
+      <p:sp>
+        <p:nvSpPr>
+          <p:cNvPr id="17" name="TextBox 16">
+            <a:extLst>
+              <a:ext uri="{FF2B5EF4-FFF2-40B4-BE49-F238E27FC236}">
+                <a16:creationId xmlns:a16="http://schemas.microsoft.com/office/drawing/2014/main" id="{B803DE77-469F-4AF0-830B-6C77A1510414}"/>
+              </a:ext>
+            </a:extLst>
+          </p:cNvPr>
+          <p:cNvSpPr txBox="1"/>
+          <p:nvPr/>
+        </p:nvSpPr>
+        <p:spPr>
+          <a:xfrm>
+            <a:off x="6070121" y="3248646"/>
+            <a:ext cx="2416046" cy="369332"/>
+          </a:xfrm>
+          <a:prstGeom prst="rect">
+            <a:avLst/>
+          </a:prstGeom>
+          <a:noFill/>
+        </p:spPr>
+        <p:txBody>
+          <a:bodyPr wrap="none" rtlCol="0">
+            <a:spAutoFit/>
+          </a:bodyPr>
+          <a:lstStyle/>
+          <a:p>
+            <a:r>
+              <a:rPr lang="ko-KR" altLang="en-US"/>
+              <a:t>현재 페이지 그룹 </a:t>
+            </a:r>
+            <a:r>
+              <a:rPr lang="en-US" altLang="ko-KR"/>
+              <a:t>= 2</a:t>
+            </a:r>
+            <a:endParaRPr lang="ko-KR" altLang="en-US"/>
+          </a:p>
+        </p:txBody>
+      </p:sp>
+      <p:sp>
+        <p:nvSpPr>
+          <p:cNvPr id="18" name="TextBox 17">
+            <a:extLst>
+              <a:ext uri="{FF2B5EF4-FFF2-40B4-BE49-F238E27FC236}">
+                <a16:creationId xmlns:a16="http://schemas.microsoft.com/office/drawing/2014/main" id="{4DBC6A02-7BD5-71DD-798F-7C44A9664D3B}"/>
+              </a:ext>
+            </a:extLst>
+          </p:cNvPr>
+          <p:cNvSpPr txBox="1"/>
+          <p:nvPr/>
+        </p:nvSpPr>
+        <p:spPr>
+          <a:xfrm>
+            <a:off x="6070121" y="3874862"/>
+            <a:ext cx="3421129" cy="369332"/>
+          </a:xfrm>
+          <a:prstGeom prst="rect">
+            <a:avLst/>
+          </a:prstGeom>
+          <a:noFill/>
+        </p:spPr>
+        <p:txBody>
+          <a:bodyPr wrap="none" rtlCol="0">
+            <a:spAutoFit/>
+          </a:bodyPr>
+          <a:lstStyle/>
+          <a:p>
+            <a:r>
+              <a:rPr lang="ko-KR" altLang="en-US"/>
+              <a:t>화면에 보여줄 페이지 개수 </a:t>
+            </a:r>
+            <a:r>
+              <a:rPr lang="en-US" altLang="ko-KR"/>
+              <a:t>= 5</a:t>
+            </a:r>
+          </a:p>
+        </p:txBody>
+      </p:sp>
+      <p:sp>
+        <p:nvSpPr>
+          <p:cNvPr id="19" name="TextBox 18">
+            <a:extLst>
+              <a:ext uri="{FF2B5EF4-FFF2-40B4-BE49-F238E27FC236}">
+                <a16:creationId xmlns:a16="http://schemas.microsoft.com/office/drawing/2014/main" id="{216D7795-D369-4798-C0CC-E4DC74321D7F}"/>
+              </a:ext>
+            </a:extLst>
+          </p:cNvPr>
+          <p:cNvSpPr txBox="1"/>
+          <p:nvPr/>
+        </p:nvSpPr>
+        <p:spPr>
+          <a:xfrm>
+            <a:off x="6070121" y="4501078"/>
+            <a:ext cx="3714478" cy="369332"/>
+          </a:xfrm>
+          <a:prstGeom prst="rect">
+            <a:avLst/>
+          </a:prstGeom>
+          <a:noFill/>
+        </p:spPr>
+        <p:txBody>
+          <a:bodyPr wrap="none" rtlCol="0">
+            <a:spAutoFit/>
+          </a:bodyPr>
+          <a:lstStyle/>
+          <a:p>
+            <a:r>
+              <a:rPr lang="ko-KR" altLang="en-US">
+                <a:solidFill>
+                  <a:srgbClr val="FF0000"/>
+                </a:solidFill>
+              </a:rPr>
+              <a:t>첫번째 번호 </a:t>
+            </a:r>
+            <a:r>
+              <a:rPr lang="en-US" altLang="ko-KR">
+                <a:solidFill>
+                  <a:srgbClr val="FF0000"/>
+                </a:solidFill>
+              </a:rPr>
+              <a:t>= (2 – 1) * 5 + 1 = 6</a:t>
+            </a:r>
+          </a:p>
+        </p:txBody>
+      </p:sp>
+    </p:spTree>
+    <p:extLst>
+      <p:ext uri="{BB962C8B-B14F-4D97-AF65-F5344CB8AC3E}">
+        <p14:creationId xmlns:p14="http://schemas.microsoft.com/office/powerpoint/2010/main" val="3624077418"/>
+      </p:ext>
+    </p:extLst>
+  </p:cSld>
+  <p:clrMapOvr>
+    <a:masterClrMapping/>
+  </p:clrMapOvr>
+</p:sld>
+</file>
+
+<file path=ppt/slides/slide9.xml><?xml version="1.0" encoding="utf-8"?>
+<p:sld xmlns:a="http://schemas.openxmlformats.org/drawingml/2006/main" xmlns:r="http://schemas.openxmlformats.org/officeDocument/2006/relationships" xmlns:p="http://schemas.openxmlformats.org/presentationml/2006/main">
+  <p:cSld>
+    <p:spTree>
+      <p:nvGrpSpPr>
+        <p:cNvPr id="1" name=""/>
+        <p:cNvGrpSpPr/>
+        <p:nvPr/>
+      </p:nvGrpSpPr>
+      <p:grpSpPr>
+        <a:xfrm>
+          <a:off x="0" y="0"/>
+          <a:ext cx="0" cy="0"/>
+          <a:chOff x="0" y="0"/>
+          <a:chExt cx="0" cy="0"/>
+        </a:xfrm>
+      </p:grpSpPr>
+      <p:sp>
+        <p:nvSpPr>
+          <p:cNvPr id="2" name="제목 1">
+            <a:extLst>
+              <a:ext uri="{FF2B5EF4-FFF2-40B4-BE49-F238E27FC236}">
+                <a16:creationId xmlns:a16="http://schemas.microsoft.com/office/drawing/2014/main" id="{261A23CC-3D3C-5E92-8B43-1F3C6DF33DFF}"/>
+              </a:ext>
+            </a:extLst>
+          </p:cNvPr>
+          <p:cNvSpPr>
+            <a:spLocks noGrp="1"/>
+          </p:cNvSpPr>
+          <p:nvPr>
+            <p:ph type="title"/>
+          </p:nvPr>
+        </p:nvSpPr>
+        <p:spPr/>
+        <p:txBody>
+          <a:bodyPr/>
+          <a:lstStyle/>
+          <a:p>
+            <a:pPr algn="l"/>
+            <a:r>
+              <a:rPr lang="ko-KR" altLang="en-US" b="0" i="0">
+                <a:effectLst/>
+                <a:latin typeface="Avenir"/>
+              </a:rPr>
+              <a:t>마지막 번호 계산</a:t>
+            </a:r>
+          </a:p>
+        </p:txBody>
+      </p:sp>
+      <p:sp>
+        <p:nvSpPr>
+          <p:cNvPr id="23" name="TextBox 22">
+            <a:extLst>
+              <a:ext uri="{FF2B5EF4-FFF2-40B4-BE49-F238E27FC236}">
+                <a16:creationId xmlns:a16="http://schemas.microsoft.com/office/drawing/2014/main" id="{7FCBF4EB-7E53-AFFE-DE7E-CDC8D5BF2875}"/>
+              </a:ext>
+            </a:extLst>
+          </p:cNvPr>
+          <p:cNvSpPr txBox="1"/>
+          <p:nvPr/>
+        </p:nvSpPr>
+        <p:spPr>
+          <a:xfrm>
+            <a:off x="749023" y="1792452"/>
+            <a:ext cx="11344772" cy="523220"/>
+          </a:xfrm>
+          <a:prstGeom prst="rect">
+            <a:avLst/>
+          </a:prstGeom>
+          <a:noFill/>
+        </p:spPr>
+        <p:txBody>
+          <a:bodyPr wrap="none" rtlCol="0">
+            <a:spAutoFit/>
+          </a:bodyPr>
+          <a:lstStyle/>
+          <a:p>
+            <a:r>
+              <a:rPr lang="ko-KR" altLang="en-US" sz="1400" b="0" i="0">
+                <a:solidFill>
+                  <a:srgbClr val="333333"/>
+                </a:solidFill>
+                <a:effectLst/>
+                <a:latin typeface="Courier New" panose="02070309020205020404" pitchFamily="49" charset="0"/>
+              </a:rPr>
+              <a:t>어떤 한 페이지 그룹의 마지막 페이지 번호 </a:t>
+            </a:r>
+            <a:r>
+              <a:rPr lang="en-US" altLang="ko-KR" sz="1400" b="0" i="0">
+                <a:solidFill>
+                  <a:srgbClr val="333333"/>
+                </a:solidFill>
+                <a:effectLst/>
+                <a:latin typeface="Courier New" panose="02070309020205020404" pitchFamily="49" charset="0"/>
+              </a:rPr>
+              <a:t>= </a:t>
+            </a:r>
+            <a:r>
+              <a:rPr lang="ko-KR" altLang="en-US" sz="1400" b="0" i="0">
+                <a:solidFill>
+                  <a:srgbClr val="333333"/>
+                </a:solidFill>
+                <a:effectLst/>
+                <a:latin typeface="Courier New" panose="02070309020205020404" pitchFamily="49" charset="0"/>
+              </a:rPr>
+              <a:t>페이지 그룹 * 한 화면에 보여질 페이지 개수</a:t>
+            </a:r>
+            <a:endParaRPr lang="en-US" altLang="ko-KR" sz="1400" b="0" i="0">
+              <a:solidFill>
+                <a:srgbClr val="333333"/>
+              </a:solidFill>
+              <a:effectLst/>
+              <a:latin typeface="Courier New" panose="02070309020205020404" pitchFamily="49" charset="0"/>
+            </a:endParaRPr>
+          </a:p>
+          <a:p>
+            <a:r>
+              <a:rPr lang="en-US" altLang="ko-KR" sz="1400" b="0" i="0">
+                <a:solidFill>
+                  <a:srgbClr val="333333"/>
+                </a:solidFill>
+                <a:effectLst/>
+                <a:latin typeface="Courier New" panose="02070309020205020404" pitchFamily="49" charset="0"/>
+              </a:rPr>
+              <a:t>(</a:t>
+            </a:r>
+            <a:r>
+              <a:rPr lang="ko-KR" altLang="en-US" sz="1400" b="0" i="0">
+                <a:solidFill>
+                  <a:srgbClr val="333333"/>
+                </a:solidFill>
+                <a:effectLst/>
+                <a:latin typeface="Courier New" panose="02070309020205020404" pitchFamily="49" charset="0"/>
+              </a:rPr>
+              <a:t>단</a:t>
+            </a:r>
+            <a:r>
+              <a:rPr lang="en-US" altLang="ko-KR" sz="1400" b="0" i="0">
+                <a:solidFill>
+                  <a:srgbClr val="333333"/>
+                </a:solidFill>
+                <a:effectLst/>
+                <a:latin typeface="Courier New" panose="02070309020205020404" pitchFamily="49" charset="0"/>
+              </a:rPr>
+              <a:t>, </a:t>
+            </a:r>
+            <a:r>
+              <a:rPr lang="ko-KR" altLang="en-US" sz="1400" b="0" i="0">
+                <a:solidFill>
+                  <a:srgbClr val="333333"/>
+                </a:solidFill>
+                <a:effectLst/>
+                <a:latin typeface="Courier New" panose="02070309020205020404" pitchFamily="49" charset="0"/>
+              </a:rPr>
+              <a:t>페이지 그룹 * 한 화면에 보여질 페이지 개수의 값이 전체 페이지보다 크다면 전체 페이지가 마지막 페이지 번호가 됩니다</a:t>
+            </a:r>
+            <a:r>
+              <a:rPr lang="en-US" altLang="ko-KR" sz="1400" b="0" i="0">
+                <a:solidFill>
+                  <a:srgbClr val="333333"/>
+                </a:solidFill>
+                <a:effectLst/>
+                <a:latin typeface="Courier New" panose="02070309020205020404" pitchFamily="49" charset="0"/>
+              </a:rPr>
+              <a:t>)</a:t>
+            </a:r>
+            <a:endParaRPr lang="ko-KR" altLang="en-US" sz="1400"/>
+          </a:p>
+        </p:txBody>
+      </p:sp>
+      <p:sp>
+        <p:nvSpPr>
+          <p:cNvPr id="21" name="직사각형 20">
+            <a:extLst>
+              <a:ext uri="{FF2B5EF4-FFF2-40B4-BE49-F238E27FC236}">
+                <a16:creationId xmlns:a16="http://schemas.microsoft.com/office/drawing/2014/main" id="{9A53708F-509B-A660-1457-93B5792316E2}"/>
+              </a:ext>
+            </a:extLst>
+          </p:cNvPr>
+          <p:cNvSpPr/>
+          <p:nvPr/>
+        </p:nvSpPr>
+        <p:spPr>
+          <a:xfrm>
+            <a:off x="914400" y="2760451"/>
+            <a:ext cx="672861" cy="672861"/>
+          </a:xfrm>
+          <a:prstGeom prst="rect">
+            <a:avLst/>
+          </a:prstGeom>
+          <a:solidFill>
+            <a:schemeClr val="accent4">
+              <a:lumMod val="20000"/>
+              <a:lumOff val="80000"/>
+            </a:schemeClr>
+          </a:solidFill>
+        </p:spPr>
+        <p:style>
+          <a:lnRef idx="2">
+            <a:schemeClr val="dk1"/>
+          </a:lnRef>
+          <a:fillRef idx="1">
+            <a:schemeClr val="lt1"/>
+          </a:fillRef>
+          <a:effectRef idx="0">
+            <a:schemeClr val="dk1"/>
+          </a:effectRef>
+          <a:fontRef idx="minor">
+            <a:schemeClr val="dk1"/>
+          </a:fontRef>
+        </p:style>
+        <p:txBody>
+          <a:bodyPr rtlCol="0" anchor="ctr"/>
+          <a:lstStyle/>
+          <a:p>
+            <a:pPr algn="ctr"/>
+            <a:r>
+              <a:rPr lang="en-US" altLang="ko-KR"/>
+              <a:t>1</a:t>
+            </a:r>
+            <a:endParaRPr lang="ko-KR" altLang="en-US"/>
+          </a:p>
+        </p:txBody>
+      </p:sp>
+      <p:sp>
+        <p:nvSpPr>
+          <p:cNvPr id="22" name="직사각형 21">
+            <a:extLst>
+              <a:ext uri="{FF2B5EF4-FFF2-40B4-BE49-F238E27FC236}">
+                <a16:creationId xmlns:a16="http://schemas.microsoft.com/office/drawing/2014/main" id="{F03897A2-E771-D2DF-5490-34690E59862B}"/>
+              </a:ext>
+            </a:extLst>
+          </p:cNvPr>
+          <p:cNvSpPr/>
+          <p:nvPr/>
+        </p:nvSpPr>
+        <p:spPr>
+          <a:xfrm>
+            <a:off x="1871932" y="2760451"/>
+            <a:ext cx="672861" cy="672861"/>
+          </a:xfrm>
+          <a:prstGeom prst="rect">
+            <a:avLst/>
+          </a:prstGeom>
+          <a:solidFill>
+            <a:schemeClr val="accent4">
+              <a:lumMod val="20000"/>
+              <a:lumOff val="80000"/>
+            </a:schemeClr>
+          </a:solidFill>
+        </p:spPr>
+        <p:style>
+          <a:lnRef idx="2">
+            <a:schemeClr val="dk1"/>
+          </a:lnRef>
+          <a:fillRef idx="1">
+            <a:schemeClr val="lt1"/>
+          </a:fillRef>
+          <a:effectRef idx="0">
+            <a:schemeClr val="dk1"/>
+          </a:effectRef>
+          <a:fontRef idx="minor">
+            <a:schemeClr val="dk1"/>
+          </a:fontRef>
+        </p:style>
+        <p:txBody>
+          <a:bodyPr rtlCol="0" anchor="ctr"/>
+          <a:lstStyle/>
+          <a:p>
+            <a:pPr algn="ctr"/>
+            <a:r>
+              <a:rPr lang="en-US" altLang="ko-KR"/>
+              <a:t>2</a:t>
+            </a:r>
+            <a:endParaRPr lang="ko-KR" altLang="en-US"/>
+          </a:p>
+        </p:txBody>
+      </p:sp>
+      <p:sp>
+        <p:nvSpPr>
+          <p:cNvPr id="24" name="직사각형 23">
+            <a:extLst>
+              <a:ext uri="{FF2B5EF4-FFF2-40B4-BE49-F238E27FC236}">
+                <a16:creationId xmlns:a16="http://schemas.microsoft.com/office/drawing/2014/main" id="{1C1B4ACB-11A9-A4C9-989F-9B3C6312A3B1}"/>
+              </a:ext>
+            </a:extLst>
+          </p:cNvPr>
+          <p:cNvSpPr/>
+          <p:nvPr/>
+        </p:nvSpPr>
+        <p:spPr>
+          <a:xfrm>
+            <a:off x="2829464" y="2760451"/>
+            <a:ext cx="672861" cy="672861"/>
+          </a:xfrm>
+          <a:prstGeom prst="rect">
+            <a:avLst/>
+          </a:prstGeom>
+          <a:solidFill>
+            <a:schemeClr val="accent4">
+              <a:lumMod val="20000"/>
+              <a:lumOff val="80000"/>
+            </a:schemeClr>
+          </a:solidFill>
+        </p:spPr>
+        <p:style>
+          <a:lnRef idx="2">
+            <a:schemeClr val="dk1"/>
+          </a:lnRef>
+          <a:fillRef idx="1">
+            <a:schemeClr val="lt1"/>
+          </a:fillRef>
+          <a:effectRef idx="0">
+            <a:schemeClr val="dk1"/>
+          </a:effectRef>
+          <a:fontRef idx="minor">
+            <a:schemeClr val="dk1"/>
+          </a:fontRef>
+        </p:style>
+        <p:txBody>
+          <a:bodyPr rtlCol="0" anchor="ctr"/>
+          <a:lstStyle/>
+          <a:p>
+            <a:pPr algn="ctr"/>
+            <a:r>
+              <a:rPr lang="en-US" altLang="ko-KR"/>
+              <a:t>3</a:t>
+            </a:r>
+            <a:endParaRPr lang="ko-KR" altLang="en-US"/>
+          </a:p>
+        </p:txBody>
+      </p:sp>
+      <p:sp>
+        <p:nvSpPr>
+          <p:cNvPr id="25" name="직사각형 24">
+            <a:extLst>
+              <a:ext uri="{FF2B5EF4-FFF2-40B4-BE49-F238E27FC236}">
+                <a16:creationId xmlns:a16="http://schemas.microsoft.com/office/drawing/2014/main" id="{C42D8107-F71E-3CB0-C3A9-3630FA24C6A5}"/>
+              </a:ext>
+            </a:extLst>
+          </p:cNvPr>
+          <p:cNvSpPr/>
+          <p:nvPr/>
+        </p:nvSpPr>
+        <p:spPr>
+          <a:xfrm>
+            <a:off x="3743863" y="2760451"/>
+            <a:ext cx="672861" cy="672861"/>
+          </a:xfrm>
+          <a:prstGeom prst="rect">
+            <a:avLst/>
+          </a:prstGeom>
+          <a:solidFill>
+            <a:schemeClr val="accent4">
+              <a:lumMod val="20000"/>
+              <a:lumOff val="80000"/>
+            </a:schemeClr>
+          </a:solidFill>
+        </p:spPr>
+        <p:style>
+          <a:lnRef idx="2">
+            <a:schemeClr val="dk1"/>
+          </a:lnRef>
+          <a:fillRef idx="1">
+            <a:schemeClr val="lt1"/>
+          </a:fillRef>
+          <a:effectRef idx="0">
+            <a:schemeClr val="dk1"/>
+          </a:effectRef>
+          <a:fontRef idx="minor">
+            <a:schemeClr val="dk1"/>
+          </a:fontRef>
+        </p:style>
+        <p:txBody>
+          <a:bodyPr rtlCol="0" anchor="ctr"/>
+          <a:lstStyle/>
+          <a:p>
+            <a:pPr algn="ctr"/>
+            <a:r>
+              <a:rPr lang="en-US" altLang="ko-KR"/>
+              <a:t>4</a:t>
+            </a:r>
+            <a:endParaRPr lang="ko-KR" altLang="en-US"/>
+          </a:p>
+        </p:txBody>
+      </p:sp>
+      <p:sp>
+        <p:nvSpPr>
+          <p:cNvPr id="26" name="직사각형 25">
+            <a:extLst>
+              <a:ext uri="{FF2B5EF4-FFF2-40B4-BE49-F238E27FC236}">
+                <a16:creationId xmlns:a16="http://schemas.microsoft.com/office/drawing/2014/main" id="{03B12167-C701-60DE-94ED-A4A5A65CCAC1}"/>
+              </a:ext>
+            </a:extLst>
+          </p:cNvPr>
+          <p:cNvSpPr/>
+          <p:nvPr/>
+        </p:nvSpPr>
+        <p:spPr>
+          <a:xfrm>
+            <a:off x="4735901" y="2760451"/>
+            <a:ext cx="672861" cy="672861"/>
+          </a:xfrm>
+          <a:prstGeom prst="rect">
+            <a:avLst/>
+          </a:prstGeom>
+          <a:solidFill>
+            <a:schemeClr val="accent4">
+              <a:lumMod val="20000"/>
+              <a:lumOff val="80000"/>
+            </a:schemeClr>
+          </a:solidFill>
+        </p:spPr>
+        <p:style>
+          <a:lnRef idx="2">
+            <a:schemeClr val="dk1"/>
+          </a:lnRef>
+          <a:fillRef idx="1">
+            <a:schemeClr val="lt1"/>
+          </a:fillRef>
+          <a:effectRef idx="0">
+            <a:schemeClr val="dk1"/>
+          </a:effectRef>
+          <a:fontRef idx="minor">
+            <a:schemeClr val="dk1"/>
+          </a:fontRef>
+        </p:style>
+        <p:txBody>
+          <a:bodyPr rtlCol="0" anchor="ctr"/>
+          <a:lstStyle/>
+          <a:p>
+            <a:pPr algn="ctr"/>
+            <a:r>
+              <a:rPr lang="en-US" altLang="ko-KR"/>
+              <a:t>5</a:t>
+            </a:r>
+            <a:endParaRPr lang="ko-KR" altLang="en-US"/>
+          </a:p>
+        </p:txBody>
+      </p:sp>
+      <p:sp>
+        <p:nvSpPr>
+          <p:cNvPr id="27" name="직사각형 26">
+            <a:extLst>
+              <a:ext uri="{FF2B5EF4-FFF2-40B4-BE49-F238E27FC236}">
+                <a16:creationId xmlns:a16="http://schemas.microsoft.com/office/drawing/2014/main" id="{9F799F5C-5EF0-5E24-D5AA-6E8F2132C48F}"/>
+              </a:ext>
+            </a:extLst>
+          </p:cNvPr>
+          <p:cNvSpPr/>
+          <p:nvPr/>
+        </p:nvSpPr>
+        <p:spPr>
+          <a:xfrm>
+            <a:off x="914400" y="3804248"/>
+            <a:ext cx="672861" cy="672861"/>
+          </a:xfrm>
+          <a:prstGeom prst="rect">
+            <a:avLst/>
+          </a:prstGeom>
+          <a:solidFill>
+            <a:schemeClr val="accent4">
+              <a:lumMod val="20000"/>
+              <a:lumOff val="80000"/>
+            </a:schemeClr>
+          </a:solidFill>
+        </p:spPr>
+        <p:style>
+          <a:lnRef idx="2">
+            <a:schemeClr val="dk1"/>
+          </a:lnRef>
+          <a:fillRef idx="1">
+            <a:schemeClr val="lt1"/>
+          </a:fillRef>
+          <a:effectRef idx="0">
+            <a:schemeClr val="dk1"/>
+          </a:effectRef>
+          <a:fontRef idx="minor">
+            <a:schemeClr val="dk1"/>
+          </a:fontRef>
+        </p:style>
+        <p:txBody>
+          <a:bodyPr rtlCol="0" anchor="ctr"/>
+          <a:lstStyle/>
+          <a:p>
+            <a:pPr algn="ctr"/>
+            <a:r>
+              <a:rPr lang="en-US" altLang="ko-KR"/>
+              <a:t>6</a:t>
+            </a:r>
+            <a:endParaRPr lang="ko-KR" altLang="en-US"/>
+          </a:p>
+        </p:txBody>
+      </p:sp>
+      <p:sp>
+        <p:nvSpPr>
+          <p:cNvPr id="28" name="직사각형 27">
+            <a:extLst>
+              <a:ext uri="{FF2B5EF4-FFF2-40B4-BE49-F238E27FC236}">
+                <a16:creationId xmlns:a16="http://schemas.microsoft.com/office/drawing/2014/main" id="{11256BC6-AFA4-2CBB-DD95-76396757E874}"/>
+              </a:ext>
+            </a:extLst>
+          </p:cNvPr>
+          <p:cNvSpPr/>
+          <p:nvPr/>
+        </p:nvSpPr>
+        <p:spPr>
+          <a:xfrm>
+            <a:off x="1871932" y="3804248"/>
+            <a:ext cx="672861" cy="672861"/>
+          </a:xfrm>
+          <a:prstGeom prst="rect">
+            <a:avLst/>
+          </a:prstGeom>
+          <a:solidFill>
+            <a:schemeClr val="accent4">
+              <a:lumMod val="20000"/>
+              <a:lumOff val="80000"/>
+            </a:schemeClr>
+          </a:solidFill>
+        </p:spPr>
+        <p:style>
+          <a:lnRef idx="2">
+            <a:schemeClr val="dk1"/>
+          </a:lnRef>
+          <a:fillRef idx="1">
+            <a:schemeClr val="lt1"/>
+          </a:fillRef>
+          <a:effectRef idx="0">
+            <a:schemeClr val="dk1"/>
+          </a:effectRef>
+          <a:fontRef idx="minor">
+            <a:schemeClr val="dk1"/>
+          </a:fontRef>
+        </p:style>
+        <p:txBody>
+          <a:bodyPr rtlCol="0" anchor="ctr"/>
+          <a:lstStyle/>
+          <a:p>
+            <a:pPr algn="ctr"/>
+            <a:r>
+              <a:rPr lang="en-US" altLang="ko-KR"/>
+              <a:t>7</a:t>
+            </a:r>
+            <a:endParaRPr lang="ko-KR" altLang="en-US"/>
+          </a:p>
+        </p:txBody>
+      </p:sp>
+      <p:sp>
+        <p:nvSpPr>
+          <p:cNvPr id="29" name="직사각형 28">
+            <a:extLst>
+              <a:ext uri="{FF2B5EF4-FFF2-40B4-BE49-F238E27FC236}">
+                <a16:creationId xmlns:a16="http://schemas.microsoft.com/office/drawing/2014/main" id="{979F9BA4-3B4F-6EF3-CE57-3D4F8758E831}"/>
+              </a:ext>
+            </a:extLst>
+          </p:cNvPr>
+          <p:cNvSpPr/>
+          <p:nvPr/>
+        </p:nvSpPr>
+        <p:spPr>
+          <a:xfrm>
+            <a:off x="2829464" y="3804248"/>
+            <a:ext cx="672861" cy="672861"/>
+          </a:xfrm>
+          <a:prstGeom prst="rect">
+            <a:avLst/>
+          </a:prstGeom>
+          <a:solidFill>
+            <a:schemeClr val="accent4">
+              <a:lumMod val="20000"/>
+              <a:lumOff val="80000"/>
+            </a:schemeClr>
+          </a:solidFill>
+        </p:spPr>
+        <p:style>
+          <a:lnRef idx="2">
+            <a:schemeClr val="dk1"/>
+          </a:lnRef>
+          <a:fillRef idx="1">
+            <a:schemeClr val="lt1"/>
+          </a:fillRef>
+          <a:effectRef idx="0">
+            <a:schemeClr val="dk1"/>
+          </a:effectRef>
+          <a:fontRef idx="minor">
+            <a:schemeClr val="dk1"/>
+          </a:fontRef>
+        </p:style>
+        <p:txBody>
+          <a:bodyPr rtlCol="0" anchor="ctr"/>
+          <a:lstStyle/>
+          <a:p>
+            <a:pPr algn="ctr"/>
+            <a:r>
+              <a:rPr lang="en-US" altLang="ko-KR"/>
+              <a:t>8</a:t>
+            </a:r>
+            <a:endParaRPr lang="ko-KR" altLang="en-US"/>
+          </a:p>
+        </p:txBody>
+      </p:sp>
+      <p:sp>
+        <p:nvSpPr>
+          <p:cNvPr id="30" name="직사각형 29">
+            <a:extLst>
+              <a:ext uri="{FF2B5EF4-FFF2-40B4-BE49-F238E27FC236}">
+                <a16:creationId xmlns:a16="http://schemas.microsoft.com/office/drawing/2014/main" id="{259776C9-83DB-A233-35BF-AD4C24D3071F}"/>
+              </a:ext>
+            </a:extLst>
+          </p:cNvPr>
+          <p:cNvSpPr/>
+          <p:nvPr/>
+        </p:nvSpPr>
+        <p:spPr>
+          <a:xfrm>
+            <a:off x="3743863" y="3804248"/>
+            <a:ext cx="672861" cy="672861"/>
+          </a:xfrm>
+          <a:prstGeom prst="rect">
+            <a:avLst/>
+          </a:prstGeom>
+          <a:solidFill>
+            <a:schemeClr val="accent4">
+              <a:lumMod val="20000"/>
+              <a:lumOff val="80000"/>
+            </a:schemeClr>
+          </a:solidFill>
+        </p:spPr>
+        <p:style>
+          <a:lnRef idx="2">
+            <a:schemeClr val="dk1"/>
+          </a:lnRef>
+          <a:fillRef idx="1">
+            <a:schemeClr val="lt1"/>
+          </a:fillRef>
+          <a:effectRef idx="0">
+            <a:schemeClr val="dk1"/>
+          </a:effectRef>
+          <a:fontRef idx="minor">
+            <a:schemeClr val="dk1"/>
+          </a:fontRef>
+        </p:style>
+        <p:txBody>
+          <a:bodyPr rtlCol="0" anchor="ctr"/>
+          <a:lstStyle/>
+          <a:p>
+            <a:pPr algn="ctr"/>
+            <a:r>
+              <a:rPr lang="en-US" altLang="ko-KR"/>
+              <a:t>9</a:t>
+            </a:r>
+            <a:endParaRPr lang="ko-KR" altLang="en-US"/>
+          </a:p>
+        </p:txBody>
+      </p:sp>
+      <p:sp>
+        <p:nvSpPr>
+          <p:cNvPr id="31" name="직사각형 30">
+            <a:extLst>
+              <a:ext uri="{FF2B5EF4-FFF2-40B4-BE49-F238E27FC236}">
+                <a16:creationId xmlns:a16="http://schemas.microsoft.com/office/drawing/2014/main" id="{B59DEA50-EBC9-6255-93D3-4E44BE718512}"/>
+              </a:ext>
+            </a:extLst>
+          </p:cNvPr>
+          <p:cNvSpPr/>
+          <p:nvPr/>
+        </p:nvSpPr>
+        <p:spPr>
+          <a:xfrm>
+            <a:off x="4735901" y="3804248"/>
             <a:ext cx="672861" cy="672861"/>
           </a:xfrm>
           <a:prstGeom prst="rect">
@@ -7334,18 +9327,126 @@
             <a:pPr algn="ctr"/>
             <a:r>
               <a:rPr lang="en-US" altLang="ko-KR"/>
-              <a:t>13</a:t>
-            </a:r>
-            <a:endParaRPr lang="ko-KR" altLang="en-US"/>
-          </a:p>
-        </p:txBody>
-      </p:sp>
-      <p:sp>
-        <p:nvSpPr>
-          <p:cNvPr id="19" name="TextBox 18">
-            <a:extLst>
-              <a:ext uri="{FF2B5EF4-FFF2-40B4-BE49-F238E27FC236}">
-                <a16:creationId xmlns:a16="http://schemas.microsoft.com/office/drawing/2014/main" id="{8698887F-A2F1-DEF5-6641-AFC3B948CC2F}"/>
+              <a:t>10</a:t>
+            </a:r>
+            <a:endParaRPr lang="ko-KR" altLang="en-US"/>
+          </a:p>
+        </p:txBody>
+      </p:sp>
+      <p:sp>
+        <p:nvSpPr>
+          <p:cNvPr id="32" name="직사각형 31">
+            <a:extLst>
+              <a:ext uri="{FF2B5EF4-FFF2-40B4-BE49-F238E27FC236}">
+                <a16:creationId xmlns:a16="http://schemas.microsoft.com/office/drawing/2014/main" id="{C5AE9429-4D53-0551-C241-5C38400FCC03}"/>
+              </a:ext>
+            </a:extLst>
+          </p:cNvPr>
+          <p:cNvSpPr/>
+          <p:nvPr/>
+        </p:nvSpPr>
+        <p:spPr>
+          <a:xfrm>
+            <a:off x="914400" y="4787659"/>
+            <a:ext cx="672861" cy="672861"/>
+          </a:xfrm>
+          <a:prstGeom prst="rect">
+            <a:avLst/>
+          </a:prstGeom>
+          <a:solidFill>
+            <a:schemeClr val="accent4">
+              <a:lumMod val="20000"/>
+              <a:lumOff val="80000"/>
+            </a:schemeClr>
+          </a:solidFill>
+        </p:spPr>
+        <p:style>
+          <a:lnRef idx="2">
+            <a:schemeClr val="dk1"/>
+          </a:lnRef>
+          <a:fillRef idx="1">
+            <a:schemeClr val="lt1"/>
+          </a:fillRef>
+          <a:effectRef idx="0">
+            <a:schemeClr val="dk1"/>
+          </a:effectRef>
+          <a:fontRef idx="minor">
+            <a:schemeClr val="dk1"/>
+          </a:fontRef>
+        </p:style>
+        <p:txBody>
+          <a:bodyPr rtlCol="0" anchor="ctr"/>
+          <a:lstStyle/>
+          <a:p>
+            <a:pPr algn="ctr"/>
+            <a:r>
+              <a:rPr lang="en-US" altLang="ko-KR"/>
+              <a:t>11</a:t>
+            </a:r>
+            <a:endParaRPr lang="ko-KR" altLang="en-US"/>
+          </a:p>
+        </p:txBody>
+      </p:sp>
+      <p:sp>
+        <p:nvSpPr>
+          <p:cNvPr id="33" name="직사각형 32">
+            <a:extLst>
+              <a:ext uri="{FF2B5EF4-FFF2-40B4-BE49-F238E27FC236}">
+                <a16:creationId xmlns:a16="http://schemas.microsoft.com/office/drawing/2014/main" id="{F1E4A2B3-BE77-F372-C181-1FCEE6AFC97C}"/>
+              </a:ext>
+            </a:extLst>
+          </p:cNvPr>
+          <p:cNvSpPr/>
+          <p:nvPr/>
+        </p:nvSpPr>
+        <p:spPr>
+          <a:xfrm>
+            <a:off x="1871932" y="4787659"/>
+            <a:ext cx="672861" cy="672861"/>
+          </a:xfrm>
+          <a:prstGeom prst="rect">
+            <a:avLst/>
+          </a:prstGeom>
+          <a:solidFill>
+            <a:schemeClr val="accent4">
+              <a:lumMod val="20000"/>
+              <a:lumOff val="80000"/>
+            </a:schemeClr>
+          </a:solidFill>
+        </p:spPr>
+        <p:style>
+          <a:lnRef idx="2">
+            <a:schemeClr val="dk1"/>
+          </a:lnRef>
+          <a:fillRef idx="1">
+            <a:schemeClr val="lt1"/>
+          </a:fillRef>
+          <a:effectRef idx="0">
+            <a:schemeClr val="dk1"/>
+          </a:effectRef>
+          <a:fontRef idx="minor">
+            <a:schemeClr val="dk1"/>
+          </a:fontRef>
+        </p:style>
+        <p:txBody>
+          <a:bodyPr rtlCol="0" anchor="ctr"/>
+          <a:lstStyle/>
+          <a:p>
+            <a:pPr algn="ctr"/>
+            <a:r>
+              <a:rPr lang="en-US" altLang="ko-KR"/>
+              <a:t>12</a:t>
+            </a:r>
+            <a:endParaRPr lang="ko-KR" altLang="en-US"/>
+          </a:p>
+        </p:txBody>
+      </p:sp>
+      <p:sp>
+        <p:nvSpPr>
+          <p:cNvPr id="34" name="TextBox 33">
+            <a:extLst>
+              <a:ext uri="{FF2B5EF4-FFF2-40B4-BE49-F238E27FC236}">
+                <a16:creationId xmlns:a16="http://schemas.microsoft.com/office/drawing/2014/main" id="{A7AEF292-C3C1-45D6-B912-533FB2CE99A9}"/>
               </a:ext>
             </a:extLst>
           </p:cNvPr>
@@ -7354,8 +9455,8 @@
         </p:nvSpPr>
         <p:spPr>
           <a:xfrm>
-            <a:off x="5897596" y="1825288"/>
-            <a:ext cx="2416046" cy="369332"/>
+            <a:off x="6070121" y="2622430"/>
+            <a:ext cx="1999265" cy="369332"/>
           </a:xfrm>
           <a:prstGeom prst="rect">
             <a:avLst/>
@@ -7370,22 +9471,76 @@
           <a:p>
             <a:r>
               <a:rPr lang="ko-KR" altLang="en-US"/>
-              <a:t>현재 페이지 그룹 </a:t>
+              <a:t>전체 페이지 </a:t>
             </a:r>
             <a:r>
               <a:rPr lang="en-US" altLang="ko-KR"/>
-              <a:t>= 3</a:t>
-            </a:r>
-            <a:endParaRPr lang="ko-KR" altLang="en-US"/>
-          </a:p>
-        </p:txBody>
-      </p:sp>
-      <p:sp>
-        <p:nvSpPr>
-          <p:cNvPr id="20" name="TextBox 19">
-            <a:extLst>
-              <a:ext uri="{FF2B5EF4-FFF2-40B4-BE49-F238E27FC236}">
-                <a16:creationId xmlns:a16="http://schemas.microsoft.com/office/drawing/2014/main" id="{DF2969C4-8B03-7859-EBA0-32CA0EE0138B}"/>
+              <a:t>= 13</a:t>
+            </a:r>
+            <a:endParaRPr lang="ko-KR" altLang="en-US"/>
+          </a:p>
+        </p:txBody>
+      </p:sp>
+      <p:sp>
+        <p:nvSpPr>
+          <p:cNvPr id="35" name="직사각형 34">
+            <a:extLst>
+              <a:ext uri="{FF2B5EF4-FFF2-40B4-BE49-F238E27FC236}">
+                <a16:creationId xmlns:a16="http://schemas.microsoft.com/office/drawing/2014/main" id="{D7580C9D-0336-1A5F-F749-47603C2287CF}"/>
+              </a:ext>
+            </a:extLst>
+          </p:cNvPr>
+          <p:cNvSpPr/>
+          <p:nvPr/>
+        </p:nvSpPr>
+        <p:spPr>
+          <a:xfrm>
+            <a:off x="2829464" y="4787659"/>
+            <a:ext cx="672861" cy="672861"/>
+          </a:xfrm>
+          <a:prstGeom prst="rect">
+            <a:avLst/>
+          </a:prstGeom>
+          <a:solidFill>
+            <a:schemeClr val="accent4">
+              <a:lumMod val="20000"/>
+              <a:lumOff val="80000"/>
+            </a:schemeClr>
+          </a:solidFill>
+        </p:spPr>
+        <p:style>
+          <a:lnRef idx="2">
+            <a:schemeClr val="dk1"/>
+          </a:lnRef>
+          <a:fillRef idx="1">
+            <a:schemeClr val="lt1"/>
+          </a:fillRef>
+          <a:effectRef idx="0">
+            <a:schemeClr val="dk1"/>
+          </a:effectRef>
+          <a:fontRef idx="minor">
+            <a:schemeClr val="dk1"/>
+          </a:fontRef>
+        </p:style>
+        <p:txBody>
+          <a:bodyPr rtlCol="0" anchor="ctr"/>
+          <a:lstStyle/>
+          <a:p>
+            <a:pPr algn="ctr"/>
+            <a:r>
+              <a:rPr lang="en-US" altLang="ko-KR"/>
+              <a:t>13</a:t>
+            </a:r>
+            <a:endParaRPr lang="ko-KR" altLang="en-US"/>
+          </a:p>
+        </p:txBody>
+      </p:sp>
+      <p:sp>
+        <p:nvSpPr>
+          <p:cNvPr id="36" name="TextBox 35">
+            <a:extLst>
+              <a:ext uri="{FF2B5EF4-FFF2-40B4-BE49-F238E27FC236}">
+                <a16:creationId xmlns:a16="http://schemas.microsoft.com/office/drawing/2014/main" id="{08B7DD1F-58B5-C32B-61E1-51C0C8549D46}"/>
               </a:ext>
             </a:extLst>
           </p:cNvPr>
@@ -7394,8 +9549,8 @@
         </p:nvSpPr>
         <p:spPr>
           <a:xfrm>
-            <a:off x="5897596" y="2451504"/>
-            <a:ext cx="3421129" cy="369332"/>
+            <a:off x="6070121" y="3248646"/>
+            <a:ext cx="2416046" cy="369332"/>
           </a:xfrm>
           <a:prstGeom prst="rect">
             <a:avLst/>
@@ -7410,21 +9565,22 @@
           <a:p>
             <a:r>
               <a:rPr lang="ko-KR" altLang="en-US"/>
-              <a:t>화면에 보여줄 페이지 개수 </a:t>
+              <a:t>현재 페이지 그룹 </a:t>
             </a:r>
             <a:r>
               <a:rPr lang="en-US" altLang="ko-KR"/>
-              <a:t>= 5</a:t>
-            </a:r>
-          </a:p>
-        </p:txBody>
-      </p:sp>
-      <p:sp>
-        <p:nvSpPr>
-          <p:cNvPr id="14" name="TextBox 13">
-            <a:extLst>
-              <a:ext uri="{FF2B5EF4-FFF2-40B4-BE49-F238E27FC236}">
-                <a16:creationId xmlns:a16="http://schemas.microsoft.com/office/drawing/2014/main" id="{EC386A63-927A-337A-B7AF-75E56FE19F05}"/>
+              <a:t>= 2</a:t>
+            </a:r>
+            <a:endParaRPr lang="ko-KR" altLang="en-US"/>
+          </a:p>
+        </p:txBody>
+      </p:sp>
+      <p:sp>
+        <p:nvSpPr>
+          <p:cNvPr id="37" name="TextBox 36">
+            <a:extLst>
+              <a:ext uri="{FF2B5EF4-FFF2-40B4-BE49-F238E27FC236}">
+                <a16:creationId xmlns:a16="http://schemas.microsoft.com/office/drawing/2014/main" id="{4B2556A3-55CC-EB9C-B49E-17A919FA8F58}"/>
               </a:ext>
             </a:extLst>
           </p:cNvPr>
@@ -7433,8 +9589,8 @@
         </p:nvSpPr>
         <p:spPr>
           <a:xfrm>
-            <a:off x="5897596" y="3100566"/>
-            <a:ext cx="6260047" cy="1200329"/>
+            <a:off x="6070121" y="3874862"/>
+            <a:ext cx="3421129" cy="369332"/>
           </a:xfrm>
           <a:prstGeom prst="rect">
             <a:avLst/>
@@ -7448,22 +9604,43 @@
           <a:lstStyle/>
           <a:p>
             <a:r>
-              <a:rPr lang="ko-KR" altLang="en-US">
-                <a:solidFill>
-                  <a:srgbClr val="FF0000"/>
-                </a:solidFill>
-              </a:rPr>
-              <a:t>첫번째 번호 </a:t>
-            </a:r>
-            <a:r>
-              <a:rPr lang="en-US" altLang="ko-KR">
-                <a:solidFill>
-                  <a:srgbClr val="FF0000"/>
-                </a:solidFill>
-              </a:rPr>
-              <a:t>= (3 – 1) * 5 + 1 = 11</a:t>
-            </a:r>
-          </a:p>
+              <a:rPr lang="ko-KR" altLang="en-US"/>
+              <a:t>화면에 보여줄 페이지 개수 </a:t>
+            </a:r>
+            <a:r>
+              <a:rPr lang="en-US" altLang="ko-KR"/>
+              <a:t>= 5</a:t>
+            </a:r>
+          </a:p>
+        </p:txBody>
+      </p:sp>
+      <p:sp>
+        <p:nvSpPr>
+          <p:cNvPr id="38" name="TextBox 37">
+            <a:extLst>
+              <a:ext uri="{FF2B5EF4-FFF2-40B4-BE49-F238E27FC236}">
+                <a16:creationId xmlns:a16="http://schemas.microsoft.com/office/drawing/2014/main" id="{91EB3CBC-3FCD-EE6C-D570-8DEF5BACA964}"/>
+              </a:ext>
+            </a:extLst>
+          </p:cNvPr>
+          <p:cNvSpPr txBox="1"/>
+          <p:nvPr/>
+        </p:nvSpPr>
+        <p:spPr>
+          <a:xfrm>
+            <a:off x="6070121" y="4501078"/>
+            <a:ext cx="2839239" cy="369332"/>
+          </a:xfrm>
+          <a:prstGeom prst="rect">
+            <a:avLst/>
+          </a:prstGeom>
+          <a:noFill/>
+        </p:spPr>
+        <p:txBody>
+          <a:bodyPr wrap="none" rtlCol="0">
+            <a:spAutoFit/>
+          </a:bodyPr>
+          <a:lstStyle/>
           <a:p>
             <a:r>
               <a:rPr lang="ko-KR" altLang="en-US">
@@ -7479,48 +9656,7 @@
                   <a:srgbClr val="FF0000"/>
                 </a:solidFill>
               </a:rPr>
-              <a:t>= 3 * 5 = 15 =&gt; 13</a:t>
-            </a:r>
-          </a:p>
-          <a:p>
-            <a:r>
-              <a:rPr lang="ko-KR" altLang="en-US"/>
-              <a:t>마지막 번호가 </a:t>
-            </a:r>
-            <a:r>
-              <a:rPr lang="en-US" altLang="ko-KR"/>
-              <a:t>15</a:t>
-            </a:r>
-            <a:r>
-              <a:rPr lang="ko-KR" altLang="en-US"/>
-              <a:t>인데 반해 전체 페이지는 </a:t>
-            </a:r>
-            <a:r>
-              <a:rPr lang="en-US" altLang="ko-KR"/>
-              <a:t>13</a:t>
-            </a:r>
-            <a:r>
-              <a:rPr lang="ko-KR" altLang="en-US"/>
-              <a:t>페이지이므로</a:t>
-            </a:r>
-            <a:br>
-              <a:rPr lang="en-US" altLang="ko-KR"/>
-            </a:br>
-            <a:r>
-              <a:rPr lang="ko-KR" altLang="en-US"/>
-              <a:t>마지막 번호는 </a:t>
-            </a:r>
-            <a:r>
-              <a:rPr lang="en-US" altLang="ko-KR"/>
-              <a:t>13</a:t>
-            </a:r>
-            <a:r>
-              <a:rPr lang="ko-KR" altLang="en-US"/>
-              <a:t>이 됩니다</a:t>
-            </a:r>
-            <a:r>
-              <a:rPr lang="en-US" altLang="ko-KR"/>
-              <a:t>.</a:t>
+              <a:t>= 2 * 5 = 10</a:t>
             </a:r>
           </a:p>
         </p:txBody>
@@ -7528,7 +9664,7 @@
     </p:spTree>
     <p:extLst>
       <p:ext uri="{BB962C8B-B14F-4D97-AF65-F5344CB8AC3E}">
-        <p14:creationId xmlns:p14="http://schemas.microsoft.com/office/powerpoint/2010/main" val="1512325819"/>
+        <p14:creationId xmlns:p14="http://schemas.microsoft.com/office/powerpoint/2010/main" val="3052956712"/>
       </p:ext>
     </p:extLst>
   </p:cSld>
